--- a/3architecture/Architecture.pptx
+++ b/3architecture/Architecture.pptx
@@ -2,8 +2,11 @@
 <file path=ppt/presentation.xml><?xml version="1.0" encoding="utf-8"?>
 <p:presentation xmlns:a="http://schemas.openxmlformats.org/drawingml/2006/main" xmlns:r="http://schemas.openxmlformats.org/officeDocument/2006/relationships" xmlns:p="http://schemas.openxmlformats.org/presentationml/2006/main" saveSubsetFonts="1">
   <p:sldMasterIdLst>
-    <p:sldMasterId id="2147483678" r:id="rId1"/>
+    <p:sldMasterId id="2147483725" r:id="rId1"/>
   </p:sldMasterIdLst>
+  <p:notesMasterIdLst>
+    <p:notesMasterId r:id="rId4"/>
+  </p:notesMasterIdLst>
   <p:sldIdLst>
     <p:sldId id="256" r:id="rId2"/>
     <p:sldId id="257" r:id="rId3"/>
@@ -105,7 +108,446 @@
       </a:defRPr>
     </a:lvl9pPr>
   </p:defaultTextStyle>
+  <p:extLst>
+    <p:ext uri="{EFAFB233-063F-42B5-8137-9DF3F51BA10A}">
+      <p15:sldGuideLst xmlns:p15="http://schemas.microsoft.com/office/powerpoint/2012/main"/>
+    </p:ext>
+  </p:extLst>
 </p:presentation>
+</file>
+
+<file path=ppt/notesMasters/notesMaster1.xml><?xml version="1.0" encoding="utf-8"?>
+<p:notesMaster xmlns:a="http://schemas.openxmlformats.org/drawingml/2006/main" xmlns:r="http://schemas.openxmlformats.org/officeDocument/2006/relationships" xmlns:p="http://schemas.openxmlformats.org/presentationml/2006/main">
+  <p:cSld>
+    <p:bg>
+      <p:bgRef idx="1001">
+        <a:schemeClr val="bg1"/>
+      </p:bgRef>
+    </p:bg>
+    <p:spTree>
+      <p:nvGrpSpPr>
+        <p:cNvPr id="1" name=""/>
+        <p:cNvGrpSpPr/>
+        <p:nvPr/>
+      </p:nvGrpSpPr>
+      <p:grpSpPr>
+        <a:xfrm>
+          <a:off x="0" y="0"/>
+          <a:ext cx="0" cy="0"/>
+          <a:chOff x="0" y="0"/>
+          <a:chExt cx="0" cy="0"/>
+        </a:xfrm>
+      </p:grpSpPr>
+      <p:sp>
+        <p:nvSpPr>
+          <p:cNvPr id="2" name="Верхний колонтитул 1"/>
+          <p:cNvSpPr>
+            <a:spLocks noGrp="1"/>
+          </p:cNvSpPr>
+          <p:nvPr>
+            <p:ph type="hdr" sz="quarter"/>
+          </p:nvPr>
+        </p:nvSpPr>
+        <p:spPr>
+          <a:xfrm>
+            <a:off x="0" y="0"/>
+            <a:ext cx="2971800" cy="458788"/>
+          </a:xfrm>
+          <a:prstGeom prst="rect">
+            <a:avLst/>
+          </a:prstGeom>
+        </p:spPr>
+        <p:txBody>
+          <a:bodyPr vert="horz" lIns="91440" tIns="45720" rIns="91440" bIns="45720" rtlCol="0"/>
+          <a:lstStyle>
+            <a:lvl1pPr algn="l">
+              <a:defRPr sz="1200"/>
+            </a:lvl1pPr>
+          </a:lstStyle>
+          <a:p>
+            <a:endParaRPr lang="en-US"/>
+          </a:p>
+        </p:txBody>
+      </p:sp>
+      <p:sp>
+        <p:nvSpPr>
+          <p:cNvPr id="3" name="Дата 2"/>
+          <p:cNvSpPr>
+            <a:spLocks noGrp="1"/>
+          </p:cNvSpPr>
+          <p:nvPr>
+            <p:ph type="dt" idx="1"/>
+          </p:nvPr>
+        </p:nvSpPr>
+        <p:spPr>
+          <a:xfrm>
+            <a:off x="3884613" y="0"/>
+            <a:ext cx="2971800" cy="458788"/>
+          </a:xfrm>
+          <a:prstGeom prst="rect">
+            <a:avLst/>
+          </a:prstGeom>
+        </p:spPr>
+        <p:txBody>
+          <a:bodyPr vert="horz" lIns="91440" tIns="45720" rIns="91440" bIns="45720" rtlCol="0"/>
+          <a:lstStyle>
+            <a:lvl1pPr algn="r">
+              <a:defRPr sz="1200"/>
+            </a:lvl1pPr>
+          </a:lstStyle>
+          <a:p>
+            <a:fld id="{28BDC9D7-E9CB-40B4-A15E-AA970C358381}" type="datetimeFigureOut">
+              <a:rPr lang="en-US" smtClean="0"/>
+              <a:t>4/21/2016</a:t>
+            </a:fld>
+            <a:endParaRPr lang="en-US"/>
+          </a:p>
+        </p:txBody>
+      </p:sp>
+      <p:sp>
+        <p:nvSpPr>
+          <p:cNvPr id="4" name="Образ слайда 3"/>
+          <p:cNvSpPr>
+            <a:spLocks noGrp="1" noRot="1" noChangeAspect="1"/>
+          </p:cNvSpPr>
+          <p:nvPr>
+            <p:ph type="sldImg" idx="2"/>
+          </p:nvPr>
+        </p:nvSpPr>
+        <p:spPr>
+          <a:xfrm>
+            <a:off x="685800" y="1143000"/>
+            <a:ext cx="5486400" cy="3086100"/>
+          </a:xfrm>
+          <a:prstGeom prst="rect">
+            <a:avLst/>
+          </a:prstGeom>
+          <a:noFill/>
+          <a:ln w="12700">
+            <a:solidFill>
+              <a:prstClr val="black"/>
+            </a:solidFill>
+          </a:ln>
+        </p:spPr>
+        <p:txBody>
+          <a:bodyPr vert="horz" lIns="91440" tIns="45720" rIns="91440" bIns="45720" rtlCol="0" anchor="ctr"/>
+          <a:lstStyle/>
+          <a:p>
+            <a:endParaRPr lang="en-US"/>
+          </a:p>
+        </p:txBody>
+      </p:sp>
+      <p:sp>
+        <p:nvSpPr>
+          <p:cNvPr id="5" name="Заметки 4"/>
+          <p:cNvSpPr>
+            <a:spLocks noGrp="1"/>
+          </p:cNvSpPr>
+          <p:nvPr>
+            <p:ph type="body" sz="quarter" idx="3"/>
+          </p:nvPr>
+        </p:nvSpPr>
+        <p:spPr>
+          <a:xfrm>
+            <a:off x="685800" y="4400550"/>
+            <a:ext cx="5486400" cy="3600450"/>
+          </a:xfrm>
+          <a:prstGeom prst="rect">
+            <a:avLst/>
+          </a:prstGeom>
+        </p:spPr>
+        <p:txBody>
+          <a:bodyPr vert="horz" lIns="91440" tIns="45720" rIns="91440" bIns="45720" rtlCol="0"/>
+          <a:lstStyle/>
+          <a:p>
+            <a:pPr lvl="0"/>
+            <a:r>
+              <a:rPr lang="ru-RU" smtClean="0"/>
+              <a:t>Образец текста</a:t>
+            </a:r>
+          </a:p>
+          <a:p>
+            <a:pPr lvl="1"/>
+            <a:r>
+              <a:rPr lang="ru-RU" smtClean="0"/>
+              <a:t>Второй уровень</a:t>
+            </a:r>
+          </a:p>
+          <a:p>
+            <a:pPr lvl="2"/>
+            <a:r>
+              <a:rPr lang="ru-RU" smtClean="0"/>
+              <a:t>Третий уровень</a:t>
+            </a:r>
+          </a:p>
+          <a:p>
+            <a:pPr lvl="3"/>
+            <a:r>
+              <a:rPr lang="ru-RU" smtClean="0"/>
+              <a:t>Четвертый уровень</a:t>
+            </a:r>
+          </a:p>
+          <a:p>
+            <a:pPr lvl="4"/>
+            <a:r>
+              <a:rPr lang="ru-RU" smtClean="0"/>
+              <a:t>Пятый уровень</a:t>
+            </a:r>
+            <a:endParaRPr lang="en-US"/>
+          </a:p>
+        </p:txBody>
+      </p:sp>
+      <p:sp>
+        <p:nvSpPr>
+          <p:cNvPr id="6" name="Нижний колонтитул 5"/>
+          <p:cNvSpPr>
+            <a:spLocks noGrp="1"/>
+          </p:cNvSpPr>
+          <p:nvPr>
+            <p:ph type="ftr" sz="quarter" idx="4"/>
+          </p:nvPr>
+        </p:nvSpPr>
+        <p:spPr>
+          <a:xfrm>
+            <a:off x="0" y="8685213"/>
+            <a:ext cx="2971800" cy="458787"/>
+          </a:xfrm>
+          <a:prstGeom prst="rect">
+            <a:avLst/>
+          </a:prstGeom>
+        </p:spPr>
+        <p:txBody>
+          <a:bodyPr vert="horz" lIns="91440" tIns="45720" rIns="91440" bIns="45720" rtlCol="0" anchor="b"/>
+          <a:lstStyle>
+            <a:lvl1pPr algn="l">
+              <a:defRPr sz="1200"/>
+            </a:lvl1pPr>
+          </a:lstStyle>
+          <a:p>
+            <a:endParaRPr lang="en-US"/>
+          </a:p>
+        </p:txBody>
+      </p:sp>
+      <p:sp>
+        <p:nvSpPr>
+          <p:cNvPr id="7" name="Номер слайда 6"/>
+          <p:cNvSpPr>
+            <a:spLocks noGrp="1"/>
+          </p:cNvSpPr>
+          <p:nvPr>
+            <p:ph type="sldNum" sz="quarter" idx="5"/>
+          </p:nvPr>
+        </p:nvSpPr>
+        <p:spPr>
+          <a:xfrm>
+            <a:off x="3884613" y="8685213"/>
+            <a:ext cx="2971800" cy="458787"/>
+          </a:xfrm>
+          <a:prstGeom prst="rect">
+            <a:avLst/>
+          </a:prstGeom>
+        </p:spPr>
+        <p:txBody>
+          <a:bodyPr vert="horz" lIns="91440" tIns="45720" rIns="91440" bIns="45720" rtlCol="0" anchor="b"/>
+          <a:lstStyle>
+            <a:lvl1pPr algn="r">
+              <a:defRPr sz="1200"/>
+            </a:lvl1pPr>
+          </a:lstStyle>
+          <a:p>
+            <a:fld id="{EBA2F580-62B4-4B60-AF13-C7E977DD825C}" type="slidenum">
+              <a:rPr lang="en-US" smtClean="0"/>
+              <a:t>‹#›</a:t>
+            </a:fld>
+            <a:endParaRPr lang="en-US"/>
+          </a:p>
+        </p:txBody>
+      </p:sp>
+    </p:spTree>
+    <p:extLst>
+      <p:ext uri="{BB962C8B-B14F-4D97-AF65-F5344CB8AC3E}">
+        <p14:creationId xmlns:p14="http://schemas.microsoft.com/office/powerpoint/2010/main" val="3448745435"/>
+      </p:ext>
+    </p:extLst>
+  </p:cSld>
+  <p:clrMap bg1="lt1" tx1="dk1" bg2="lt2" tx2="dk2" accent1="accent1" accent2="accent2" accent3="accent3" accent4="accent4" accent5="accent5" accent6="accent6" hlink="hlink" folHlink="folHlink"/>
+  <p:notesStyle>
+    <a:lvl1pPr marL="0" algn="l" defTabSz="914400" rtl="0" eaLnBrk="1" latinLnBrk="0" hangingPunct="1">
+      <a:defRPr sz="1200" kern="1200">
+        <a:solidFill>
+          <a:schemeClr val="tx1"/>
+        </a:solidFill>
+        <a:latin typeface="+mn-lt"/>
+        <a:ea typeface="+mn-ea"/>
+        <a:cs typeface="+mn-cs"/>
+      </a:defRPr>
+    </a:lvl1pPr>
+    <a:lvl2pPr marL="457200" algn="l" defTabSz="914400" rtl="0" eaLnBrk="1" latinLnBrk="0" hangingPunct="1">
+      <a:defRPr sz="1200" kern="1200">
+        <a:solidFill>
+          <a:schemeClr val="tx1"/>
+        </a:solidFill>
+        <a:latin typeface="+mn-lt"/>
+        <a:ea typeface="+mn-ea"/>
+        <a:cs typeface="+mn-cs"/>
+      </a:defRPr>
+    </a:lvl2pPr>
+    <a:lvl3pPr marL="914400" algn="l" defTabSz="914400" rtl="0" eaLnBrk="1" latinLnBrk="0" hangingPunct="1">
+      <a:defRPr sz="1200" kern="1200">
+        <a:solidFill>
+          <a:schemeClr val="tx1"/>
+        </a:solidFill>
+        <a:latin typeface="+mn-lt"/>
+        <a:ea typeface="+mn-ea"/>
+        <a:cs typeface="+mn-cs"/>
+      </a:defRPr>
+    </a:lvl3pPr>
+    <a:lvl4pPr marL="1371600" algn="l" defTabSz="914400" rtl="0" eaLnBrk="1" latinLnBrk="0" hangingPunct="1">
+      <a:defRPr sz="1200" kern="1200">
+        <a:solidFill>
+          <a:schemeClr val="tx1"/>
+        </a:solidFill>
+        <a:latin typeface="+mn-lt"/>
+        <a:ea typeface="+mn-ea"/>
+        <a:cs typeface="+mn-cs"/>
+      </a:defRPr>
+    </a:lvl4pPr>
+    <a:lvl5pPr marL="1828800" algn="l" defTabSz="914400" rtl="0" eaLnBrk="1" latinLnBrk="0" hangingPunct="1">
+      <a:defRPr sz="1200" kern="1200">
+        <a:solidFill>
+          <a:schemeClr val="tx1"/>
+        </a:solidFill>
+        <a:latin typeface="+mn-lt"/>
+        <a:ea typeface="+mn-ea"/>
+        <a:cs typeface="+mn-cs"/>
+      </a:defRPr>
+    </a:lvl5pPr>
+    <a:lvl6pPr marL="2286000" algn="l" defTabSz="914400" rtl="0" eaLnBrk="1" latinLnBrk="0" hangingPunct="1">
+      <a:defRPr sz="1200" kern="1200">
+        <a:solidFill>
+          <a:schemeClr val="tx1"/>
+        </a:solidFill>
+        <a:latin typeface="+mn-lt"/>
+        <a:ea typeface="+mn-ea"/>
+        <a:cs typeface="+mn-cs"/>
+      </a:defRPr>
+    </a:lvl6pPr>
+    <a:lvl7pPr marL="2743200" algn="l" defTabSz="914400" rtl="0" eaLnBrk="1" latinLnBrk="0" hangingPunct="1">
+      <a:defRPr sz="1200" kern="1200">
+        <a:solidFill>
+          <a:schemeClr val="tx1"/>
+        </a:solidFill>
+        <a:latin typeface="+mn-lt"/>
+        <a:ea typeface="+mn-ea"/>
+        <a:cs typeface="+mn-cs"/>
+      </a:defRPr>
+    </a:lvl7pPr>
+    <a:lvl8pPr marL="3200400" algn="l" defTabSz="914400" rtl="0" eaLnBrk="1" latinLnBrk="0" hangingPunct="1">
+      <a:defRPr sz="1200" kern="1200">
+        <a:solidFill>
+          <a:schemeClr val="tx1"/>
+        </a:solidFill>
+        <a:latin typeface="+mn-lt"/>
+        <a:ea typeface="+mn-ea"/>
+        <a:cs typeface="+mn-cs"/>
+      </a:defRPr>
+    </a:lvl8pPr>
+    <a:lvl9pPr marL="3657600" algn="l" defTabSz="914400" rtl="0" eaLnBrk="1" latinLnBrk="0" hangingPunct="1">
+      <a:defRPr sz="1200" kern="1200">
+        <a:solidFill>
+          <a:schemeClr val="tx1"/>
+        </a:solidFill>
+        <a:latin typeface="+mn-lt"/>
+        <a:ea typeface="+mn-ea"/>
+        <a:cs typeface="+mn-cs"/>
+      </a:defRPr>
+    </a:lvl9pPr>
+  </p:notesStyle>
+</p:notesMaster>
+</file>
+
+<file path=ppt/notesSlides/notesSlide1.xml><?xml version="1.0" encoding="utf-8"?>
+<p:notes xmlns:a="http://schemas.openxmlformats.org/drawingml/2006/main" xmlns:r="http://schemas.openxmlformats.org/officeDocument/2006/relationships" xmlns:p="http://schemas.openxmlformats.org/presentationml/2006/main">
+  <p:cSld>
+    <p:spTree>
+      <p:nvGrpSpPr>
+        <p:cNvPr id="1" name=""/>
+        <p:cNvGrpSpPr/>
+        <p:nvPr/>
+      </p:nvGrpSpPr>
+      <p:grpSpPr>
+        <a:xfrm>
+          <a:off x="0" y="0"/>
+          <a:ext cx="0" cy="0"/>
+          <a:chOff x="0" y="0"/>
+          <a:chExt cx="0" cy="0"/>
+        </a:xfrm>
+      </p:grpSpPr>
+      <p:sp>
+        <p:nvSpPr>
+          <p:cNvPr id="2" name="Образ слайда 1"/>
+          <p:cNvSpPr>
+            <a:spLocks noGrp="1" noRot="1" noChangeAspect="1"/>
+          </p:cNvSpPr>
+          <p:nvPr>
+            <p:ph type="sldImg"/>
+          </p:nvPr>
+        </p:nvSpPr>
+        <p:spPr/>
+      </p:sp>
+      <p:sp>
+        <p:nvSpPr>
+          <p:cNvPr id="3" name="Заметки 2"/>
+          <p:cNvSpPr>
+            <a:spLocks noGrp="1"/>
+          </p:cNvSpPr>
+          <p:nvPr>
+            <p:ph type="body" idx="1"/>
+          </p:nvPr>
+        </p:nvSpPr>
+        <p:spPr/>
+        <p:txBody>
+          <a:bodyPr/>
+          <a:lstStyle/>
+          <a:p>
+            <a:endParaRPr lang="en-US" dirty="0"/>
+          </a:p>
+        </p:txBody>
+      </p:sp>
+      <p:sp>
+        <p:nvSpPr>
+          <p:cNvPr id="4" name="Номер слайда 3"/>
+          <p:cNvSpPr>
+            <a:spLocks noGrp="1"/>
+          </p:cNvSpPr>
+          <p:nvPr>
+            <p:ph type="sldNum" sz="quarter" idx="10"/>
+          </p:nvPr>
+        </p:nvSpPr>
+        <p:spPr/>
+        <p:txBody>
+          <a:bodyPr/>
+          <a:lstStyle/>
+          <a:p>
+            <a:fld id="{EBA2F580-62B4-4B60-AF13-C7E977DD825C}" type="slidenum">
+              <a:rPr lang="en-US" smtClean="0"/>
+              <a:t>2</a:t>
+            </a:fld>
+            <a:endParaRPr lang="en-US"/>
+          </a:p>
+        </p:txBody>
+      </p:sp>
+    </p:spTree>
+    <p:extLst>
+      <p:ext uri="{BB962C8B-B14F-4D97-AF65-F5344CB8AC3E}">
+        <p14:creationId xmlns:p14="http://schemas.microsoft.com/office/powerpoint/2010/main" val="4288625754"/>
+      </p:ext>
+    </p:extLst>
+  </p:cSld>
+  <p:clrMapOvr>
+    <a:masterClrMapping/>
+  </p:clrMapOvr>
+</p:notes>
 </file>
 
 <file path=ppt/slideLayouts/slideLayout1.xml><?xml version="1.0" encoding="utf-8"?>
@@ -127,143 +569,248 @@
       </p:grpSpPr>
       <p:grpSp>
         <p:nvGrpSpPr>
-          <p:cNvPr id="19" name="Group 18"/>
+          <p:cNvPr id="16" name="Group 15"/>
           <p:cNvGrpSpPr/>
           <p:nvPr/>
         </p:nvGrpSpPr>
         <p:grpSpPr>
           <a:xfrm>
-            <a:off x="546100" y="-4763"/>
-            <a:ext cx="5014912" cy="6862763"/>
-            <a:chOff x="2928938" y="-4763"/>
-            <a:chExt cx="5014912" cy="6862763"/>
+            <a:off x="0" y="-8467"/>
+            <a:ext cx="12192000" cy="6866467"/>
+            <a:chOff x="0" y="-8467"/>
+            <a:chExt cx="12192000" cy="6866467"/>
           </a:xfrm>
         </p:grpSpPr>
         <p:sp>
           <p:nvSpPr>
-            <p:cNvPr id="22" name="Freeform 6"/>
+            <p:cNvPr id="15" name="Freeform 14"/>
             <p:cNvSpPr/>
             <p:nvPr/>
           </p:nvSpPr>
-          <p:spPr bwMode="auto">
+          <p:spPr>
             <a:xfrm>
-              <a:off x="3367088" y="-4763"/>
-              <a:ext cx="1063625" cy="2782888"/>
+              <a:off x="0" y="-7862"/>
+              <a:ext cx="863600" cy="5698067"/>
             </a:xfrm>
             <a:custGeom>
               <a:avLst/>
               <a:gdLst/>
               <a:ahLst/>
               <a:cxnLst/>
-              <a:rect l="0" t="0" r="r" b="b"/>
+              <a:rect l="l" t="t" r="r" b="b"/>
               <a:pathLst>
-                <a:path w="670" h="1753">
+                <a:path w="863600" h="5698067">
                   <a:moveTo>
-                    <a:pt x="0" y="1696"/>
+                    <a:pt x="0" y="8467"/>
                   </a:moveTo>
                   <a:lnTo>
-                    <a:pt x="225" y="1753"/>
+                    <a:pt x="863600" y="0"/>
                   </a:lnTo>
                   <a:lnTo>
-                    <a:pt x="670" y="0"/>
+                    <a:pt x="863600" y="16934"/>
                   </a:lnTo>
                   <a:lnTo>
-                    <a:pt x="430" y="0"/>
+                    <a:pt x="0" y="5698067"/>
                   </a:lnTo>
                   <a:lnTo>
-                    <a:pt x="0" y="1696"/>
+                    <a:pt x="0" y="8467"/>
                   </a:lnTo>
                   <a:close/>
                 </a:path>
               </a:pathLst>
             </a:custGeom>
             <a:solidFill>
-              <a:schemeClr val="accent1"/>
+              <a:schemeClr val="accent1">
+                <a:alpha val="70000"/>
+              </a:schemeClr>
             </a:solidFill>
             <a:ln>
               <a:noFill/>
             </a:ln>
+            <a:effectLst/>
           </p:spPr>
+          <p:style>
+            <a:lnRef idx="1">
+              <a:schemeClr val="accent1"/>
+            </a:lnRef>
+            <a:fillRef idx="3">
+              <a:schemeClr val="accent1"/>
+            </a:fillRef>
+            <a:effectRef idx="2">
+              <a:schemeClr val="accent1"/>
+            </a:effectRef>
+            <a:fontRef idx="minor">
+              <a:schemeClr val="lt1"/>
+            </a:fontRef>
+          </p:style>
         </p:sp>
+        <p:cxnSp>
+          <p:nvCxnSpPr>
+            <p:cNvPr id="19" name="Straight Connector 18"/>
+            <p:cNvCxnSpPr/>
+            <p:nvPr/>
+          </p:nvCxnSpPr>
+          <p:spPr>
+            <a:xfrm>
+              <a:off x="9371012" y="0"/>
+              <a:ext cx="1219200" cy="6858000"/>
+            </a:xfrm>
+            <a:prstGeom prst="line">
+              <a:avLst/>
+            </a:prstGeom>
+            <a:ln w="9525">
+              <a:solidFill>
+                <a:schemeClr val="accent1">
+                  <a:alpha val="70000"/>
+                </a:schemeClr>
+              </a:solidFill>
+            </a:ln>
+          </p:spPr>
+          <p:style>
+            <a:lnRef idx="2">
+              <a:schemeClr val="accent1"/>
+            </a:lnRef>
+            <a:fillRef idx="0">
+              <a:schemeClr val="accent1"/>
+            </a:fillRef>
+            <a:effectRef idx="1">
+              <a:schemeClr val="accent1"/>
+            </a:effectRef>
+            <a:fontRef idx="minor">
+              <a:schemeClr val="tx1"/>
+            </a:fontRef>
+          </p:style>
+        </p:cxnSp>
+        <p:cxnSp>
+          <p:nvCxnSpPr>
+            <p:cNvPr id="20" name="Straight Connector 19"/>
+            <p:cNvCxnSpPr/>
+            <p:nvPr/>
+          </p:nvCxnSpPr>
+          <p:spPr>
+            <a:xfrm flipH="1">
+              <a:off x="7425267" y="3681413"/>
+              <a:ext cx="4763558" cy="3176587"/>
+            </a:xfrm>
+            <a:prstGeom prst="line">
+              <a:avLst/>
+            </a:prstGeom>
+            <a:ln w="9525">
+              <a:solidFill>
+                <a:schemeClr val="accent1">
+                  <a:alpha val="70000"/>
+                </a:schemeClr>
+              </a:solidFill>
+            </a:ln>
+          </p:spPr>
+          <p:style>
+            <a:lnRef idx="2">
+              <a:schemeClr val="accent1"/>
+            </a:lnRef>
+            <a:fillRef idx="0">
+              <a:schemeClr val="accent1"/>
+            </a:fillRef>
+            <a:effectRef idx="1">
+              <a:schemeClr val="accent1"/>
+            </a:effectRef>
+            <a:fontRef idx="minor">
+              <a:schemeClr val="tx1"/>
+            </a:fontRef>
+          </p:style>
+        </p:cxnSp>
         <p:sp>
           <p:nvSpPr>
-            <p:cNvPr id="23" name="Freeform 7"/>
+            <p:cNvPr id="21" name="Rectangle 23"/>
             <p:cNvSpPr/>
             <p:nvPr/>
           </p:nvSpPr>
-          <p:spPr bwMode="auto">
+          <p:spPr>
             <a:xfrm>
-              <a:off x="2928938" y="-4763"/>
-              <a:ext cx="1035050" cy="2673350"/>
+              <a:off x="9181476" y="-8467"/>
+              <a:ext cx="3007349" cy="6866467"/>
             </a:xfrm>
             <a:custGeom>
               <a:avLst/>
               <a:gdLst/>
               <a:ahLst/>
               <a:cxnLst/>
-              <a:rect l="0" t="0" r="r" b="b"/>
+              <a:rect l="l" t="t" r="r" b="b"/>
               <a:pathLst>
-                <a:path w="652" h="1684">
+                <a:path w="3007349" h="6866467">
                   <a:moveTo>
-                    <a:pt x="225" y="1684"/>
+                    <a:pt x="2045532" y="0"/>
                   </a:moveTo>
                   <a:lnTo>
-                    <a:pt x="652" y="0"/>
+                    <a:pt x="3007349" y="0"/>
                   </a:lnTo>
                   <a:lnTo>
-                    <a:pt x="411" y="0"/>
+                    <a:pt x="3007349" y="6866467"/>
                   </a:lnTo>
                   <a:lnTo>
-                    <a:pt x="0" y="1627"/>
+                    <a:pt x="0" y="6866467"/>
                   </a:lnTo>
                   <a:lnTo>
-                    <a:pt x="219" y="1681"/>
-                  </a:lnTo>
-                  <a:lnTo>
-                    <a:pt x="225" y="1684"/>
+                    <a:pt x="2045532" y="0"/>
                   </a:lnTo>
                   <a:close/>
                 </a:path>
               </a:pathLst>
             </a:custGeom>
             <a:solidFill>
-              <a:schemeClr val="tx1">
-                <a:lumMod val="65000"/>
-                <a:lumOff val="35000"/>
+              <a:schemeClr val="accent1">
+                <a:alpha val="36000"/>
               </a:schemeClr>
             </a:solidFill>
             <a:ln>
               <a:noFill/>
             </a:ln>
+            <a:effectLst/>
           </p:spPr>
+          <p:style>
+            <a:lnRef idx="1">
+              <a:schemeClr val="accent1"/>
+            </a:lnRef>
+            <a:fillRef idx="3">
+              <a:schemeClr val="accent1"/>
+            </a:fillRef>
+            <a:effectRef idx="2">
+              <a:schemeClr val="accent1"/>
+            </a:effectRef>
+            <a:fontRef idx="minor">
+              <a:schemeClr val="lt1"/>
+            </a:fontRef>
+          </p:style>
         </p:sp>
         <p:sp>
           <p:nvSpPr>
-            <p:cNvPr id="24" name="Freeform 9"/>
+            <p:cNvPr id="22" name="Rectangle 25"/>
             <p:cNvSpPr/>
             <p:nvPr/>
           </p:nvSpPr>
-          <p:spPr bwMode="auto">
+          <p:spPr>
             <a:xfrm>
-              <a:off x="2928938" y="2582862"/>
-              <a:ext cx="2693987" cy="4275138"/>
+              <a:off x="9603442" y="-8467"/>
+              <a:ext cx="2588558" cy="6866467"/>
             </a:xfrm>
             <a:custGeom>
               <a:avLst/>
               <a:gdLst/>
               <a:ahLst/>
               <a:cxnLst/>
-              <a:rect l="0" t="0" r="r" b="b"/>
+              <a:rect l="l" t="t" r="r" b="b"/>
               <a:pathLst>
-                <a:path w="1697" h="2693">
+                <a:path w="2573311" h="6866467">
                   <a:moveTo>
                     <a:pt x="0" y="0"/>
                   </a:moveTo>
                   <a:lnTo>
-                    <a:pt x="1622" y="2693"/>
+                    <a:pt x="2573311" y="0"/>
                   </a:lnTo>
                   <a:lnTo>
-                    <a:pt x="1697" y="2693"/>
+                    <a:pt x="2573311" y="6866467"/>
+                  </a:lnTo>
+                  <a:lnTo>
+                    <a:pt x="1202336" y="6866467"/>
                   </a:lnTo>
                   <a:lnTo>
                     <a:pt x="0" y="0"/>
@@ -273,94 +820,102 @@
               </a:pathLst>
             </a:custGeom>
             <a:solidFill>
-              <a:schemeClr val="tx1">
-                <a:lumMod val="85000"/>
-                <a:lumOff val="15000"/>
+              <a:schemeClr val="accent1">
+                <a:alpha val="20000"/>
               </a:schemeClr>
             </a:solidFill>
             <a:ln>
               <a:noFill/>
             </a:ln>
+            <a:effectLst/>
           </p:spPr>
+          <p:style>
+            <a:lnRef idx="1">
+              <a:schemeClr val="accent1"/>
+            </a:lnRef>
+            <a:fillRef idx="3">
+              <a:schemeClr val="accent1"/>
+            </a:fillRef>
+            <a:effectRef idx="2">
+              <a:schemeClr val="accent1"/>
+            </a:effectRef>
+            <a:fontRef idx="minor">
+              <a:schemeClr val="lt1"/>
+            </a:fontRef>
+          </p:style>
         </p:sp>
         <p:sp>
           <p:nvSpPr>
-            <p:cNvPr id="25" name="Freeform 10"/>
+            <p:cNvPr id="23" name="Isosceles Triangle 22"/>
             <p:cNvSpPr/>
             <p:nvPr/>
           </p:nvSpPr>
-          <p:spPr bwMode="auto">
+          <p:spPr>
             <a:xfrm>
-              <a:off x="3371850" y="2692400"/>
-              <a:ext cx="3332162" cy="4165600"/>
+              <a:off x="8932333" y="3048000"/>
+              <a:ext cx="3259667" cy="3810000"/>
+            </a:xfrm>
+            <a:prstGeom prst="triangle">
+              <a:avLst>
+                <a:gd name="adj" fmla="val 100000"/>
+              </a:avLst>
+            </a:prstGeom>
+            <a:solidFill>
+              <a:schemeClr val="accent1">
+                <a:lumMod val="75000"/>
+                <a:alpha val="66000"/>
+              </a:schemeClr>
+            </a:solidFill>
+            <a:ln>
+              <a:noFill/>
+            </a:ln>
+            <a:effectLst/>
+          </p:spPr>
+          <p:style>
+            <a:lnRef idx="1">
+              <a:schemeClr val="accent1"/>
+            </a:lnRef>
+            <a:fillRef idx="3">
+              <a:schemeClr val="accent1"/>
+            </a:fillRef>
+            <a:effectRef idx="2">
+              <a:schemeClr val="accent1"/>
+            </a:effectRef>
+            <a:fontRef idx="minor">
+              <a:schemeClr val="lt1"/>
+            </a:fontRef>
+          </p:style>
+        </p:sp>
+        <p:sp>
+          <p:nvSpPr>
+            <p:cNvPr id="24" name="Rectangle 27"/>
+            <p:cNvSpPr/>
+            <p:nvPr/>
+          </p:nvSpPr>
+          <p:spPr>
+            <a:xfrm>
+              <a:off x="9334500" y="-8467"/>
+              <a:ext cx="2854326" cy="6866467"/>
             </a:xfrm>
             <a:custGeom>
               <a:avLst/>
               <a:gdLst/>
               <a:ahLst/>
               <a:cxnLst/>
-              <a:rect l="0" t="0" r="r" b="b"/>
+              <a:rect l="l" t="t" r="r" b="b"/>
               <a:pathLst>
-                <a:path w="2099" h="2624">
-                  <a:moveTo>
-                    <a:pt x="2099" y="2624"/>
-                  </a:moveTo>
-                  <a:lnTo>
-                    <a:pt x="0" y="0"/>
-                  </a:lnTo>
-                  <a:lnTo>
-                    <a:pt x="2021" y="2624"/>
-                  </a:lnTo>
-                  <a:lnTo>
-                    <a:pt x="2099" y="2624"/>
-                  </a:lnTo>
-                  <a:close/>
-                </a:path>
-              </a:pathLst>
-            </a:custGeom>
-            <a:solidFill>
-              <a:schemeClr val="accent1">
-                <a:lumMod val="50000"/>
-              </a:schemeClr>
-            </a:solidFill>
-            <a:ln>
-              <a:noFill/>
-            </a:ln>
-          </p:spPr>
-        </p:sp>
-        <p:sp>
-          <p:nvSpPr>
-            <p:cNvPr id="26" name="Freeform 11"/>
-            <p:cNvSpPr/>
-            <p:nvPr/>
-          </p:nvSpPr>
-          <p:spPr bwMode="auto">
-            <a:xfrm>
-              <a:off x="3367088" y="2687637"/>
-              <a:ext cx="4576762" cy="4170363"/>
-            </a:xfrm>
-            <a:custGeom>
-              <a:avLst/>
-              <a:gdLst/>
-              <a:ahLst/>
-              <a:cxnLst/>
-              <a:rect l="0" t="0" r="r" b="b"/>
-              <a:pathLst>
-                <a:path w="2883" h="2627">
+                <a:path w="2858013" h="6866467">
                   <a:moveTo>
                     <a:pt x="0" y="0"/>
                   </a:moveTo>
                   <a:lnTo>
-                    <a:pt x="3" y="3"/>
+                    <a:pt x="2858013" y="0"/>
                   </a:lnTo>
                   <a:lnTo>
-                    <a:pt x="2102" y="2627"/>
+                    <a:pt x="2858013" y="6866467"/>
                   </a:lnTo>
                   <a:lnTo>
-                    <a:pt x="2883" y="2627"/>
-                  </a:lnTo>
-                  <a:lnTo>
-                    <a:pt x="225" y="57"/>
+                    <a:pt x="2473942" y="6866467"/>
                   </a:lnTo>
                   <a:lnTo>
                     <a:pt x="0" y="0"/>
@@ -372,70 +927,197 @@
             <a:solidFill>
               <a:schemeClr val="accent1">
                 <a:lumMod val="75000"/>
+                <a:alpha val="50000"/>
               </a:schemeClr>
             </a:solidFill>
             <a:ln>
               <a:noFill/>
             </a:ln>
+            <a:effectLst/>
           </p:spPr>
+          <p:style>
+            <a:lnRef idx="1">
+              <a:schemeClr val="accent1"/>
+            </a:lnRef>
+            <a:fillRef idx="3">
+              <a:schemeClr val="accent1"/>
+            </a:fillRef>
+            <a:effectRef idx="2">
+              <a:schemeClr val="accent1"/>
+            </a:effectRef>
+            <a:fontRef idx="minor">
+              <a:schemeClr val="lt1"/>
+            </a:fontRef>
+          </p:style>
         </p:sp>
         <p:sp>
           <p:nvSpPr>
-            <p:cNvPr id="27" name="Freeform 12"/>
+            <p:cNvPr id="25" name="Rectangle 28"/>
             <p:cNvSpPr/>
             <p:nvPr/>
           </p:nvSpPr>
-          <p:spPr bwMode="auto">
+          <p:spPr>
             <a:xfrm>
-              <a:off x="2928938" y="2578100"/>
-              <a:ext cx="3584575" cy="4279900"/>
+              <a:off x="10898730" y="-8467"/>
+              <a:ext cx="1290094" cy="6866467"/>
             </a:xfrm>
             <a:custGeom>
               <a:avLst/>
               <a:gdLst/>
               <a:ahLst/>
               <a:cxnLst/>
-              <a:rect l="0" t="0" r="r" b="b"/>
+              <a:rect l="l" t="t" r="r" b="b"/>
               <a:pathLst>
-                <a:path w="2258" h="2696">
+                <a:path w="1290094" h="6858000">
                   <a:moveTo>
-                    <a:pt x="2258" y="2696"/>
+                    <a:pt x="1019735" y="0"/>
                   </a:moveTo>
                   <a:lnTo>
-                    <a:pt x="264" y="111"/>
+                    <a:pt x="1290094" y="0"/>
                   </a:lnTo>
                   <a:lnTo>
-                    <a:pt x="228" y="60"/>
+                    <a:pt x="1290094" y="6858000"/>
                   </a:lnTo>
                   <a:lnTo>
-                    <a:pt x="225" y="57"/>
+                    <a:pt x="0" y="6858000"/>
                   </a:lnTo>
                   <a:lnTo>
-                    <a:pt x="0" y="0"/>
-                  </a:lnTo>
-                  <a:lnTo>
-                    <a:pt x="0" y="3"/>
-                  </a:lnTo>
-                  <a:lnTo>
-                    <a:pt x="1697" y="2696"/>
-                  </a:lnTo>
-                  <a:lnTo>
-                    <a:pt x="2258" y="2696"/>
+                    <a:pt x="1019735" y="0"/>
                   </a:lnTo>
                   <a:close/>
                 </a:path>
               </a:pathLst>
             </a:custGeom>
             <a:solidFill>
-              <a:schemeClr val="tx1">
-                <a:lumMod val="75000"/>
-                <a:lumOff val="25000"/>
+              <a:schemeClr val="accent2">
+                <a:alpha val="70000"/>
               </a:schemeClr>
             </a:solidFill>
             <a:ln>
               <a:noFill/>
             </a:ln>
+            <a:effectLst/>
           </p:spPr>
+          <p:style>
+            <a:lnRef idx="1">
+              <a:schemeClr val="accent1"/>
+            </a:lnRef>
+            <a:fillRef idx="3">
+              <a:schemeClr val="accent1"/>
+            </a:fillRef>
+            <a:effectRef idx="2">
+              <a:schemeClr val="accent1"/>
+            </a:effectRef>
+            <a:fontRef idx="minor">
+              <a:schemeClr val="lt1"/>
+            </a:fontRef>
+          </p:style>
+        </p:sp>
+        <p:sp>
+          <p:nvSpPr>
+            <p:cNvPr id="26" name="Rectangle 29"/>
+            <p:cNvSpPr/>
+            <p:nvPr/>
+          </p:nvSpPr>
+          <p:spPr>
+            <a:xfrm>
+              <a:off x="10938999" y="-8467"/>
+              <a:ext cx="1249825" cy="6866467"/>
+            </a:xfrm>
+            <a:custGeom>
+              <a:avLst/>
+              <a:gdLst/>
+              <a:ahLst/>
+              <a:cxnLst/>
+              <a:rect l="l" t="t" r="r" b="b"/>
+              <a:pathLst>
+                <a:path w="1249825" h="6858000">
+                  <a:moveTo>
+                    <a:pt x="0" y="0"/>
+                  </a:moveTo>
+                  <a:lnTo>
+                    <a:pt x="1249825" y="0"/>
+                  </a:lnTo>
+                  <a:lnTo>
+                    <a:pt x="1249825" y="6858000"/>
+                  </a:lnTo>
+                  <a:lnTo>
+                    <a:pt x="1109382" y="6858000"/>
+                  </a:lnTo>
+                  <a:lnTo>
+                    <a:pt x="0" y="0"/>
+                  </a:lnTo>
+                  <a:close/>
+                </a:path>
+              </a:pathLst>
+            </a:custGeom>
+            <a:solidFill>
+              <a:schemeClr val="accent2">
+                <a:lumMod val="75000"/>
+                <a:alpha val="80000"/>
+              </a:schemeClr>
+            </a:solidFill>
+            <a:ln>
+              <a:noFill/>
+            </a:ln>
+            <a:effectLst/>
+          </p:spPr>
+          <p:style>
+            <a:lnRef idx="1">
+              <a:schemeClr val="accent1"/>
+            </a:lnRef>
+            <a:fillRef idx="3">
+              <a:schemeClr val="accent1"/>
+            </a:fillRef>
+            <a:effectRef idx="2">
+              <a:schemeClr val="accent1"/>
+            </a:effectRef>
+            <a:fontRef idx="minor">
+              <a:schemeClr val="lt1"/>
+            </a:fontRef>
+          </p:style>
+        </p:sp>
+        <p:sp>
+          <p:nvSpPr>
+            <p:cNvPr id="27" name="Isosceles Triangle 26"/>
+            <p:cNvSpPr/>
+            <p:nvPr/>
+          </p:nvSpPr>
+          <p:spPr>
+            <a:xfrm>
+              <a:off x="10371666" y="3589867"/>
+              <a:ext cx="1817159" cy="3268133"/>
+            </a:xfrm>
+            <a:prstGeom prst="triangle">
+              <a:avLst>
+                <a:gd name="adj" fmla="val 100000"/>
+              </a:avLst>
+            </a:prstGeom>
+            <a:solidFill>
+              <a:schemeClr val="accent1">
+                <a:lumMod val="75000"/>
+                <a:alpha val="66000"/>
+              </a:schemeClr>
+            </a:solidFill>
+            <a:ln>
+              <a:noFill/>
+            </a:ln>
+            <a:effectLst/>
+          </p:spPr>
+          <p:style>
+            <a:lnRef idx="1">
+              <a:schemeClr val="accent1"/>
+            </a:lnRef>
+            <a:fillRef idx="3">
+              <a:schemeClr val="accent1"/>
+            </a:fillRef>
+            <a:effectRef idx="2">
+              <a:schemeClr val="accent1"/>
+            </a:effectRef>
+            <a:fontRef idx="minor">
+              <a:schemeClr val="lt1"/>
+            </a:fontRef>
+          </p:style>
         </p:sp>
       </p:grpSp>
       <p:sp>
@@ -450,18 +1132,20 @@
         </p:nvSpPr>
         <p:spPr>
           <a:xfrm>
-            <a:off x="2928401" y="1380068"/>
-            <a:ext cx="8574622" cy="2616199"/>
+            <a:off x="1507067" y="2404534"/>
+            <a:ext cx="7766936" cy="1646302"/>
           </a:xfrm>
         </p:spPr>
         <p:txBody>
           <a:bodyPr anchor="b">
-            <a:normAutofit/>
+            <a:noAutofit/>
           </a:bodyPr>
           <a:lstStyle>
             <a:lvl1pPr algn="r">
-              <a:defRPr sz="6000">
-                <a:effectLst/>
+              <a:defRPr sz="5400">
+                <a:solidFill>
+                  <a:schemeClr val="accent1"/>
+                </a:solidFill>
               </a:defRPr>
             </a:lvl1pPr>
           </a:lstStyle>
@@ -486,20 +1170,21 @@
         </p:nvSpPr>
         <p:spPr>
           <a:xfrm>
-            <a:off x="4515377" y="3996267"/>
-            <a:ext cx="6987645" cy="1388534"/>
+            <a:off x="1507067" y="4050833"/>
+            <a:ext cx="7766936" cy="1096899"/>
           </a:xfrm>
         </p:spPr>
         <p:txBody>
-          <a:bodyPr anchor="t">
-            <a:normAutofit/>
-          </a:bodyPr>
+          <a:bodyPr anchor="t"/>
           <a:lstStyle>
             <a:lvl1pPr marL="0" indent="0" algn="r">
               <a:buNone/>
-              <a:defRPr sz="2100">
-                <a:solidFill>
-                  <a:schemeClr val="tx1"/>
+              <a:defRPr>
+                <a:solidFill>
+                  <a:schemeClr val="tx1">
+                    <a:lumMod val="50000"/>
+                    <a:lumOff val="50000"/>
+                  </a:schemeClr>
                 </a:solidFill>
               </a:defRPr>
             </a:lvl1pPr>
@@ -610,7 +1295,7 @@
           <a:p>
             <a:fld id="{A7A44A2C-D3DA-463E-847C-1BD2FBBDC97F}" type="datetimeFigureOut">
               <a:rPr lang="en-US" smtClean="0"/>
-              <a:t>4/20/2016</a:t>
+              <a:t>4/21/2016</a:t>
             </a:fld>
             <a:endParaRPr lang="en-US"/>
           </a:p>
@@ -626,12 +1311,7 @@
             <p:ph type="ftr" sz="quarter" idx="11"/>
           </p:nvPr>
         </p:nvSpPr>
-        <p:spPr>
-          <a:xfrm>
-            <a:off x="5332412" y="5883275"/>
-            <a:ext cx="4324044" cy="365125"/>
-          </a:xfrm>
-        </p:spPr>
+        <p:spPr/>
         <p:txBody>
           <a:bodyPr/>
           <a:lstStyle/>
@@ -666,7 +1346,7 @@
     </p:spTree>
     <p:extLst>
       <p:ext uri="{BB962C8B-B14F-4D97-AF65-F5344CB8AC3E}">
-        <p14:creationId xmlns:p14="http://schemas.microsoft.com/office/powerpoint/2010/main" val="2185267994"/>
+        <p14:creationId xmlns:p14="http://schemas.microsoft.com/office/powerpoint/2010/main" val="3535787417"/>
       </p:ext>
     </p:extLst>
   </p:cSld>
@@ -677,297 +1357,6 @@
 </file>
 
 <file path=ppt/slideLayouts/slideLayout10.xml><?xml version="1.0" encoding="utf-8"?>
-<p:sldLayout xmlns:a="http://schemas.openxmlformats.org/drawingml/2006/main" xmlns:r="http://schemas.openxmlformats.org/officeDocument/2006/relationships" xmlns:p="http://schemas.openxmlformats.org/presentationml/2006/main" preserve="1">
-  <p:cSld name="Панорамная фотография с подписью">
-    <p:spTree>
-      <p:nvGrpSpPr>
-        <p:cNvPr id="1" name=""/>
-        <p:cNvGrpSpPr/>
-        <p:nvPr/>
-      </p:nvGrpSpPr>
-      <p:grpSpPr>
-        <a:xfrm>
-          <a:off x="0" y="0"/>
-          <a:ext cx="0" cy="0"/>
-          <a:chOff x="0" y="0"/>
-          <a:chExt cx="0" cy="0"/>
-        </a:xfrm>
-      </p:grpSpPr>
-      <p:sp>
-        <p:nvSpPr>
-          <p:cNvPr id="2" name="Title 1"/>
-          <p:cNvSpPr>
-            <a:spLocks noGrp="1"/>
-          </p:cNvSpPr>
-          <p:nvPr>
-            <p:ph type="title"/>
-          </p:nvPr>
-        </p:nvSpPr>
-        <p:spPr>
-          <a:xfrm>
-            <a:off x="1484311" y="4732865"/>
-            <a:ext cx="10018711" cy="566738"/>
-          </a:xfrm>
-        </p:spPr>
-        <p:txBody>
-          <a:bodyPr anchor="b">
-            <a:normAutofit/>
-          </a:bodyPr>
-          <a:lstStyle>
-            <a:lvl1pPr algn="ctr">
-              <a:defRPr sz="2400" b="0"/>
-            </a:lvl1pPr>
-          </a:lstStyle>
-          <a:p>
-            <a:r>
-              <a:rPr lang="ru-RU" smtClean="0"/>
-              <a:t>Образец заголовка</a:t>
-            </a:r>
-            <a:endParaRPr lang="en-US" dirty="0"/>
-          </a:p>
-        </p:txBody>
-      </p:sp>
-      <p:sp>
-        <p:nvSpPr>
-          <p:cNvPr id="3" name="Picture Placeholder 2"/>
-          <p:cNvSpPr>
-            <a:spLocks noGrp="1" noChangeAspect="1"/>
-          </p:cNvSpPr>
-          <p:nvPr>
-            <p:ph type="pic" idx="1"/>
-          </p:nvPr>
-        </p:nvSpPr>
-        <p:spPr>
-          <a:xfrm>
-            <a:off x="2386012" y="932112"/>
-            <a:ext cx="8225944" cy="3164976"/>
-          </a:xfrm>
-          <a:prstGeom prst="roundRect">
-            <a:avLst>
-              <a:gd name="adj" fmla="val 4380"/>
-            </a:avLst>
-          </a:prstGeom>
-          <a:ln w="38100">
-            <a:gradFill flip="none" rotWithShape="1">
-              <a:gsLst>
-                <a:gs pos="0">
-                  <a:schemeClr val="bg2"/>
-                </a:gs>
-                <a:gs pos="100000">
-                  <a:schemeClr val="bg2">
-                    <a:lumMod val="75000"/>
-                  </a:schemeClr>
-                </a:gs>
-              </a:gsLst>
-              <a:lin ang="5400000" scaled="0"/>
-              <a:tileRect/>
-            </a:gradFill>
-          </a:ln>
-          <a:effectLst>
-            <a:innerShdw blurRad="57150" dist="38100" dir="14460000">
-              <a:srgbClr val="000000">
-                <a:alpha val="70000"/>
-              </a:srgbClr>
-            </a:innerShdw>
-          </a:effectLst>
-        </p:spPr>
-        <p:txBody>
-          <a:bodyPr anchor="t">
-            <a:normAutofit/>
-          </a:bodyPr>
-          <a:lstStyle>
-            <a:lvl1pPr marL="0" indent="0" algn="ctr">
-              <a:buNone/>
-              <a:defRPr sz="1600"/>
-            </a:lvl1pPr>
-            <a:lvl2pPr marL="457200" indent="0">
-              <a:buNone/>
-              <a:defRPr sz="1600"/>
-            </a:lvl2pPr>
-            <a:lvl3pPr marL="914400" indent="0">
-              <a:buNone/>
-              <a:defRPr sz="1600"/>
-            </a:lvl3pPr>
-            <a:lvl4pPr marL="1371600" indent="0">
-              <a:buNone/>
-              <a:defRPr sz="1600"/>
-            </a:lvl4pPr>
-            <a:lvl5pPr marL="1828800" indent="0">
-              <a:buNone/>
-              <a:defRPr sz="1600"/>
-            </a:lvl5pPr>
-            <a:lvl6pPr marL="2286000" indent="0">
-              <a:buNone/>
-              <a:defRPr sz="1600"/>
-            </a:lvl6pPr>
-            <a:lvl7pPr marL="2743200" indent="0">
-              <a:buNone/>
-              <a:defRPr sz="1600"/>
-            </a:lvl7pPr>
-            <a:lvl8pPr marL="3200400" indent="0">
-              <a:buNone/>
-              <a:defRPr sz="1600"/>
-            </a:lvl8pPr>
-            <a:lvl9pPr marL="3657600" indent="0">
-              <a:buNone/>
-              <a:defRPr sz="1600"/>
-            </a:lvl9pPr>
-          </a:lstStyle>
-          <a:p>
-            <a:r>
-              <a:rPr lang="ru-RU" smtClean="0"/>
-              <a:t>Вставка рисунка</a:t>
-            </a:r>
-            <a:endParaRPr lang="en-US" dirty="0"/>
-          </a:p>
-        </p:txBody>
-      </p:sp>
-      <p:sp>
-        <p:nvSpPr>
-          <p:cNvPr id="4" name="Text Placeholder 3"/>
-          <p:cNvSpPr>
-            <a:spLocks noGrp="1"/>
-          </p:cNvSpPr>
-          <p:nvPr>
-            <p:ph type="body" sz="half" idx="2"/>
-          </p:nvPr>
-        </p:nvSpPr>
-        <p:spPr>
-          <a:xfrm>
-            <a:off x="1484311" y="5299603"/>
-            <a:ext cx="10018711" cy="493712"/>
-          </a:xfrm>
-        </p:spPr>
-        <p:txBody>
-          <a:bodyPr>
-            <a:normAutofit/>
-          </a:bodyPr>
-          <a:lstStyle>
-            <a:lvl1pPr marL="0" indent="0" algn="ctr">
-              <a:buNone/>
-              <a:defRPr sz="1400"/>
-            </a:lvl1pPr>
-            <a:lvl2pPr marL="457200" indent="0">
-              <a:buNone/>
-              <a:defRPr sz="1200"/>
-            </a:lvl2pPr>
-            <a:lvl3pPr marL="914400" indent="0">
-              <a:buNone/>
-              <a:defRPr sz="1000"/>
-            </a:lvl3pPr>
-            <a:lvl4pPr marL="1371600" indent="0">
-              <a:buNone/>
-              <a:defRPr sz="900"/>
-            </a:lvl4pPr>
-            <a:lvl5pPr marL="1828800" indent="0">
-              <a:buNone/>
-              <a:defRPr sz="900"/>
-            </a:lvl5pPr>
-            <a:lvl6pPr marL="2286000" indent="0">
-              <a:buNone/>
-              <a:defRPr sz="900"/>
-            </a:lvl6pPr>
-            <a:lvl7pPr marL="2743200" indent="0">
-              <a:buNone/>
-              <a:defRPr sz="900"/>
-            </a:lvl7pPr>
-            <a:lvl8pPr marL="3200400" indent="0">
-              <a:buNone/>
-              <a:defRPr sz="900"/>
-            </a:lvl8pPr>
-            <a:lvl9pPr marL="3657600" indent="0">
-              <a:buNone/>
-              <a:defRPr sz="900"/>
-            </a:lvl9pPr>
-          </a:lstStyle>
-          <a:p>
-            <a:pPr lvl="0"/>
-            <a:r>
-              <a:rPr lang="ru-RU" smtClean="0"/>
-              <a:t>Образец текста</a:t>
-            </a:r>
-          </a:p>
-        </p:txBody>
-      </p:sp>
-      <p:sp>
-        <p:nvSpPr>
-          <p:cNvPr id="5" name="Date Placeholder 4"/>
-          <p:cNvSpPr>
-            <a:spLocks noGrp="1"/>
-          </p:cNvSpPr>
-          <p:nvPr>
-            <p:ph type="dt" sz="half" idx="10"/>
-          </p:nvPr>
-        </p:nvSpPr>
-        <p:spPr/>
-        <p:txBody>
-          <a:bodyPr/>
-          <a:lstStyle/>
-          <a:p>
-            <a:fld id="{A7A44A2C-D3DA-463E-847C-1BD2FBBDC97F}" type="datetimeFigureOut">
-              <a:rPr lang="en-US" smtClean="0"/>
-              <a:t>4/20/2016</a:t>
-            </a:fld>
-            <a:endParaRPr lang="en-US"/>
-          </a:p>
-        </p:txBody>
-      </p:sp>
-      <p:sp>
-        <p:nvSpPr>
-          <p:cNvPr id="6" name="Footer Placeholder 5"/>
-          <p:cNvSpPr>
-            <a:spLocks noGrp="1"/>
-          </p:cNvSpPr>
-          <p:nvPr>
-            <p:ph type="ftr" sz="quarter" idx="11"/>
-          </p:nvPr>
-        </p:nvSpPr>
-        <p:spPr/>
-        <p:txBody>
-          <a:bodyPr/>
-          <a:lstStyle/>
-          <a:p>
-            <a:endParaRPr lang="en-US"/>
-          </a:p>
-        </p:txBody>
-      </p:sp>
-      <p:sp>
-        <p:nvSpPr>
-          <p:cNvPr id="7" name="Slide Number Placeholder 6"/>
-          <p:cNvSpPr>
-            <a:spLocks noGrp="1"/>
-          </p:cNvSpPr>
-          <p:nvPr>
-            <p:ph type="sldNum" sz="quarter" idx="12"/>
-          </p:nvPr>
-        </p:nvSpPr>
-        <p:spPr/>
-        <p:txBody>
-          <a:bodyPr/>
-          <a:lstStyle/>
-          <a:p>
-            <a:fld id="{C6137E6C-742B-4796-9F94-B14904D29A60}" type="slidenum">
-              <a:rPr lang="en-US" smtClean="0"/>
-              <a:t>‹#›</a:t>
-            </a:fld>
-            <a:endParaRPr lang="en-US"/>
-          </a:p>
-        </p:txBody>
-      </p:sp>
-    </p:spTree>
-    <p:extLst>
-      <p:ext uri="{BB962C8B-B14F-4D97-AF65-F5344CB8AC3E}">
-        <p14:creationId xmlns:p14="http://schemas.microsoft.com/office/powerpoint/2010/main" val="2278453930"/>
-      </p:ext>
-    </p:extLst>
-  </p:cSld>
-  <p:clrMapOvr>
-    <a:masterClrMapping/>
-  </p:clrMapOvr>
-</p:sldLayout>
-</file>
-
-<file path=ppt/slideLayouts/slideLayout11.xml><?xml version="1.0" encoding="utf-8"?>
 <p:sldLayout xmlns:a="http://schemas.openxmlformats.org/drawingml/2006/main" xmlns:r="http://schemas.openxmlformats.org/officeDocument/2006/relationships" xmlns:p="http://schemas.openxmlformats.org/presentationml/2006/main" preserve="1">
   <p:cSld name="Заголовок и подпись">
     <p:spTree>
@@ -996,8 +1385,8 @@
         </p:nvSpPr>
         <p:spPr>
           <a:xfrm>
-            <a:off x="1484312" y="685800"/>
-            <a:ext cx="10018711" cy="3048000"/>
+            <a:off x="677335" y="609600"/>
+            <a:ext cx="8596668" cy="3403600"/>
           </a:xfrm>
         </p:spPr>
         <p:txBody>
@@ -1005,8 +1394,8 @@
             <a:normAutofit/>
           </a:bodyPr>
           <a:lstStyle>
-            <a:lvl1pPr algn="ctr">
-              <a:defRPr sz="3200" b="0" cap="none"/>
+            <a:lvl1pPr algn="l">
+              <a:defRPr sz="4400" b="0" cap="none"/>
             </a:lvl1pPr>
           </a:lstStyle>
           <a:p>
@@ -1030,8 +1419,8 @@
         </p:nvSpPr>
         <p:spPr>
           <a:xfrm>
-            <a:off x="1484312" y="4343400"/>
-            <a:ext cx="10018713" cy="1447800"/>
+            <a:off x="677335" y="4470400"/>
+            <a:ext cx="8596668" cy="1570962"/>
           </a:xfrm>
         </p:spPr>
         <p:txBody>
@@ -1039,11 +1428,14 @@
             <a:normAutofit/>
           </a:bodyPr>
           <a:lstStyle>
-            <a:lvl1pPr marL="0" indent="0" algn="ctr">
-              <a:buNone/>
-              <a:defRPr sz="2000">
-                <a:solidFill>
-                  <a:schemeClr val="tx1"/>
+            <a:lvl1pPr marL="0" indent="0" algn="l">
+              <a:buNone/>
+              <a:defRPr sz="1800">
+                <a:solidFill>
+                  <a:schemeClr val="tx1">
+                    <a:lumMod val="75000"/>
+                    <a:lumOff val="25000"/>
+                  </a:schemeClr>
                 </a:solidFill>
               </a:defRPr>
             </a:lvl1pPr>
@@ -1154,7 +1546,7 @@
           <a:p>
             <a:fld id="{A7A44A2C-D3DA-463E-847C-1BD2FBBDC97F}" type="datetimeFigureOut">
               <a:rPr lang="en-US" smtClean="0"/>
-              <a:t>4/20/2016</a:t>
+              <a:t>4/21/2016</a:t>
             </a:fld>
             <a:endParaRPr lang="en-US"/>
           </a:p>
@@ -1205,7 +1597,7 @@
     </p:spTree>
     <p:extLst>
       <p:ext uri="{BB962C8B-B14F-4D97-AF65-F5344CB8AC3E}">
-        <p14:creationId xmlns:p14="http://schemas.microsoft.com/office/powerpoint/2010/main" val="4228279968"/>
+        <p14:creationId xmlns:p14="http://schemas.microsoft.com/office/powerpoint/2010/main" val="1528858418"/>
       </p:ext>
     </p:extLst>
   </p:cSld>
@@ -1215,7 +1607,7 @@
 </p:sldLayout>
 </file>
 
-<file path=ppt/slideLayouts/slideLayout12.xml><?xml version="1.0" encoding="utf-8"?>
+<file path=ppt/slideLayouts/slideLayout11.xml><?xml version="1.0" encoding="utf-8"?>
 <p:sldLayout xmlns:a="http://schemas.openxmlformats.org/drawingml/2006/main" xmlns:r="http://schemas.openxmlformats.org/officeDocument/2006/relationships" xmlns:p="http://schemas.openxmlformats.org/presentationml/2006/main" preserve="1">
   <p:cSld name="Цитата с подписью">
     <p:spTree>
@@ -1234,13 +1626,297 @@
       </p:grpSpPr>
       <p:sp>
         <p:nvSpPr>
-          <p:cNvPr id="14" name="TextBox 13"/>
+          <p:cNvPr id="2" name="Title 1"/>
+          <p:cNvSpPr>
+            <a:spLocks noGrp="1"/>
+          </p:cNvSpPr>
+          <p:nvPr>
+            <p:ph type="title"/>
+          </p:nvPr>
+        </p:nvSpPr>
+        <p:spPr>
+          <a:xfrm>
+            <a:off x="931334" y="609600"/>
+            <a:ext cx="8094134" cy="3022600"/>
+          </a:xfrm>
+        </p:spPr>
+        <p:txBody>
+          <a:bodyPr anchor="ctr">
+            <a:normAutofit/>
+          </a:bodyPr>
+          <a:lstStyle>
+            <a:lvl1pPr algn="l">
+              <a:defRPr sz="4400" b="0" cap="none"/>
+            </a:lvl1pPr>
+          </a:lstStyle>
+          <a:p>
+            <a:r>
+              <a:rPr lang="ru-RU" smtClean="0"/>
+              <a:t>Образец заголовка</a:t>
+            </a:r>
+            <a:endParaRPr lang="en-US" dirty="0"/>
+          </a:p>
+        </p:txBody>
+      </p:sp>
+      <p:sp>
+        <p:nvSpPr>
+          <p:cNvPr id="23" name="Text Placeholder 9"/>
+          <p:cNvSpPr>
+            <a:spLocks noGrp="1"/>
+          </p:cNvSpPr>
+          <p:nvPr>
+            <p:ph type="body" sz="quarter" idx="13"/>
+          </p:nvPr>
+        </p:nvSpPr>
+        <p:spPr>
+          <a:xfrm>
+            <a:off x="1366139" y="3632200"/>
+            <a:ext cx="7224524" cy="381000"/>
+          </a:xfrm>
+        </p:spPr>
+        <p:txBody>
+          <a:bodyPr anchor="ctr">
+            <a:noAutofit/>
+          </a:bodyPr>
+          <a:lstStyle>
+            <a:lvl1pPr marL="0" indent="0">
+              <a:buFontTx/>
+              <a:buNone/>
+              <a:defRPr sz="1600">
+                <a:solidFill>
+                  <a:schemeClr val="tx1">
+                    <a:lumMod val="50000"/>
+                    <a:lumOff val="50000"/>
+                  </a:schemeClr>
+                </a:solidFill>
+              </a:defRPr>
+            </a:lvl1pPr>
+            <a:lvl2pPr marL="457200" indent="0">
+              <a:buFontTx/>
+              <a:buNone/>
+              <a:defRPr/>
+            </a:lvl2pPr>
+            <a:lvl3pPr marL="914400" indent="0">
+              <a:buFontTx/>
+              <a:buNone/>
+              <a:defRPr/>
+            </a:lvl3pPr>
+            <a:lvl4pPr marL="1371600" indent="0">
+              <a:buFontTx/>
+              <a:buNone/>
+              <a:defRPr/>
+            </a:lvl4pPr>
+            <a:lvl5pPr marL="1828800" indent="0">
+              <a:buFontTx/>
+              <a:buNone/>
+              <a:defRPr/>
+            </a:lvl5pPr>
+          </a:lstStyle>
+          <a:p>
+            <a:pPr lvl="0"/>
+            <a:r>
+              <a:rPr lang="ru-RU" smtClean="0"/>
+              <a:t>Образец текста</a:t>
+            </a:r>
+          </a:p>
+        </p:txBody>
+      </p:sp>
+      <p:sp>
+        <p:nvSpPr>
+          <p:cNvPr id="3" name="Text Placeholder 2"/>
+          <p:cNvSpPr>
+            <a:spLocks noGrp="1"/>
+          </p:cNvSpPr>
+          <p:nvPr>
+            <p:ph type="body" idx="1"/>
+          </p:nvPr>
+        </p:nvSpPr>
+        <p:spPr>
+          <a:xfrm>
+            <a:off x="677335" y="4470400"/>
+            <a:ext cx="8596668" cy="1570962"/>
+          </a:xfrm>
+        </p:spPr>
+        <p:txBody>
+          <a:bodyPr anchor="ctr">
+            <a:normAutofit/>
+          </a:bodyPr>
+          <a:lstStyle>
+            <a:lvl1pPr marL="0" indent="0" algn="l">
+              <a:buNone/>
+              <a:defRPr sz="1800">
+                <a:solidFill>
+                  <a:schemeClr val="tx1">
+                    <a:lumMod val="75000"/>
+                    <a:lumOff val="25000"/>
+                  </a:schemeClr>
+                </a:solidFill>
+              </a:defRPr>
+            </a:lvl1pPr>
+            <a:lvl2pPr marL="457200" indent="0">
+              <a:buNone/>
+              <a:defRPr sz="1800">
+                <a:solidFill>
+                  <a:schemeClr val="tx1">
+                    <a:tint val="75000"/>
+                  </a:schemeClr>
+                </a:solidFill>
+              </a:defRPr>
+            </a:lvl2pPr>
+            <a:lvl3pPr marL="914400" indent="0">
+              <a:buNone/>
+              <a:defRPr sz="1600">
+                <a:solidFill>
+                  <a:schemeClr val="tx1">
+                    <a:tint val="75000"/>
+                  </a:schemeClr>
+                </a:solidFill>
+              </a:defRPr>
+            </a:lvl3pPr>
+            <a:lvl4pPr marL="1371600" indent="0">
+              <a:buNone/>
+              <a:defRPr sz="1400">
+                <a:solidFill>
+                  <a:schemeClr val="tx1">
+                    <a:tint val="75000"/>
+                  </a:schemeClr>
+                </a:solidFill>
+              </a:defRPr>
+            </a:lvl4pPr>
+            <a:lvl5pPr marL="1828800" indent="0">
+              <a:buNone/>
+              <a:defRPr sz="1400">
+                <a:solidFill>
+                  <a:schemeClr val="tx1">
+                    <a:tint val="75000"/>
+                  </a:schemeClr>
+                </a:solidFill>
+              </a:defRPr>
+            </a:lvl5pPr>
+            <a:lvl6pPr marL="2286000" indent="0">
+              <a:buNone/>
+              <a:defRPr sz="1400">
+                <a:solidFill>
+                  <a:schemeClr val="tx1">
+                    <a:tint val="75000"/>
+                  </a:schemeClr>
+                </a:solidFill>
+              </a:defRPr>
+            </a:lvl6pPr>
+            <a:lvl7pPr marL="2743200" indent="0">
+              <a:buNone/>
+              <a:defRPr sz="1400">
+                <a:solidFill>
+                  <a:schemeClr val="tx1">
+                    <a:tint val="75000"/>
+                  </a:schemeClr>
+                </a:solidFill>
+              </a:defRPr>
+            </a:lvl7pPr>
+            <a:lvl8pPr marL="3200400" indent="0">
+              <a:buNone/>
+              <a:defRPr sz="1400">
+                <a:solidFill>
+                  <a:schemeClr val="tx1">
+                    <a:tint val="75000"/>
+                  </a:schemeClr>
+                </a:solidFill>
+              </a:defRPr>
+            </a:lvl8pPr>
+            <a:lvl9pPr marL="3657600" indent="0">
+              <a:buNone/>
+              <a:defRPr sz="1400">
+                <a:solidFill>
+                  <a:schemeClr val="tx1">
+                    <a:tint val="75000"/>
+                  </a:schemeClr>
+                </a:solidFill>
+              </a:defRPr>
+            </a:lvl9pPr>
+          </a:lstStyle>
+          <a:p>
+            <a:pPr lvl="0"/>
+            <a:r>
+              <a:rPr lang="ru-RU" smtClean="0"/>
+              <a:t>Образец текста</a:t>
+            </a:r>
+          </a:p>
+        </p:txBody>
+      </p:sp>
+      <p:sp>
+        <p:nvSpPr>
+          <p:cNvPr id="4" name="Date Placeholder 3"/>
+          <p:cNvSpPr>
+            <a:spLocks noGrp="1"/>
+          </p:cNvSpPr>
+          <p:nvPr>
+            <p:ph type="dt" sz="half" idx="10"/>
+          </p:nvPr>
+        </p:nvSpPr>
+        <p:spPr/>
+        <p:txBody>
+          <a:bodyPr/>
+          <a:lstStyle/>
+          <a:p>
+            <a:fld id="{A7A44A2C-D3DA-463E-847C-1BD2FBBDC97F}" type="datetimeFigureOut">
+              <a:rPr lang="en-US" smtClean="0"/>
+              <a:t>4/21/2016</a:t>
+            </a:fld>
+            <a:endParaRPr lang="en-US"/>
+          </a:p>
+        </p:txBody>
+      </p:sp>
+      <p:sp>
+        <p:nvSpPr>
+          <p:cNvPr id="5" name="Footer Placeholder 4"/>
+          <p:cNvSpPr>
+            <a:spLocks noGrp="1"/>
+          </p:cNvSpPr>
+          <p:nvPr>
+            <p:ph type="ftr" sz="quarter" idx="11"/>
+          </p:nvPr>
+        </p:nvSpPr>
+        <p:spPr/>
+        <p:txBody>
+          <a:bodyPr/>
+          <a:lstStyle/>
+          <a:p>
+            <a:endParaRPr lang="en-US"/>
+          </a:p>
+        </p:txBody>
+      </p:sp>
+      <p:sp>
+        <p:nvSpPr>
+          <p:cNvPr id="6" name="Slide Number Placeholder 5"/>
+          <p:cNvSpPr>
+            <a:spLocks noGrp="1"/>
+          </p:cNvSpPr>
+          <p:nvPr>
+            <p:ph type="sldNum" sz="quarter" idx="12"/>
+          </p:nvPr>
+        </p:nvSpPr>
+        <p:spPr/>
+        <p:txBody>
+          <a:bodyPr/>
+          <a:lstStyle/>
+          <a:p>
+            <a:fld id="{C6137E6C-742B-4796-9F94-B14904D29A60}" type="slidenum">
+              <a:rPr lang="en-US" smtClean="0"/>
+              <a:t>‹#›</a:t>
+            </a:fld>
+            <a:endParaRPr lang="en-US"/>
+          </a:p>
+        </p:txBody>
+      </p:sp>
+      <p:sp>
+        <p:nvSpPr>
+          <p:cNvPr id="24" name="TextBox 23"/>
           <p:cNvSpPr txBox="1"/>
           <p:nvPr/>
         </p:nvSpPr>
         <p:spPr>
           <a:xfrm>
-            <a:off x="1598612" y="863023"/>
+            <a:off x="541870" y="790378"/>
             <a:ext cx="609600" cy="584776"/>
           </a:xfrm>
           <a:prstGeom prst="rect">
@@ -1251,97 +1927,22 @@
           <a:bodyPr vert="horz" lIns="91440" tIns="45720" rIns="91440" bIns="45720" rtlCol="0" anchor="ctr">
             <a:noAutofit/>
           </a:bodyPr>
-          <a:lstStyle>
-            <a:lvl1pPr>
-              <a:spcBef>
-                <a:spcPct val="0"/>
-              </a:spcBef>
-              <a:buNone/>
-              <a:defRPr sz="3200" b="0" cap="all">
+          <a:lstStyle/>
+          <a:p>
+            <a:pPr lvl="0"/>
+            <a:r>
+              <a:rPr lang="en-US" sz="8000" baseline="0" dirty="0">
                 <a:ln w="3175" cmpd="sng">
                   <a:noFill/>
                 </a:ln>
-                <a:effectLst>
-                  <a:glow rad="38100">
-                    <a:schemeClr val="bg1">
-                      <a:lumMod val="65000"/>
-                      <a:lumOff val="35000"/>
-                      <a:alpha val="40000"/>
-                    </a:schemeClr>
-                  </a:glow>
-                  <a:outerShdw blurRad="28575" dist="38100" dir="14040000" algn="tl" rotWithShape="0">
-                    <a:srgbClr val="000000">
-                      <a:alpha val="25000"/>
-                    </a:srgbClr>
-                  </a:outerShdw>
-                </a:effectLst>
-              </a:defRPr>
-            </a:lvl1pPr>
-            <a:lvl2pPr>
-              <a:defRPr>
-                <a:solidFill>
-                  <a:schemeClr val="tx2"/>
-                </a:solidFill>
-              </a:defRPr>
-            </a:lvl2pPr>
-            <a:lvl3pPr>
-              <a:defRPr>
-                <a:solidFill>
-                  <a:schemeClr val="tx2"/>
-                </a:solidFill>
-              </a:defRPr>
-            </a:lvl3pPr>
-            <a:lvl4pPr>
-              <a:defRPr>
-                <a:solidFill>
-                  <a:schemeClr val="tx2"/>
-                </a:solidFill>
-              </a:defRPr>
-            </a:lvl4pPr>
-            <a:lvl5pPr>
-              <a:defRPr>
-                <a:solidFill>
-                  <a:schemeClr val="tx2"/>
-                </a:solidFill>
-              </a:defRPr>
-            </a:lvl5pPr>
-            <a:lvl6pPr>
-              <a:defRPr>
-                <a:solidFill>
-                  <a:schemeClr val="tx2"/>
-                </a:solidFill>
-              </a:defRPr>
-            </a:lvl6pPr>
-            <a:lvl7pPr>
-              <a:defRPr>
-                <a:solidFill>
-                  <a:schemeClr val="tx2"/>
-                </a:solidFill>
-              </a:defRPr>
-            </a:lvl7pPr>
-            <a:lvl8pPr>
-              <a:defRPr>
-                <a:solidFill>
-                  <a:schemeClr val="tx2"/>
-                </a:solidFill>
-              </a:defRPr>
-            </a:lvl8pPr>
-            <a:lvl9pPr>
-              <a:defRPr>
-                <a:solidFill>
-                  <a:schemeClr val="tx2"/>
-                </a:solidFill>
-              </a:defRPr>
-            </a:lvl9pPr>
-          </a:lstStyle>
-          <a:p>
-            <a:pPr lvl="0"/>
-            <a:r>
-              <a:rPr lang="en-US" sz="8000" dirty="0">
-                <a:solidFill>
-                  <a:schemeClr val="tx1"/>
+                <a:solidFill>
+                  <a:schemeClr val="accent1">
+                    <a:lumMod val="60000"/>
+                    <a:lumOff val="40000"/>
+                  </a:schemeClr>
                 </a:solidFill>
                 <a:effectLst/>
+                <a:latin typeface="Arial"/>
               </a:rPr>
               <a:t>“</a:t>
             </a:r>
@@ -1350,13 +1951,13 @@
       </p:sp>
       <p:sp>
         <p:nvSpPr>
-          <p:cNvPr id="15" name="TextBox 14"/>
+          <p:cNvPr id="25" name="TextBox 24"/>
           <p:cNvSpPr txBox="1"/>
           <p:nvPr/>
         </p:nvSpPr>
         <p:spPr>
           <a:xfrm>
-            <a:off x="10893425" y="2819399"/>
+            <a:off x="8893011" y="2886556"/>
             <a:ext cx="609600" cy="584776"/>
           </a:xfrm>
           <a:prstGeom prst="rect">
@@ -1367,385 +1968,32 @@
           <a:bodyPr vert="horz" lIns="91440" tIns="45720" rIns="91440" bIns="45720" rtlCol="0" anchor="ctr">
             <a:noAutofit/>
           </a:bodyPr>
-          <a:lstStyle>
-            <a:lvl1pPr>
-              <a:spcBef>
-                <a:spcPct val="0"/>
-              </a:spcBef>
-              <a:buNone/>
-              <a:defRPr sz="3200" b="0" cap="all">
+          <a:lstStyle/>
+          <a:p>
+            <a:pPr lvl="0"/>
+            <a:r>
+              <a:rPr lang="en-US" sz="8000" baseline="0" dirty="0">
                 <a:ln w="3175" cmpd="sng">
                   <a:noFill/>
                 </a:ln>
-                <a:effectLst>
-                  <a:glow rad="38100">
-                    <a:schemeClr val="bg1">
-                      <a:lumMod val="65000"/>
-                      <a:lumOff val="35000"/>
-                      <a:alpha val="40000"/>
-                    </a:schemeClr>
-                  </a:glow>
-                  <a:outerShdw blurRad="28575" dist="38100" dir="14040000" algn="tl" rotWithShape="0">
-                    <a:srgbClr val="000000">
-                      <a:alpha val="25000"/>
-                    </a:srgbClr>
-                  </a:outerShdw>
-                </a:effectLst>
-              </a:defRPr>
-            </a:lvl1pPr>
-            <a:lvl2pPr>
-              <a:defRPr>
-                <a:solidFill>
-                  <a:schemeClr val="tx2"/>
-                </a:solidFill>
-              </a:defRPr>
-            </a:lvl2pPr>
-            <a:lvl3pPr>
-              <a:defRPr>
-                <a:solidFill>
-                  <a:schemeClr val="tx2"/>
-                </a:solidFill>
-              </a:defRPr>
-            </a:lvl3pPr>
-            <a:lvl4pPr>
-              <a:defRPr>
-                <a:solidFill>
-                  <a:schemeClr val="tx2"/>
-                </a:solidFill>
-              </a:defRPr>
-            </a:lvl4pPr>
-            <a:lvl5pPr>
-              <a:defRPr>
-                <a:solidFill>
-                  <a:schemeClr val="tx2"/>
-                </a:solidFill>
-              </a:defRPr>
-            </a:lvl5pPr>
-            <a:lvl6pPr>
-              <a:defRPr>
-                <a:solidFill>
-                  <a:schemeClr val="tx2"/>
-                </a:solidFill>
-              </a:defRPr>
-            </a:lvl6pPr>
-            <a:lvl7pPr>
-              <a:defRPr>
-                <a:solidFill>
-                  <a:schemeClr val="tx2"/>
-                </a:solidFill>
-              </a:defRPr>
-            </a:lvl7pPr>
-            <a:lvl8pPr>
-              <a:defRPr>
-                <a:solidFill>
-                  <a:schemeClr val="tx2"/>
-                </a:solidFill>
-              </a:defRPr>
-            </a:lvl8pPr>
-            <a:lvl9pPr>
-              <a:defRPr>
-                <a:solidFill>
-                  <a:schemeClr val="tx2"/>
-                </a:solidFill>
-              </a:defRPr>
-            </a:lvl9pPr>
-          </a:lstStyle>
-          <a:p>
-            <a:pPr lvl="0" algn="r"/>
-            <a:r>
-              <a:rPr lang="en-US" sz="8000" dirty="0">
-                <a:solidFill>
-                  <a:schemeClr val="tx1"/>
+                <a:solidFill>
+                  <a:schemeClr val="accent1">
+                    <a:lumMod val="60000"/>
+                    <a:lumOff val="40000"/>
+                  </a:schemeClr>
                 </a:solidFill>
                 <a:effectLst/>
+                <a:latin typeface="Arial"/>
               </a:rPr>
               <a:t>”</a:t>
             </a:r>
-          </a:p>
-        </p:txBody>
-      </p:sp>
-      <p:sp>
-        <p:nvSpPr>
-          <p:cNvPr id="2" name="Title 1"/>
-          <p:cNvSpPr>
-            <a:spLocks noGrp="1"/>
-          </p:cNvSpPr>
-          <p:nvPr>
-            <p:ph type="title"/>
-          </p:nvPr>
-        </p:nvSpPr>
-        <p:spPr>
-          <a:xfrm>
-            <a:off x="2208212" y="685800"/>
-            <a:ext cx="8990012" cy="2743199"/>
-          </a:xfrm>
-        </p:spPr>
-        <p:txBody>
-          <a:bodyPr anchor="ctr">
-            <a:normAutofit/>
-          </a:bodyPr>
-          <a:lstStyle>
-            <a:lvl1pPr algn="ctr">
-              <a:defRPr sz="3200" b="0" cap="none">
-                <a:solidFill>
-                  <a:schemeClr val="tx1"/>
-                </a:solidFill>
-              </a:defRPr>
-            </a:lvl1pPr>
-          </a:lstStyle>
-          <a:p>
-            <a:r>
-              <a:rPr lang="ru-RU" smtClean="0"/>
-              <a:t>Образец заголовка</a:t>
-            </a:r>
-            <a:endParaRPr lang="en-US" dirty="0"/>
-          </a:p>
-        </p:txBody>
-      </p:sp>
-      <p:sp>
-        <p:nvSpPr>
-          <p:cNvPr id="10" name="Text Placeholder 9"/>
-          <p:cNvSpPr>
-            <a:spLocks noGrp="1"/>
-          </p:cNvSpPr>
-          <p:nvPr>
-            <p:ph type="body" sz="quarter" idx="13"/>
-          </p:nvPr>
-        </p:nvSpPr>
-        <p:spPr>
-          <a:xfrm>
-            <a:off x="2436811" y="3428999"/>
-            <a:ext cx="8532815" cy="381000"/>
-          </a:xfrm>
-        </p:spPr>
-        <p:txBody>
-          <a:bodyPr anchor="ctr">
-            <a:normAutofit/>
-          </a:bodyPr>
-          <a:lstStyle>
-            <a:lvl1pPr marL="0" indent="0">
-              <a:buFontTx/>
-              <a:buNone/>
-              <a:defRPr sz="1800"/>
-            </a:lvl1pPr>
-            <a:lvl2pPr marL="457200" indent="0">
-              <a:buFontTx/>
-              <a:buNone/>
-              <a:defRPr/>
-            </a:lvl2pPr>
-            <a:lvl3pPr marL="914400" indent="0">
-              <a:buFontTx/>
-              <a:buNone/>
-              <a:defRPr/>
-            </a:lvl3pPr>
-            <a:lvl4pPr marL="1371600" indent="0">
-              <a:buFontTx/>
-              <a:buNone/>
-              <a:defRPr/>
-            </a:lvl4pPr>
-            <a:lvl5pPr marL="1828800" indent="0">
-              <a:buFontTx/>
-              <a:buNone/>
-              <a:defRPr/>
-            </a:lvl5pPr>
-          </a:lstStyle>
-          <a:p>
-            <a:pPr lvl="0"/>
-            <a:r>
-              <a:rPr lang="ru-RU" smtClean="0"/>
-              <a:t>Образец текста</a:t>
-            </a:r>
-          </a:p>
-        </p:txBody>
-      </p:sp>
-      <p:sp>
-        <p:nvSpPr>
-          <p:cNvPr id="3" name="Text Placeholder 2"/>
-          <p:cNvSpPr>
-            <a:spLocks noGrp="1"/>
-          </p:cNvSpPr>
-          <p:nvPr>
-            <p:ph type="body" idx="1"/>
-          </p:nvPr>
-        </p:nvSpPr>
-        <p:spPr>
-          <a:xfrm>
-            <a:off x="1484311" y="4343400"/>
-            <a:ext cx="10018711" cy="1447800"/>
-          </a:xfrm>
-        </p:spPr>
-        <p:txBody>
-          <a:bodyPr anchor="ctr">
-            <a:normAutofit/>
-          </a:bodyPr>
-          <a:lstStyle>
-            <a:lvl1pPr marL="0" indent="0" algn="ctr">
-              <a:buNone/>
-              <a:defRPr sz="2000">
-                <a:solidFill>
-                  <a:schemeClr val="tx1"/>
-                </a:solidFill>
-              </a:defRPr>
-            </a:lvl1pPr>
-            <a:lvl2pPr marL="457200" indent="0">
-              <a:buNone/>
-              <a:defRPr sz="1800">
-                <a:solidFill>
-                  <a:schemeClr val="tx1">
-                    <a:tint val="75000"/>
-                  </a:schemeClr>
-                </a:solidFill>
-              </a:defRPr>
-            </a:lvl2pPr>
-            <a:lvl3pPr marL="914400" indent="0">
-              <a:buNone/>
-              <a:defRPr sz="1600">
-                <a:solidFill>
-                  <a:schemeClr val="tx1">
-                    <a:tint val="75000"/>
-                  </a:schemeClr>
-                </a:solidFill>
-              </a:defRPr>
-            </a:lvl3pPr>
-            <a:lvl4pPr marL="1371600" indent="0">
-              <a:buNone/>
-              <a:defRPr sz="1400">
-                <a:solidFill>
-                  <a:schemeClr val="tx1">
-                    <a:tint val="75000"/>
-                  </a:schemeClr>
-                </a:solidFill>
-              </a:defRPr>
-            </a:lvl4pPr>
-            <a:lvl5pPr marL="1828800" indent="0">
-              <a:buNone/>
-              <a:defRPr sz="1400">
-                <a:solidFill>
-                  <a:schemeClr val="tx1">
-                    <a:tint val="75000"/>
-                  </a:schemeClr>
-                </a:solidFill>
-              </a:defRPr>
-            </a:lvl5pPr>
-            <a:lvl6pPr marL="2286000" indent="0">
-              <a:buNone/>
-              <a:defRPr sz="1400">
-                <a:solidFill>
-                  <a:schemeClr val="tx1">
-                    <a:tint val="75000"/>
-                  </a:schemeClr>
-                </a:solidFill>
-              </a:defRPr>
-            </a:lvl6pPr>
-            <a:lvl7pPr marL="2743200" indent="0">
-              <a:buNone/>
-              <a:defRPr sz="1400">
-                <a:solidFill>
-                  <a:schemeClr val="tx1">
-                    <a:tint val="75000"/>
-                  </a:schemeClr>
-                </a:solidFill>
-              </a:defRPr>
-            </a:lvl7pPr>
-            <a:lvl8pPr marL="3200400" indent="0">
-              <a:buNone/>
-              <a:defRPr sz="1400">
-                <a:solidFill>
-                  <a:schemeClr val="tx1">
-                    <a:tint val="75000"/>
-                  </a:schemeClr>
-                </a:solidFill>
-              </a:defRPr>
-            </a:lvl8pPr>
-            <a:lvl9pPr marL="3657600" indent="0">
-              <a:buNone/>
-              <a:defRPr sz="1400">
-                <a:solidFill>
-                  <a:schemeClr val="tx1">
-                    <a:tint val="75000"/>
-                  </a:schemeClr>
-                </a:solidFill>
-              </a:defRPr>
-            </a:lvl9pPr>
-          </a:lstStyle>
-          <a:p>
-            <a:pPr lvl="0"/>
-            <a:r>
-              <a:rPr lang="ru-RU" smtClean="0"/>
-              <a:t>Образец текста</a:t>
-            </a:r>
-          </a:p>
-        </p:txBody>
-      </p:sp>
-      <p:sp>
-        <p:nvSpPr>
-          <p:cNvPr id="4" name="Date Placeholder 3"/>
-          <p:cNvSpPr>
-            <a:spLocks noGrp="1"/>
-          </p:cNvSpPr>
-          <p:nvPr>
-            <p:ph type="dt" sz="half" idx="10"/>
-          </p:nvPr>
-        </p:nvSpPr>
-        <p:spPr/>
-        <p:txBody>
-          <a:bodyPr/>
-          <a:lstStyle/>
-          <a:p>
-            <a:fld id="{A7A44A2C-D3DA-463E-847C-1BD2FBBDC97F}" type="datetimeFigureOut">
-              <a:rPr lang="en-US" smtClean="0"/>
-              <a:t>4/20/2016</a:t>
-            </a:fld>
-            <a:endParaRPr lang="en-US"/>
-          </a:p>
-        </p:txBody>
-      </p:sp>
-      <p:sp>
-        <p:nvSpPr>
-          <p:cNvPr id="5" name="Footer Placeholder 4"/>
-          <p:cNvSpPr>
-            <a:spLocks noGrp="1"/>
-          </p:cNvSpPr>
-          <p:nvPr>
-            <p:ph type="ftr" sz="quarter" idx="11"/>
-          </p:nvPr>
-        </p:nvSpPr>
-        <p:spPr/>
-        <p:txBody>
-          <a:bodyPr/>
-          <a:lstStyle/>
-          <a:p>
-            <a:endParaRPr lang="en-US"/>
-          </a:p>
-        </p:txBody>
-      </p:sp>
-      <p:sp>
-        <p:nvSpPr>
-          <p:cNvPr id="6" name="Slide Number Placeholder 5"/>
-          <p:cNvSpPr>
-            <a:spLocks noGrp="1"/>
-          </p:cNvSpPr>
-          <p:nvPr>
-            <p:ph type="sldNum" sz="quarter" idx="12"/>
-          </p:nvPr>
-        </p:nvSpPr>
-        <p:spPr/>
-        <p:txBody>
-          <a:bodyPr/>
-          <a:lstStyle/>
-          <a:p>
-            <a:fld id="{C6137E6C-742B-4796-9F94-B14904D29A60}" type="slidenum">
-              <a:rPr lang="en-US" smtClean="0"/>
-              <a:t>‹#›</a:t>
-            </a:fld>
-            <a:endParaRPr lang="en-US"/>
           </a:p>
         </p:txBody>
       </p:sp>
     </p:spTree>
     <p:extLst>
       <p:ext uri="{BB962C8B-B14F-4D97-AF65-F5344CB8AC3E}">
-        <p14:creationId xmlns:p14="http://schemas.microsoft.com/office/powerpoint/2010/main" val="2823113290"/>
+        <p14:creationId xmlns:p14="http://schemas.microsoft.com/office/powerpoint/2010/main" val="1864370148"/>
       </p:ext>
     </p:extLst>
   </p:cSld>
@@ -1755,7 +2003,7 @@
 </p:sldLayout>
 </file>
 
-<file path=ppt/slideLayouts/slideLayout13.xml><?xml version="1.0" encoding="utf-8"?>
+<file path=ppt/slideLayouts/slideLayout12.xml><?xml version="1.0" encoding="utf-8"?>
 <p:sldLayout xmlns:a="http://schemas.openxmlformats.org/drawingml/2006/main" xmlns:r="http://schemas.openxmlformats.org/officeDocument/2006/relationships" xmlns:p="http://schemas.openxmlformats.org/presentationml/2006/main" preserve="1">
   <p:cSld name="Карточка имени">
     <p:spTree>
@@ -1784,8 +2032,8 @@
         </p:nvSpPr>
         <p:spPr>
           <a:xfrm>
-            <a:off x="1484313" y="3308581"/>
-            <a:ext cx="10018709" cy="1468800"/>
+            <a:off x="677335" y="1931988"/>
+            <a:ext cx="8596668" cy="2595460"/>
           </a:xfrm>
         </p:spPr>
         <p:txBody>
@@ -1793,8 +2041,8 @@
             <a:normAutofit/>
           </a:bodyPr>
           <a:lstStyle>
-            <a:lvl1pPr algn="r">
-              <a:defRPr sz="3200" b="0" cap="none"/>
+            <a:lvl1pPr algn="l">
+              <a:defRPr sz="4400" b="0" cap="none"/>
             </a:lvl1pPr>
           </a:lstStyle>
           <a:p>
@@ -1818,8 +2066,8 @@
         </p:nvSpPr>
         <p:spPr>
           <a:xfrm>
-            <a:off x="1484312" y="4777381"/>
-            <a:ext cx="10018710" cy="860400"/>
+            <a:off x="677335" y="4527448"/>
+            <a:ext cx="8596668" cy="1513914"/>
           </a:xfrm>
         </p:spPr>
         <p:txBody>
@@ -1827,11 +2075,14 @@
             <a:normAutofit/>
           </a:bodyPr>
           <a:lstStyle>
-            <a:lvl1pPr marL="0" indent="0" algn="r">
-              <a:buNone/>
-              <a:defRPr sz="2000">
-                <a:solidFill>
-                  <a:schemeClr val="tx1"/>
+            <a:lvl1pPr marL="0" indent="0" algn="l">
+              <a:buNone/>
+              <a:defRPr sz="1800">
+                <a:solidFill>
+                  <a:schemeClr val="tx1">
+                    <a:lumMod val="75000"/>
+                    <a:lumOff val="25000"/>
+                  </a:schemeClr>
                 </a:solidFill>
               </a:defRPr>
             </a:lvl1pPr>
@@ -1942,7 +2193,7 @@
           <a:p>
             <a:fld id="{A7A44A2C-D3DA-463E-847C-1BD2FBBDC97F}" type="datetimeFigureOut">
               <a:rPr lang="en-US" smtClean="0"/>
-              <a:t>4/20/2016</a:t>
+              <a:t>4/21/2016</a:t>
             </a:fld>
             <a:endParaRPr lang="en-US"/>
           </a:p>
@@ -1993,7 +2244,7 @@
     </p:spTree>
     <p:extLst>
       <p:ext uri="{BB962C8B-B14F-4D97-AF65-F5344CB8AC3E}">
-        <p14:creationId xmlns:p14="http://schemas.microsoft.com/office/powerpoint/2010/main" val="931005255"/>
+        <p14:creationId xmlns:p14="http://schemas.microsoft.com/office/powerpoint/2010/main" val="1151768423"/>
       </p:ext>
     </p:extLst>
   </p:cSld>
@@ -2003,7 +2254,7 @@
 </p:sldLayout>
 </file>
 
-<file path=ppt/slideLayouts/slideLayout14.xml><?xml version="1.0" encoding="utf-8"?>
+<file path=ppt/slideLayouts/slideLayout13.xml><?xml version="1.0" encoding="utf-8"?>
 <p:sldLayout xmlns:a="http://schemas.openxmlformats.org/drawingml/2006/main" xmlns:r="http://schemas.openxmlformats.org/officeDocument/2006/relationships" xmlns:p="http://schemas.openxmlformats.org/presentationml/2006/main" preserve="1">
   <p:cSld name="Цитата карточки имени">
     <p:spTree>
@@ -2022,13 +2273,297 @@
       </p:grpSpPr>
       <p:sp>
         <p:nvSpPr>
-          <p:cNvPr id="14" name="TextBox 13"/>
+          <p:cNvPr id="2" name="Title 1"/>
+          <p:cNvSpPr>
+            <a:spLocks noGrp="1"/>
+          </p:cNvSpPr>
+          <p:nvPr>
+            <p:ph type="title"/>
+          </p:nvPr>
+        </p:nvSpPr>
+        <p:spPr>
+          <a:xfrm>
+            <a:off x="931334" y="609600"/>
+            <a:ext cx="8094134" cy="3022600"/>
+          </a:xfrm>
+        </p:spPr>
+        <p:txBody>
+          <a:bodyPr anchor="ctr">
+            <a:normAutofit/>
+          </a:bodyPr>
+          <a:lstStyle>
+            <a:lvl1pPr algn="l">
+              <a:defRPr sz="4400" b="0" cap="none"/>
+            </a:lvl1pPr>
+          </a:lstStyle>
+          <a:p>
+            <a:r>
+              <a:rPr lang="ru-RU" smtClean="0"/>
+              <a:t>Образец заголовка</a:t>
+            </a:r>
+            <a:endParaRPr lang="en-US" dirty="0"/>
+          </a:p>
+        </p:txBody>
+      </p:sp>
+      <p:sp>
+        <p:nvSpPr>
+          <p:cNvPr id="23" name="Text Placeholder 9"/>
+          <p:cNvSpPr>
+            <a:spLocks noGrp="1"/>
+          </p:cNvSpPr>
+          <p:nvPr>
+            <p:ph type="body" sz="quarter" idx="13"/>
+          </p:nvPr>
+        </p:nvSpPr>
+        <p:spPr>
+          <a:xfrm>
+            <a:off x="677332" y="4013200"/>
+            <a:ext cx="8596669" cy="514248"/>
+          </a:xfrm>
+        </p:spPr>
+        <p:txBody>
+          <a:bodyPr anchor="b">
+            <a:noAutofit/>
+          </a:bodyPr>
+          <a:lstStyle>
+            <a:lvl1pPr marL="0" indent="0">
+              <a:buFontTx/>
+              <a:buNone/>
+              <a:defRPr sz="2400">
+                <a:solidFill>
+                  <a:schemeClr val="tx1">
+                    <a:lumMod val="75000"/>
+                    <a:lumOff val="25000"/>
+                  </a:schemeClr>
+                </a:solidFill>
+              </a:defRPr>
+            </a:lvl1pPr>
+            <a:lvl2pPr marL="457200" indent="0">
+              <a:buFontTx/>
+              <a:buNone/>
+              <a:defRPr/>
+            </a:lvl2pPr>
+            <a:lvl3pPr marL="914400" indent="0">
+              <a:buFontTx/>
+              <a:buNone/>
+              <a:defRPr/>
+            </a:lvl3pPr>
+            <a:lvl4pPr marL="1371600" indent="0">
+              <a:buFontTx/>
+              <a:buNone/>
+              <a:defRPr/>
+            </a:lvl4pPr>
+            <a:lvl5pPr marL="1828800" indent="0">
+              <a:buFontTx/>
+              <a:buNone/>
+              <a:defRPr/>
+            </a:lvl5pPr>
+          </a:lstStyle>
+          <a:p>
+            <a:pPr lvl="0"/>
+            <a:r>
+              <a:rPr lang="ru-RU" smtClean="0"/>
+              <a:t>Образец текста</a:t>
+            </a:r>
+          </a:p>
+        </p:txBody>
+      </p:sp>
+      <p:sp>
+        <p:nvSpPr>
+          <p:cNvPr id="3" name="Text Placeholder 2"/>
+          <p:cNvSpPr>
+            <a:spLocks noGrp="1"/>
+          </p:cNvSpPr>
+          <p:nvPr>
+            <p:ph type="body" idx="1"/>
+          </p:nvPr>
+        </p:nvSpPr>
+        <p:spPr>
+          <a:xfrm>
+            <a:off x="677335" y="4527448"/>
+            <a:ext cx="8596668" cy="1513914"/>
+          </a:xfrm>
+        </p:spPr>
+        <p:txBody>
+          <a:bodyPr anchor="t">
+            <a:normAutofit/>
+          </a:bodyPr>
+          <a:lstStyle>
+            <a:lvl1pPr marL="0" indent="0" algn="l">
+              <a:buNone/>
+              <a:defRPr sz="1800">
+                <a:solidFill>
+                  <a:schemeClr val="tx1">
+                    <a:lumMod val="50000"/>
+                    <a:lumOff val="50000"/>
+                  </a:schemeClr>
+                </a:solidFill>
+              </a:defRPr>
+            </a:lvl1pPr>
+            <a:lvl2pPr marL="457200" indent="0">
+              <a:buNone/>
+              <a:defRPr sz="1800">
+                <a:solidFill>
+                  <a:schemeClr val="tx1">
+                    <a:tint val="75000"/>
+                  </a:schemeClr>
+                </a:solidFill>
+              </a:defRPr>
+            </a:lvl2pPr>
+            <a:lvl3pPr marL="914400" indent="0">
+              <a:buNone/>
+              <a:defRPr sz="1600">
+                <a:solidFill>
+                  <a:schemeClr val="tx1">
+                    <a:tint val="75000"/>
+                  </a:schemeClr>
+                </a:solidFill>
+              </a:defRPr>
+            </a:lvl3pPr>
+            <a:lvl4pPr marL="1371600" indent="0">
+              <a:buNone/>
+              <a:defRPr sz="1400">
+                <a:solidFill>
+                  <a:schemeClr val="tx1">
+                    <a:tint val="75000"/>
+                  </a:schemeClr>
+                </a:solidFill>
+              </a:defRPr>
+            </a:lvl4pPr>
+            <a:lvl5pPr marL="1828800" indent="0">
+              <a:buNone/>
+              <a:defRPr sz="1400">
+                <a:solidFill>
+                  <a:schemeClr val="tx1">
+                    <a:tint val="75000"/>
+                  </a:schemeClr>
+                </a:solidFill>
+              </a:defRPr>
+            </a:lvl5pPr>
+            <a:lvl6pPr marL="2286000" indent="0">
+              <a:buNone/>
+              <a:defRPr sz="1400">
+                <a:solidFill>
+                  <a:schemeClr val="tx1">
+                    <a:tint val="75000"/>
+                  </a:schemeClr>
+                </a:solidFill>
+              </a:defRPr>
+            </a:lvl6pPr>
+            <a:lvl7pPr marL="2743200" indent="0">
+              <a:buNone/>
+              <a:defRPr sz="1400">
+                <a:solidFill>
+                  <a:schemeClr val="tx1">
+                    <a:tint val="75000"/>
+                  </a:schemeClr>
+                </a:solidFill>
+              </a:defRPr>
+            </a:lvl7pPr>
+            <a:lvl8pPr marL="3200400" indent="0">
+              <a:buNone/>
+              <a:defRPr sz="1400">
+                <a:solidFill>
+                  <a:schemeClr val="tx1">
+                    <a:tint val="75000"/>
+                  </a:schemeClr>
+                </a:solidFill>
+              </a:defRPr>
+            </a:lvl8pPr>
+            <a:lvl9pPr marL="3657600" indent="0">
+              <a:buNone/>
+              <a:defRPr sz="1400">
+                <a:solidFill>
+                  <a:schemeClr val="tx1">
+                    <a:tint val="75000"/>
+                  </a:schemeClr>
+                </a:solidFill>
+              </a:defRPr>
+            </a:lvl9pPr>
+          </a:lstStyle>
+          <a:p>
+            <a:pPr lvl="0"/>
+            <a:r>
+              <a:rPr lang="ru-RU" smtClean="0"/>
+              <a:t>Образец текста</a:t>
+            </a:r>
+          </a:p>
+        </p:txBody>
+      </p:sp>
+      <p:sp>
+        <p:nvSpPr>
+          <p:cNvPr id="4" name="Date Placeholder 3"/>
+          <p:cNvSpPr>
+            <a:spLocks noGrp="1"/>
+          </p:cNvSpPr>
+          <p:nvPr>
+            <p:ph type="dt" sz="half" idx="10"/>
+          </p:nvPr>
+        </p:nvSpPr>
+        <p:spPr/>
+        <p:txBody>
+          <a:bodyPr/>
+          <a:lstStyle/>
+          <a:p>
+            <a:fld id="{A7A44A2C-D3DA-463E-847C-1BD2FBBDC97F}" type="datetimeFigureOut">
+              <a:rPr lang="en-US" smtClean="0"/>
+              <a:t>4/21/2016</a:t>
+            </a:fld>
+            <a:endParaRPr lang="en-US"/>
+          </a:p>
+        </p:txBody>
+      </p:sp>
+      <p:sp>
+        <p:nvSpPr>
+          <p:cNvPr id="5" name="Footer Placeholder 4"/>
+          <p:cNvSpPr>
+            <a:spLocks noGrp="1"/>
+          </p:cNvSpPr>
+          <p:nvPr>
+            <p:ph type="ftr" sz="quarter" idx="11"/>
+          </p:nvPr>
+        </p:nvSpPr>
+        <p:spPr/>
+        <p:txBody>
+          <a:bodyPr/>
+          <a:lstStyle/>
+          <a:p>
+            <a:endParaRPr lang="en-US"/>
+          </a:p>
+        </p:txBody>
+      </p:sp>
+      <p:sp>
+        <p:nvSpPr>
+          <p:cNvPr id="6" name="Slide Number Placeholder 5"/>
+          <p:cNvSpPr>
+            <a:spLocks noGrp="1"/>
+          </p:cNvSpPr>
+          <p:nvPr>
+            <p:ph type="sldNum" sz="quarter" idx="12"/>
+          </p:nvPr>
+        </p:nvSpPr>
+        <p:spPr/>
+        <p:txBody>
+          <a:bodyPr/>
+          <a:lstStyle/>
+          <a:p>
+            <a:fld id="{C6137E6C-742B-4796-9F94-B14904D29A60}" type="slidenum">
+              <a:rPr lang="en-US" smtClean="0"/>
+              <a:t>‹#›</a:t>
+            </a:fld>
+            <a:endParaRPr lang="en-US"/>
+          </a:p>
+        </p:txBody>
+      </p:sp>
+      <p:sp>
+        <p:nvSpPr>
+          <p:cNvPr id="24" name="TextBox 23"/>
           <p:cNvSpPr txBox="1"/>
           <p:nvPr/>
         </p:nvSpPr>
         <p:spPr>
           <a:xfrm>
-            <a:off x="1598612" y="863023"/>
+            <a:off x="541870" y="790378"/>
             <a:ext cx="609600" cy="584776"/>
           </a:xfrm>
           <a:prstGeom prst="rect">
@@ -2039,97 +2574,22 @@
           <a:bodyPr vert="horz" lIns="91440" tIns="45720" rIns="91440" bIns="45720" rtlCol="0" anchor="ctr">
             <a:noAutofit/>
           </a:bodyPr>
-          <a:lstStyle>
-            <a:lvl1pPr>
-              <a:spcBef>
-                <a:spcPct val="0"/>
-              </a:spcBef>
-              <a:buNone/>
-              <a:defRPr sz="3200" b="0" cap="all">
+          <a:lstStyle/>
+          <a:p>
+            <a:pPr lvl="0"/>
+            <a:r>
+              <a:rPr lang="en-US" sz="8000" baseline="0" dirty="0">
                 <a:ln w="3175" cmpd="sng">
                   <a:noFill/>
                 </a:ln>
-                <a:effectLst>
-                  <a:glow rad="38100">
-                    <a:schemeClr val="bg1">
-                      <a:lumMod val="65000"/>
-                      <a:lumOff val="35000"/>
-                      <a:alpha val="40000"/>
-                    </a:schemeClr>
-                  </a:glow>
-                  <a:outerShdw blurRad="28575" dist="38100" dir="14040000" algn="tl" rotWithShape="0">
-                    <a:srgbClr val="000000">
-                      <a:alpha val="25000"/>
-                    </a:srgbClr>
-                  </a:outerShdw>
-                </a:effectLst>
-              </a:defRPr>
-            </a:lvl1pPr>
-            <a:lvl2pPr>
-              <a:defRPr>
-                <a:solidFill>
-                  <a:schemeClr val="tx2"/>
-                </a:solidFill>
-              </a:defRPr>
-            </a:lvl2pPr>
-            <a:lvl3pPr>
-              <a:defRPr>
-                <a:solidFill>
-                  <a:schemeClr val="tx2"/>
-                </a:solidFill>
-              </a:defRPr>
-            </a:lvl3pPr>
-            <a:lvl4pPr>
-              <a:defRPr>
-                <a:solidFill>
-                  <a:schemeClr val="tx2"/>
-                </a:solidFill>
-              </a:defRPr>
-            </a:lvl4pPr>
-            <a:lvl5pPr>
-              <a:defRPr>
-                <a:solidFill>
-                  <a:schemeClr val="tx2"/>
-                </a:solidFill>
-              </a:defRPr>
-            </a:lvl5pPr>
-            <a:lvl6pPr>
-              <a:defRPr>
-                <a:solidFill>
-                  <a:schemeClr val="tx2"/>
-                </a:solidFill>
-              </a:defRPr>
-            </a:lvl6pPr>
-            <a:lvl7pPr>
-              <a:defRPr>
-                <a:solidFill>
-                  <a:schemeClr val="tx2"/>
-                </a:solidFill>
-              </a:defRPr>
-            </a:lvl7pPr>
-            <a:lvl8pPr>
-              <a:defRPr>
-                <a:solidFill>
-                  <a:schemeClr val="tx2"/>
-                </a:solidFill>
-              </a:defRPr>
-            </a:lvl8pPr>
-            <a:lvl9pPr>
-              <a:defRPr>
-                <a:solidFill>
-                  <a:schemeClr val="tx2"/>
-                </a:solidFill>
-              </a:defRPr>
-            </a:lvl9pPr>
-          </a:lstStyle>
-          <a:p>
-            <a:pPr lvl="0"/>
-            <a:r>
-              <a:rPr lang="en-US" sz="8000" dirty="0">
-                <a:solidFill>
-                  <a:schemeClr val="tx1"/>
+                <a:solidFill>
+                  <a:schemeClr val="accent1">
+                    <a:lumMod val="60000"/>
+                    <a:lumOff val="40000"/>
+                  </a:schemeClr>
                 </a:solidFill>
                 <a:effectLst/>
+                <a:latin typeface="Arial"/>
               </a:rPr>
               <a:t>“</a:t>
             </a:r>
@@ -2138,13 +2598,13 @@
       </p:sp>
       <p:sp>
         <p:nvSpPr>
-          <p:cNvPr id="15" name="TextBox 14"/>
+          <p:cNvPr id="25" name="TextBox 24"/>
           <p:cNvSpPr txBox="1"/>
           <p:nvPr/>
         </p:nvSpPr>
         <p:spPr>
           <a:xfrm>
-            <a:off x="10893425" y="2819399"/>
+            <a:off x="8893011" y="2886556"/>
             <a:ext cx="609600" cy="584776"/>
           </a:xfrm>
           <a:prstGeom prst="rect">
@@ -2155,377 +2615,32 @@
           <a:bodyPr vert="horz" lIns="91440" tIns="45720" rIns="91440" bIns="45720" rtlCol="0" anchor="ctr">
             <a:noAutofit/>
           </a:bodyPr>
-          <a:lstStyle>
-            <a:lvl1pPr>
-              <a:spcBef>
-                <a:spcPct val="0"/>
-              </a:spcBef>
-              <a:buNone/>
-              <a:defRPr sz="3200" b="0" cap="all">
+          <a:lstStyle/>
+          <a:p>
+            <a:pPr lvl="0"/>
+            <a:r>
+              <a:rPr lang="en-US" sz="8000" baseline="0" dirty="0">
                 <a:ln w="3175" cmpd="sng">
                   <a:noFill/>
                 </a:ln>
-                <a:effectLst>
-                  <a:glow rad="38100">
-                    <a:schemeClr val="bg1">
-                      <a:lumMod val="65000"/>
-                      <a:lumOff val="35000"/>
-                      <a:alpha val="40000"/>
-                    </a:schemeClr>
-                  </a:glow>
-                  <a:outerShdw blurRad="28575" dist="38100" dir="14040000" algn="tl" rotWithShape="0">
-                    <a:srgbClr val="000000">
-                      <a:alpha val="25000"/>
-                    </a:srgbClr>
-                  </a:outerShdw>
-                </a:effectLst>
-              </a:defRPr>
-            </a:lvl1pPr>
-            <a:lvl2pPr>
-              <a:defRPr>
-                <a:solidFill>
-                  <a:schemeClr val="tx2"/>
-                </a:solidFill>
-              </a:defRPr>
-            </a:lvl2pPr>
-            <a:lvl3pPr>
-              <a:defRPr>
-                <a:solidFill>
-                  <a:schemeClr val="tx2"/>
-                </a:solidFill>
-              </a:defRPr>
-            </a:lvl3pPr>
-            <a:lvl4pPr>
-              <a:defRPr>
-                <a:solidFill>
-                  <a:schemeClr val="tx2"/>
-                </a:solidFill>
-              </a:defRPr>
-            </a:lvl4pPr>
-            <a:lvl5pPr>
-              <a:defRPr>
-                <a:solidFill>
-                  <a:schemeClr val="tx2"/>
-                </a:solidFill>
-              </a:defRPr>
-            </a:lvl5pPr>
-            <a:lvl6pPr>
-              <a:defRPr>
-                <a:solidFill>
-                  <a:schemeClr val="tx2"/>
-                </a:solidFill>
-              </a:defRPr>
-            </a:lvl6pPr>
-            <a:lvl7pPr>
-              <a:defRPr>
-                <a:solidFill>
-                  <a:schemeClr val="tx2"/>
-                </a:solidFill>
-              </a:defRPr>
-            </a:lvl7pPr>
-            <a:lvl8pPr>
-              <a:defRPr>
-                <a:solidFill>
-                  <a:schemeClr val="tx2"/>
-                </a:solidFill>
-              </a:defRPr>
-            </a:lvl8pPr>
-            <a:lvl9pPr>
-              <a:defRPr>
-                <a:solidFill>
-                  <a:schemeClr val="tx2"/>
-                </a:solidFill>
-              </a:defRPr>
-            </a:lvl9pPr>
-          </a:lstStyle>
-          <a:p>
-            <a:pPr lvl="0" algn="r"/>
-            <a:r>
-              <a:rPr lang="en-US" sz="8000" dirty="0">
-                <a:solidFill>
-                  <a:schemeClr val="tx1"/>
+                <a:solidFill>
+                  <a:schemeClr val="accent1">
+                    <a:lumMod val="60000"/>
+                    <a:lumOff val="40000"/>
+                  </a:schemeClr>
                 </a:solidFill>
                 <a:effectLst/>
+                <a:latin typeface="Arial"/>
               </a:rPr>
               <a:t>”</a:t>
             </a:r>
-          </a:p>
-        </p:txBody>
-      </p:sp>
-      <p:sp>
-        <p:nvSpPr>
-          <p:cNvPr id="2" name="Title 1"/>
-          <p:cNvSpPr>
-            <a:spLocks noGrp="1"/>
-          </p:cNvSpPr>
-          <p:nvPr>
-            <p:ph type="title"/>
-          </p:nvPr>
-        </p:nvSpPr>
-        <p:spPr>
-          <a:xfrm>
-            <a:off x="2208212" y="685800"/>
-            <a:ext cx="8990012" cy="2743199"/>
-          </a:xfrm>
-        </p:spPr>
-        <p:txBody>
-          <a:bodyPr anchor="ctr">
-            <a:normAutofit/>
-          </a:bodyPr>
-          <a:lstStyle>
-            <a:lvl1pPr algn="ctr">
-              <a:defRPr sz="3200" b="0" cap="none">
-                <a:solidFill>
-                  <a:schemeClr val="tx1"/>
-                </a:solidFill>
-              </a:defRPr>
-            </a:lvl1pPr>
-          </a:lstStyle>
-          <a:p>
-            <a:r>
-              <a:rPr lang="ru-RU" smtClean="0"/>
-              <a:t>Образец заголовка</a:t>
-            </a:r>
-            <a:endParaRPr lang="en-US" dirty="0"/>
-          </a:p>
-        </p:txBody>
-      </p:sp>
-      <p:sp>
-        <p:nvSpPr>
-          <p:cNvPr id="10" name="Text Placeholder 9"/>
-          <p:cNvSpPr>
-            <a:spLocks noGrp="1"/>
-          </p:cNvSpPr>
-          <p:nvPr>
-            <p:ph type="body" sz="quarter" idx="13"/>
-          </p:nvPr>
-        </p:nvSpPr>
-        <p:spPr>
-          <a:xfrm>
-            <a:off x="1484313" y="3886200"/>
-            <a:ext cx="10018710" cy="889000"/>
-          </a:xfrm>
-        </p:spPr>
-        <p:txBody>
-          <a:bodyPr vert="horz" lIns="91440" tIns="45720" rIns="91440" bIns="45720" rtlCol="0" anchor="b">
-            <a:normAutofit/>
-          </a:bodyPr>
-          <a:lstStyle>
-            <a:lvl1pPr algn="r">
-              <a:buNone/>
-              <a:defRPr lang="en-US" sz="2400" b="0" cap="none" dirty="0">
-                <a:ln w="3175" cmpd="sng">
-                  <a:noFill/>
-                </a:ln>
-                <a:solidFill>
-                  <a:schemeClr val="tx1"/>
-                </a:solidFill>
-                <a:effectLst/>
-              </a:defRPr>
-            </a:lvl1pPr>
-          </a:lstStyle>
-          <a:p>
-            <a:pPr marL="0" lvl="0">
-              <a:spcBef>
-                <a:spcPct val="0"/>
-              </a:spcBef>
-              <a:buNone/>
-            </a:pPr>
-            <a:r>
-              <a:rPr lang="ru-RU" smtClean="0"/>
-              <a:t>Образец текста</a:t>
-            </a:r>
-          </a:p>
-        </p:txBody>
-      </p:sp>
-      <p:sp>
-        <p:nvSpPr>
-          <p:cNvPr id="3" name="Text Placeholder 2"/>
-          <p:cNvSpPr>
-            <a:spLocks noGrp="1"/>
-          </p:cNvSpPr>
-          <p:nvPr>
-            <p:ph type="body" idx="1"/>
-          </p:nvPr>
-        </p:nvSpPr>
-        <p:spPr>
-          <a:xfrm>
-            <a:off x="1484312" y="4775200"/>
-            <a:ext cx="10018710" cy="1016000"/>
-          </a:xfrm>
-        </p:spPr>
-        <p:txBody>
-          <a:bodyPr anchor="t">
-            <a:normAutofit/>
-          </a:bodyPr>
-          <a:lstStyle>
-            <a:lvl1pPr marL="0" indent="0" algn="r">
-              <a:buNone/>
-              <a:defRPr sz="1800">
-                <a:solidFill>
-                  <a:schemeClr val="tx1"/>
-                </a:solidFill>
-              </a:defRPr>
-            </a:lvl1pPr>
-            <a:lvl2pPr marL="457200" indent="0">
-              <a:buNone/>
-              <a:defRPr sz="1800">
-                <a:solidFill>
-                  <a:schemeClr val="tx1">
-                    <a:tint val="75000"/>
-                  </a:schemeClr>
-                </a:solidFill>
-              </a:defRPr>
-            </a:lvl2pPr>
-            <a:lvl3pPr marL="914400" indent="0">
-              <a:buNone/>
-              <a:defRPr sz="1600">
-                <a:solidFill>
-                  <a:schemeClr val="tx1">
-                    <a:tint val="75000"/>
-                  </a:schemeClr>
-                </a:solidFill>
-              </a:defRPr>
-            </a:lvl3pPr>
-            <a:lvl4pPr marL="1371600" indent="0">
-              <a:buNone/>
-              <a:defRPr sz="1400">
-                <a:solidFill>
-                  <a:schemeClr val="tx1">
-                    <a:tint val="75000"/>
-                  </a:schemeClr>
-                </a:solidFill>
-              </a:defRPr>
-            </a:lvl4pPr>
-            <a:lvl5pPr marL="1828800" indent="0">
-              <a:buNone/>
-              <a:defRPr sz="1400">
-                <a:solidFill>
-                  <a:schemeClr val="tx1">
-                    <a:tint val="75000"/>
-                  </a:schemeClr>
-                </a:solidFill>
-              </a:defRPr>
-            </a:lvl5pPr>
-            <a:lvl6pPr marL="2286000" indent="0">
-              <a:buNone/>
-              <a:defRPr sz="1400">
-                <a:solidFill>
-                  <a:schemeClr val="tx1">
-                    <a:tint val="75000"/>
-                  </a:schemeClr>
-                </a:solidFill>
-              </a:defRPr>
-            </a:lvl6pPr>
-            <a:lvl7pPr marL="2743200" indent="0">
-              <a:buNone/>
-              <a:defRPr sz="1400">
-                <a:solidFill>
-                  <a:schemeClr val="tx1">
-                    <a:tint val="75000"/>
-                  </a:schemeClr>
-                </a:solidFill>
-              </a:defRPr>
-            </a:lvl7pPr>
-            <a:lvl8pPr marL="3200400" indent="0">
-              <a:buNone/>
-              <a:defRPr sz="1400">
-                <a:solidFill>
-                  <a:schemeClr val="tx1">
-                    <a:tint val="75000"/>
-                  </a:schemeClr>
-                </a:solidFill>
-              </a:defRPr>
-            </a:lvl8pPr>
-            <a:lvl9pPr marL="3657600" indent="0">
-              <a:buNone/>
-              <a:defRPr sz="1400">
-                <a:solidFill>
-                  <a:schemeClr val="tx1">
-                    <a:tint val="75000"/>
-                  </a:schemeClr>
-                </a:solidFill>
-              </a:defRPr>
-            </a:lvl9pPr>
-          </a:lstStyle>
-          <a:p>
-            <a:pPr lvl="0"/>
-            <a:r>
-              <a:rPr lang="ru-RU" smtClean="0"/>
-              <a:t>Образец текста</a:t>
-            </a:r>
-          </a:p>
-        </p:txBody>
-      </p:sp>
-      <p:sp>
-        <p:nvSpPr>
-          <p:cNvPr id="4" name="Date Placeholder 3"/>
-          <p:cNvSpPr>
-            <a:spLocks noGrp="1"/>
-          </p:cNvSpPr>
-          <p:nvPr>
-            <p:ph type="dt" sz="half" idx="10"/>
-          </p:nvPr>
-        </p:nvSpPr>
-        <p:spPr/>
-        <p:txBody>
-          <a:bodyPr/>
-          <a:lstStyle/>
-          <a:p>
-            <a:fld id="{A7A44A2C-D3DA-463E-847C-1BD2FBBDC97F}" type="datetimeFigureOut">
-              <a:rPr lang="en-US" smtClean="0"/>
-              <a:t>4/20/2016</a:t>
-            </a:fld>
-            <a:endParaRPr lang="en-US"/>
-          </a:p>
-        </p:txBody>
-      </p:sp>
-      <p:sp>
-        <p:nvSpPr>
-          <p:cNvPr id="5" name="Footer Placeholder 4"/>
-          <p:cNvSpPr>
-            <a:spLocks noGrp="1"/>
-          </p:cNvSpPr>
-          <p:nvPr>
-            <p:ph type="ftr" sz="quarter" idx="11"/>
-          </p:nvPr>
-        </p:nvSpPr>
-        <p:spPr/>
-        <p:txBody>
-          <a:bodyPr/>
-          <a:lstStyle/>
-          <a:p>
-            <a:endParaRPr lang="en-US"/>
-          </a:p>
-        </p:txBody>
-      </p:sp>
-      <p:sp>
-        <p:nvSpPr>
-          <p:cNvPr id="6" name="Slide Number Placeholder 5"/>
-          <p:cNvSpPr>
-            <a:spLocks noGrp="1"/>
-          </p:cNvSpPr>
-          <p:nvPr>
-            <p:ph type="sldNum" sz="quarter" idx="12"/>
-          </p:nvPr>
-        </p:nvSpPr>
-        <p:spPr/>
-        <p:txBody>
-          <a:bodyPr/>
-          <a:lstStyle/>
-          <a:p>
-            <a:fld id="{C6137E6C-742B-4796-9F94-B14904D29A60}" type="slidenum">
-              <a:rPr lang="en-US" smtClean="0"/>
-              <a:t>‹#›</a:t>
-            </a:fld>
-            <a:endParaRPr lang="en-US"/>
           </a:p>
         </p:txBody>
       </p:sp>
     </p:spTree>
     <p:extLst>
       <p:ext uri="{BB962C8B-B14F-4D97-AF65-F5344CB8AC3E}">
-        <p14:creationId xmlns:p14="http://schemas.microsoft.com/office/powerpoint/2010/main" val="2875418437"/>
+        <p14:creationId xmlns:p14="http://schemas.microsoft.com/office/powerpoint/2010/main" val="2875653076"/>
       </p:ext>
     </p:extLst>
   </p:cSld>
@@ -2535,7 +2650,7 @@
 </p:sldLayout>
 </file>
 
-<file path=ppt/slideLayouts/slideLayout15.xml><?xml version="1.0" encoding="utf-8"?>
+<file path=ppt/slideLayouts/slideLayout14.xml><?xml version="1.0" encoding="utf-8"?>
 <p:sldLayout xmlns:a="http://schemas.openxmlformats.org/drawingml/2006/main" xmlns:r="http://schemas.openxmlformats.org/officeDocument/2006/relationships" xmlns:p="http://schemas.openxmlformats.org/presentationml/2006/main" preserve="1">
   <p:cSld name="Истина или ложь">
     <p:spTree>
@@ -2564,21 +2679,20 @@
         </p:nvSpPr>
         <p:spPr>
           <a:xfrm>
-            <a:off x="1484313" y="685800"/>
-            <a:ext cx="10018712" cy="2727325"/>
+            <a:off x="685799" y="609600"/>
+            <a:ext cx="8588203" cy="3022600"/>
           </a:xfrm>
         </p:spPr>
         <p:txBody>
-          <a:bodyPr vert="horz" lIns="91440" tIns="45720" rIns="91440" bIns="45720" rtlCol="0" anchor="ctr">
+          <a:bodyPr anchor="ctr">
             <a:normAutofit/>
           </a:bodyPr>
           <a:lstStyle>
-            <a:lvl1pPr>
-              <a:defRPr lang="en-US" b="0" dirty="0"/>
+            <a:lvl1pPr algn="l">
+              <a:defRPr sz="4400" b="0" cap="none"/>
             </a:lvl1pPr>
           </a:lstStyle>
           <a:p>
-            <a:pPr marL="0" lvl="0"/>
             <a:r>
               <a:rPr lang="ru-RU" smtClean="0"/>
               <a:t>Образец заголовка</a:t>
@@ -2589,7 +2703,7 @@
       </p:sp>
       <p:sp>
         <p:nvSpPr>
-          <p:cNvPr id="10" name="Text Placeholder 9"/>
+          <p:cNvPr id="23" name="Text Placeholder 9"/>
           <p:cNvSpPr>
             <a:spLocks noGrp="1"/>
           </p:cNvSpPr>
@@ -2599,35 +2713,47 @@
         </p:nvSpPr>
         <p:spPr>
           <a:xfrm>
-            <a:off x="1484312" y="3505200"/>
-            <a:ext cx="10018713" cy="838200"/>
+            <a:off x="677332" y="4013200"/>
+            <a:ext cx="8596669" cy="514248"/>
           </a:xfrm>
         </p:spPr>
         <p:txBody>
-          <a:bodyPr vert="horz" lIns="91440" tIns="45720" rIns="91440" bIns="45720" rtlCol="0" anchor="b">
-            <a:normAutofit/>
+          <a:bodyPr anchor="b">
+            <a:noAutofit/>
           </a:bodyPr>
           <a:lstStyle>
-            <a:lvl1pPr>
-              <a:buNone/>
-              <a:defRPr lang="en-US" sz="2800" b="0" cap="none" dirty="0">
-                <a:ln w="3175" cmpd="sng">
-                  <a:noFill/>
-                </a:ln>
-                <a:solidFill>
-                  <a:schemeClr val="tx1"/>
-                </a:solidFill>
-                <a:effectLst/>
+            <a:lvl1pPr marL="0" indent="0">
+              <a:buFontTx/>
+              <a:buNone/>
+              <a:defRPr sz="2400">
+                <a:solidFill>
+                  <a:schemeClr val="accent1"/>
+                </a:solidFill>
               </a:defRPr>
             </a:lvl1pPr>
+            <a:lvl2pPr marL="457200" indent="0">
+              <a:buFontTx/>
+              <a:buNone/>
+              <a:defRPr/>
+            </a:lvl2pPr>
+            <a:lvl3pPr marL="914400" indent="0">
+              <a:buFontTx/>
+              <a:buNone/>
+              <a:defRPr/>
+            </a:lvl3pPr>
+            <a:lvl4pPr marL="1371600" indent="0">
+              <a:buFontTx/>
+              <a:buNone/>
+              <a:defRPr/>
+            </a:lvl4pPr>
+            <a:lvl5pPr marL="1828800" indent="0">
+              <a:buFontTx/>
+              <a:buNone/>
+              <a:defRPr/>
+            </a:lvl5pPr>
           </a:lstStyle>
           <a:p>
-            <a:pPr marL="0" lvl="0">
-              <a:spcBef>
-                <a:spcPct val="0"/>
-              </a:spcBef>
-              <a:buNone/>
-            </a:pPr>
+            <a:pPr lvl="0"/>
             <a:r>
               <a:rPr lang="ru-RU" smtClean="0"/>
               <a:t>Образец текста</a:t>
@@ -2647,8 +2773,8 @@
         </p:nvSpPr>
         <p:spPr>
           <a:xfrm>
-            <a:off x="1484311" y="4343400"/>
-            <a:ext cx="10018713" cy="1447800"/>
+            <a:off x="677335" y="4527448"/>
+            <a:ext cx="8596668" cy="1513914"/>
           </a:xfrm>
         </p:spPr>
         <p:txBody>
@@ -2660,7 +2786,10 @@
               <a:buNone/>
               <a:defRPr sz="1800">
                 <a:solidFill>
-                  <a:schemeClr val="tx1"/>
+                  <a:schemeClr val="tx1">
+                    <a:lumMod val="50000"/>
+                    <a:lumOff val="50000"/>
+                  </a:schemeClr>
                 </a:solidFill>
               </a:defRPr>
             </a:lvl1pPr>
@@ -2771,7 +2900,7 @@
           <a:p>
             <a:fld id="{A7A44A2C-D3DA-463E-847C-1BD2FBBDC97F}" type="datetimeFigureOut">
               <a:rPr lang="en-US" smtClean="0"/>
-              <a:t>4/20/2016</a:t>
+              <a:t>4/21/2016</a:t>
             </a:fld>
             <a:endParaRPr lang="en-US"/>
           </a:p>
@@ -2822,7 +2951,7 @@
     </p:spTree>
     <p:extLst>
       <p:ext uri="{BB962C8B-B14F-4D97-AF65-F5344CB8AC3E}">
-        <p14:creationId xmlns:p14="http://schemas.microsoft.com/office/powerpoint/2010/main" val="40324926"/>
+        <p14:creationId xmlns:p14="http://schemas.microsoft.com/office/powerpoint/2010/main" val="144999290"/>
       </p:ext>
     </p:extLst>
   </p:cSld>
@@ -2832,7 +2961,7 @@
 </p:sldLayout>
 </file>
 
-<file path=ppt/slideLayouts/slideLayout16.xml><?xml version="1.0" encoding="utf-8"?>
+<file path=ppt/slideLayouts/slideLayout15.xml><?xml version="1.0" encoding="utf-8"?>
 <p:sldLayout xmlns:a="http://schemas.openxmlformats.org/drawingml/2006/main" xmlns:r="http://schemas.openxmlformats.org/officeDocument/2006/relationships" xmlns:p="http://schemas.openxmlformats.org/presentationml/2006/main" type="vertTx" preserve="1">
   <p:cSld name="Заголовок и вертикальный текст">
     <p:spTree>
@@ -2862,11 +2991,7 @@
         <p:spPr/>
         <p:txBody>
           <a:bodyPr/>
-          <a:lstStyle>
-            <a:lvl1pPr algn="ctr">
-              <a:defRPr/>
-            </a:lvl1pPr>
-          </a:lstStyle>
+          <a:lstStyle/>
           <a:p>
             <a:r>
               <a:rPr lang="ru-RU" smtClean="0"/>
@@ -2888,7 +3013,7 @@
         </p:nvSpPr>
         <p:spPr/>
         <p:txBody>
-          <a:bodyPr vert="eaVert" anchor="t"/>
+          <a:bodyPr vert="eaVert"/>
           <a:lstStyle/>
           <a:p>
             <a:pPr lvl="0"/>
@@ -2945,7 +3070,7 @@
           <a:p>
             <a:fld id="{A7A44A2C-D3DA-463E-847C-1BD2FBBDC97F}" type="datetimeFigureOut">
               <a:rPr lang="en-US" smtClean="0"/>
-              <a:t>4/20/2016</a:t>
+              <a:t>4/21/2016</a:t>
             </a:fld>
             <a:endParaRPr lang="en-US"/>
           </a:p>
@@ -2996,7 +3121,7 @@
     </p:spTree>
     <p:extLst>
       <p:ext uri="{BB962C8B-B14F-4D97-AF65-F5344CB8AC3E}">
-        <p14:creationId xmlns:p14="http://schemas.microsoft.com/office/powerpoint/2010/main" val="1891428170"/>
+        <p14:creationId xmlns:p14="http://schemas.microsoft.com/office/powerpoint/2010/main" val="2937391305"/>
       </p:ext>
     </p:extLst>
   </p:cSld>
@@ -3006,7 +3131,7 @@
 </p:sldLayout>
 </file>
 
-<file path=ppt/slideLayouts/slideLayout17.xml><?xml version="1.0" encoding="utf-8"?>
+<file path=ppt/slideLayouts/slideLayout16.xml><?xml version="1.0" encoding="utf-8"?>
 <p:sldLayout xmlns:a="http://schemas.openxmlformats.org/drawingml/2006/main" xmlns:r="http://schemas.openxmlformats.org/officeDocument/2006/relationships" xmlns:p="http://schemas.openxmlformats.org/presentationml/2006/main" type="vertTitleAndTx" preserve="1">
   <p:cSld name="Вертикальный заголовок и текст">
     <p:spTree>
@@ -3035,12 +3160,12 @@
         </p:nvSpPr>
         <p:spPr>
           <a:xfrm>
-            <a:off x="9732655" y="685800"/>
-            <a:ext cx="1770369" cy="5105400"/>
+            <a:off x="7967673" y="609599"/>
+            <a:ext cx="1304743" cy="5251451"/>
           </a:xfrm>
         </p:spPr>
         <p:txBody>
-          <a:bodyPr vert="eaVert"/>
+          <a:bodyPr vert="eaVert" anchor="ctr"/>
           <a:lstStyle/>
           <a:p>
             <a:r>
@@ -3063,12 +3188,12 @@
         </p:nvSpPr>
         <p:spPr>
           <a:xfrm>
-            <a:off x="1484312" y="685800"/>
-            <a:ext cx="8019742" cy="5105400"/>
+            <a:off x="677335" y="609600"/>
+            <a:ext cx="7060150" cy="5251450"/>
           </a:xfrm>
         </p:spPr>
         <p:txBody>
-          <a:bodyPr vert="eaVert" anchor="t"/>
+          <a:bodyPr vert="eaVert"/>
           <a:lstStyle/>
           <a:p>
             <a:pPr lvl="0"/>
@@ -3125,7 +3250,7 @@
           <a:p>
             <a:fld id="{A7A44A2C-D3DA-463E-847C-1BD2FBBDC97F}" type="datetimeFigureOut">
               <a:rPr lang="en-US" smtClean="0"/>
-              <a:t>4/20/2016</a:t>
+              <a:t>4/21/2016</a:t>
             </a:fld>
             <a:endParaRPr lang="en-US"/>
           </a:p>
@@ -3176,7 +3301,7 @@
     </p:spTree>
     <p:extLst>
       <p:ext uri="{BB962C8B-B14F-4D97-AF65-F5344CB8AC3E}">
-        <p14:creationId xmlns:p14="http://schemas.microsoft.com/office/powerpoint/2010/main" val="323962196"/>
+        <p14:creationId xmlns:p14="http://schemas.microsoft.com/office/powerpoint/2010/main" val="1985395802"/>
       </p:ext>
     </p:extLst>
   </p:cSld>
@@ -3238,7 +3363,7 @@
         </p:nvSpPr>
         <p:spPr/>
         <p:txBody>
-          <a:bodyPr anchor="ctr"/>
+          <a:bodyPr/>
           <a:lstStyle/>
           <a:p>
             <a:pPr lvl="0"/>
@@ -3295,7 +3420,7 @@
           <a:p>
             <a:fld id="{A7A44A2C-D3DA-463E-847C-1BD2FBBDC97F}" type="datetimeFigureOut">
               <a:rPr lang="en-US" smtClean="0"/>
-              <a:t>4/20/2016</a:t>
+              <a:t>4/21/2016</a:t>
             </a:fld>
             <a:endParaRPr lang="en-US"/>
           </a:p>
@@ -3330,12 +3455,7 @@
             <p:ph type="sldNum" sz="quarter" idx="12"/>
           </p:nvPr>
         </p:nvSpPr>
-        <p:spPr>
-          <a:xfrm>
-            <a:off x="10951856" y="5867131"/>
-            <a:ext cx="551167" cy="365125"/>
-          </a:xfrm>
-        </p:spPr>
+        <p:spPr/>
         <p:txBody>
           <a:bodyPr/>
           <a:lstStyle/>
@@ -3351,7 +3471,7 @@
     </p:spTree>
     <p:extLst>
       <p:ext uri="{BB962C8B-B14F-4D97-AF65-F5344CB8AC3E}">
-        <p14:creationId xmlns:p14="http://schemas.microsoft.com/office/powerpoint/2010/main" val="2398607881"/>
+        <p14:creationId xmlns:p14="http://schemas.microsoft.com/office/powerpoint/2010/main" val="1423780540"/>
       </p:ext>
     </p:extLst>
   </p:cSld>
@@ -3390,14 +3510,14 @@
         </p:nvSpPr>
         <p:spPr>
           <a:xfrm>
-            <a:off x="2572279" y="2666999"/>
-            <a:ext cx="8930747" cy="2110382"/>
+            <a:off x="677335" y="2700867"/>
+            <a:ext cx="8596668" cy="1826581"/>
           </a:xfrm>
         </p:spPr>
         <p:txBody>
           <a:bodyPr anchor="b"/>
           <a:lstStyle>
-            <a:lvl1pPr algn="r">
+            <a:lvl1pPr algn="l">
               <a:defRPr sz="4000" b="0" cap="none"/>
             </a:lvl1pPr>
           </a:lstStyle>
@@ -3422,20 +3542,21 @@
         </p:nvSpPr>
         <p:spPr>
           <a:xfrm>
-            <a:off x="2572278" y="4777381"/>
-            <a:ext cx="8930748" cy="860400"/>
+            <a:off x="677335" y="4527448"/>
+            <a:ext cx="8596668" cy="860400"/>
           </a:xfrm>
         </p:spPr>
         <p:txBody>
-          <a:bodyPr anchor="t">
-            <a:normAutofit/>
-          </a:bodyPr>
+          <a:bodyPr anchor="t"/>
           <a:lstStyle>
-            <a:lvl1pPr marL="0" indent="0" algn="r">
+            <a:lvl1pPr marL="0" indent="0" algn="l">
               <a:buNone/>
               <a:defRPr sz="2000">
                 <a:solidFill>
-                  <a:schemeClr val="tx1"/>
+                  <a:schemeClr val="tx1">
+                    <a:lumMod val="50000"/>
+                    <a:lumOff val="50000"/>
+                  </a:schemeClr>
                 </a:solidFill>
               </a:defRPr>
             </a:lvl1pPr>
@@ -3546,7 +3667,7 @@
           <a:p>
             <a:fld id="{A7A44A2C-D3DA-463E-847C-1BD2FBBDC97F}" type="datetimeFigureOut">
               <a:rPr lang="en-US" smtClean="0"/>
-              <a:t>4/20/2016</a:t>
+              <a:t>4/21/2016</a:t>
             </a:fld>
             <a:endParaRPr lang="en-US"/>
           </a:p>
@@ -3597,7 +3718,7 @@
     </p:spTree>
     <p:extLst>
       <p:ext uri="{BB962C8B-B14F-4D97-AF65-F5344CB8AC3E}">
-        <p14:creationId xmlns:p14="http://schemas.microsoft.com/office/powerpoint/2010/main" val="995673566"/>
+        <p14:creationId xmlns:p14="http://schemas.microsoft.com/office/powerpoint/2010/main" val="2728505179"/>
       </p:ext>
     </p:extLst>
   </p:cSld>
@@ -3634,19 +3755,71 @@
             <p:ph type="title"/>
           </p:nvPr>
         </p:nvSpPr>
+        <p:spPr/>
+        <p:txBody>
+          <a:bodyPr/>
+          <a:lstStyle/>
+          <a:p>
+            <a:r>
+              <a:rPr lang="ru-RU" smtClean="0"/>
+              <a:t>Образец заголовка</a:t>
+            </a:r>
+            <a:endParaRPr lang="en-US" dirty="0"/>
+          </a:p>
+        </p:txBody>
+      </p:sp>
+      <p:sp>
+        <p:nvSpPr>
+          <p:cNvPr id="3" name="Content Placeholder 2"/>
+          <p:cNvSpPr>
+            <a:spLocks noGrp="1"/>
+          </p:cNvSpPr>
+          <p:nvPr>
+            <p:ph sz="half" idx="1"/>
+          </p:nvPr>
+        </p:nvSpPr>
         <p:spPr>
           <a:xfrm>
-            <a:off x="1484311" y="685800"/>
-            <a:ext cx="10018713" cy="1752599"/>
+            <a:off x="677334" y="2160589"/>
+            <a:ext cx="4184035" cy="3880772"/>
           </a:xfrm>
         </p:spPr>
         <p:txBody>
           <a:bodyPr/>
           <a:lstStyle/>
           <a:p>
-            <a:r>
-              <a:rPr lang="ru-RU" smtClean="0"/>
-              <a:t>Образец заголовка</a:t>
+            <a:pPr lvl="0"/>
+            <a:r>
+              <a:rPr lang="ru-RU" smtClean="0"/>
+              <a:t>Образец текста</a:t>
+            </a:r>
+          </a:p>
+          <a:p>
+            <a:pPr lvl="1"/>
+            <a:r>
+              <a:rPr lang="ru-RU" smtClean="0"/>
+              <a:t>Второй уровень</a:t>
+            </a:r>
+          </a:p>
+          <a:p>
+            <a:pPr lvl="2"/>
+            <a:r>
+              <a:rPr lang="ru-RU" smtClean="0"/>
+              <a:t>Третий уровень</a:t>
+            </a:r>
+          </a:p>
+          <a:p>
+            <a:pPr lvl="3"/>
+            <a:r>
+              <a:rPr lang="ru-RU" smtClean="0"/>
+              <a:t>Четвертый уровень</a:t>
+            </a:r>
+          </a:p>
+          <a:p>
+            <a:pPr lvl="4"/>
+            <a:r>
+              <a:rPr lang="ru-RU" smtClean="0"/>
+              <a:t>Пятый уровень</a:t>
             </a:r>
             <a:endParaRPr lang="en-US" dirty="0"/>
           </a:p>
@@ -3654,140 +3827,23 @@
       </p:sp>
       <p:sp>
         <p:nvSpPr>
-          <p:cNvPr id="3" name="Content Placeholder 2"/>
-          <p:cNvSpPr>
-            <a:spLocks noGrp="1"/>
-          </p:cNvSpPr>
-          <p:nvPr>
-            <p:ph sz="half" idx="1"/>
+          <p:cNvPr id="4" name="Content Placeholder 3"/>
+          <p:cNvSpPr>
+            <a:spLocks noGrp="1"/>
+          </p:cNvSpPr>
+          <p:nvPr>
+            <p:ph sz="half" idx="2"/>
           </p:nvPr>
         </p:nvSpPr>
         <p:spPr>
           <a:xfrm>
-            <a:off x="1484312" y="2666999"/>
-            <a:ext cx="4895055" cy="3124201"/>
+            <a:off x="5089970" y="2160589"/>
+            <a:ext cx="4184034" cy="3880773"/>
           </a:xfrm>
         </p:spPr>
         <p:txBody>
-          <a:bodyPr>
-            <a:normAutofit/>
-          </a:bodyPr>
-          <a:lstStyle>
-            <a:lvl1pPr>
-              <a:defRPr sz="1800"/>
-            </a:lvl1pPr>
-            <a:lvl2pPr>
-              <a:defRPr sz="1600"/>
-            </a:lvl2pPr>
-            <a:lvl3pPr>
-              <a:defRPr sz="1400"/>
-            </a:lvl3pPr>
-            <a:lvl4pPr>
-              <a:defRPr sz="1200"/>
-            </a:lvl4pPr>
-            <a:lvl5pPr>
-              <a:defRPr sz="1200"/>
-            </a:lvl5pPr>
-            <a:lvl6pPr>
-              <a:defRPr sz="1200"/>
-            </a:lvl6pPr>
-            <a:lvl7pPr>
-              <a:defRPr sz="1200"/>
-            </a:lvl7pPr>
-            <a:lvl8pPr>
-              <a:defRPr sz="1200"/>
-            </a:lvl8pPr>
-            <a:lvl9pPr>
-              <a:defRPr sz="1200"/>
-            </a:lvl9pPr>
-          </a:lstStyle>
-          <a:p>
-            <a:pPr lvl="0"/>
-            <a:r>
-              <a:rPr lang="ru-RU" smtClean="0"/>
-              <a:t>Образец текста</a:t>
-            </a:r>
-          </a:p>
-          <a:p>
-            <a:pPr lvl="1"/>
-            <a:r>
-              <a:rPr lang="ru-RU" smtClean="0"/>
-              <a:t>Второй уровень</a:t>
-            </a:r>
-          </a:p>
-          <a:p>
-            <a:pPr lvl="2"/>
-            <a:r>
-              <a:rPr lang="ru-RU" smtClean="0"/>
-              <a:t>Третий уровень</a:t>
-            </a:r>
-          </a:p>
-          <a:p>
-            <a:pPr lvl="3"/>
-            <a:r>
-              <a:rPr lang="ru-RU" smtClean="0"/>
-              <a:t>Четвертый уровень</a:t>
-            </a:r>
-          </a:p>
-          <a:p>
-            <a:pPr lvl="4"/>
-            <a:r>
-              <a:rPr lang="ru-RU" smtClean="0"/>
-              <a:t>Пятый уровень</a:t>
-            </a:r>
-            <a:endParaRPr lang="en-US" dirty="0"/>
-          </a:p>
-        </p:txBody>
-      </p:sp>
-      <p:sp>
-        <p:nvSpPr>
-          <p:cNvPr id="4" name="Content Placeholder 3"/>
-          <p:cNvSpPr>
-            <a:spLocks noGrp="1"/>
-          </p:cNvSpPr>
-          <p:nvPr>
-            <p:ph sz="half" idx="2"/>
-          </p:nvPr>
-        </p:nvSpPr>
-        <p:spPr>
-          <a:xfrm>
-            <a:off x="6607967" y="2667000"/>
-            <a:ext cx="4895056" cy="3124200"/>
-          </a:xfrm>
-        </p:spPr>
-        <p:txBody>
-          <a:bodyPr>
-            <a:normAutofit/>
-          </a:bodyPr>
-          <a:lstStyle>
-            <a:lvl1pPr>
-              <a:defRPr sz="1800"/>
-            </a:lvl1pPr>
-            <a:lvl2pPr>
-              <a:defRPr sz="1600"/>
-            </a:lvl2pPr>
-            <a:lvl3pPr>
-              <a:defRPr sz="1400"/>
-            </a:lvl3pPr>
-            <a:lvl4pPr>
-              <a:defRPr sz="1200"/>
-            </a:lvl4pPr>
-            <a:lvl5pPr>
-              <a:defRPr sz="1200"/>
-            </a:lvl5pPr>
-            <a:lvl6pPr>
-              <a:defRPr sz="1200"/>
-            </a:lvl6pPr>
-            <a:lvl7pPr>
-              <a:defRPr sz="1200"/>
-            </a:lvl7pPr>
-            <a:lvl8pPr>
-              <a:defRPr sz="1200"/>
-            </a:lvl8pPr>
-            <a:lvl9pPr>
-              <a:defRPr sz="1200"/>
-            </a:lvl9pPr>
-          </a:lstStyle>
+          <a:bodyPr/>
+          <a:lstStyle/>
           <a:p>
             <a:pPr lvl="0"/>
             <a:r>
@@ -3843,7 +3899,7 @@
           <a:p>
             <a:fld id="{A7A44A2C-D3DA-463E-847C-1BD2FBBDC97F}" type="datetimeFigureOut">
               <a:rPr lang="en-US" smtClean="0"/>
-              <a:t>4/20/2016</a:t>
+              <a:t>4/21/2016</a:t>
             </a:fld>
             <a:endParaRPr lang="en-US"/>
           </a:p>
@@ -3894,7 +3950,7 @@
     </p:spTree>
     <p:extLst>
       <p:ext uri="{BB962C8B-B14F-4D97-AF65-F5344CB8AC3E}">
-        <p14:creationId xmlns:p14="http://schemas.microsoft.com/office/powerpoint/2010/main" val="2809857182"/>
+        <p14:creationId xmlns:p14="http://schemas.microsoft.com/office/powerpoint/2010/main" val="2296597638"/>
       </p:ext>
     </p:extLst>
   </p:cSld>
@@ -3960,8 +4016,8 @@
         </p:nvSpPr>
         <p:spPr>
           <a:xfrm>
-            <a:off x="1772179" y="2658533"/>
-            <a:ext cx="4607188" cy="576262"/>
+            <a:off x="675745" y="2160983"/>
+            <a:ext cx="4185623" cy="576262"/>
           </a:xfrm>
         </p:spPr>
         <p:txBody>
@@ -3971,13 +4027,7 @@
           <a:lstStyle>
             <a:lvl1pPr marL="0" indent="0">
               <a:buNone/>
-              <a:defRPr sz="2800" b="0">
-                <a:solidFill>
-                  <a:schemeClr val="accent1">
-                    <a:lumMod val="75000"/>
-                  </a:schemeClr>
-                </a:solidFill>
-              </a:defRPr>
+              <a:defRPr sz="2400" b="0"/>
             </a:lvl1pPr>
             <a:lvl2pPr marL="457200" indent="0">
               <a:buNone/>
@@ -4033,43 +4083,15 @@
         </p:nvSpPr>
         <p:spPr>
           <a:xfrm>
-            <a:off x="1484311" y="3335337"/>
-            <a:ext cx="4895056" cy="2455862"/>
+            <a:off x="675745" y="2737245"/>
+            <a:ext cx="4185623" cy="3304117"/>
           </a:xfrm>
         </p:spPr>
         <p:txBody>
-          <a:bodyPr anchor="t">
+          <a:bodyPr>
             <a:normAutofit/>
           </a:bodyPr>
-          <a:lstStyle>
-            <a:lvl1pPr>
-              <a:defRPr sz="1800"/>
-            </a:lvl1pPr>
-            <a:lvl2pPr>
-              <a:defRPr sz="1600"/>
-            </a:lvl2pPr>
-            <a:lvl3pPr>
-              <a:defRPr sz="1400"/>
-            </a:lvl3pPr>
-            <a:lvl4pPr>
-              <a:defRPr sz="1200"/>
-            </a:lvl4pPr>
-            <a:lvl5pPr>
-              <a:defRPr sz="1200"/>
-            </a:lvl5pPr>
-            <a:lvl6pPr>
-              <a:defRPr sz="1200"/>
-            </a:lvl6pPr>
-            <a:lvl7pPr>
-              <a:defRPr sz="1200"/>
-            </a:lvl7pPr>
-            <a:lvl8pPr>
-              <a:defRPr sz="1200"/>
-            </a:lvl8pPr>
-            <a:lvl9pPr>
-              <a:defRPr sz="1200"/>
-            </a:lvl9pPr>
-          </a:lstStyle>
+          <a:lstStyle/>
           <a:p>
             <a:pPr lvl="0"/>
             <a:r>
@@ -4120,8 +4142,8 @@
         </p:nvSpPr>
         <p:spPr>
           <a:xfrm>
-            <a:off x="6880487" y="2667000"/>
-            <a:ext cx="4622537" cy="576262"/>
+            <a:off x="5088383" y="2160983"/>
+            <a:ext cx="4185618" cy="576262"/>
           </a:xfrm>
         </p:spPr>
         <p:txBody>
@@ -4131,13 +4153,7 @@
           <a:lstStyle>
             <a:lvl1pPr marL="0" indent="0">
               <a:buNone/>
-              <a:defRPr sz="2800" b="0">
-                <a:solidFill>
-                  <a:schemeClr val="accent1">
-                    <a:lumMod val="75000"/>
-                  </a:schemeClr>
-                </a:solidFill>
-              </a:defRPr>
+              <a:defRPr sz="2400" b="0"/>
             </a:lvl1pPr>
             <a:lvl2pPr marL="457200" indent="0">
               <a:buNone/>
@@ -4193,43 +4209,15 @@
         </p:nvSpPr>
         <p:spPr>
           <a:xfrm>
-            <a:off x="6607967" y="3335337"/>
-            <a:ext cx="4895056" cy="2455862"/>
+            <a:off x="5088384" y="2737245"/>
+            <a:ext cx="4185617" cy="3304117"/>
           </a:xfrm>
         </p:spPr>
         <p:txBody>
-          <a:bodyPr anchor="t">
+          <a:bodyPr>
             <a:normAutofit/>
           </a:bodyPr>
-          <a:lstStyle>
-            <a:lvl1pPr>
-              <a:defRPr sz="1800"/>
-            </a:lvl1pPr>
-            <a:lvl2pPr>
-              <a:defRPr sz="1600"/>
-            </a:lvl2pPr>
-            <a:lvl3pPr>
-              <a:defRPr sz="1400"/>
-            </a:lvl3pPr>
-            <a:lvl4pPr>
-              <a:defRPr sz="1200"/>
-            </a:lvl4pPr>
-            <a:lvl5pPr>
-              <a:defRPr sz="1200"/>
-            </a:lvl5pPr>
-            <a:lvl6pPr>
-              <a:defRPr sz="1200"/>
-            </a:lvl6pPr>
-            <a:lvl7pPr>
-              <a:defRPr sz="1200"/>
-            </a:lvl7pPr>
-            <a:lvl8pPr>
-              <a:defRPr sz="1200"/>
-            </a:lvl8pPr>
-            <a:lvl9pPr>
-              <a:defRPr sz="1200"/>
-            </a:lvl9pPr>
-          </a:lstStyle>
+          <a:lstStyle/>
           <a:p>
             <a:pPr lvl="0"/>
             <a:r>
@@ -4285,7 +4273,7 @@
           <a:p>
             <a:fld id="{A7A44A2C-D3DA-463E-847C-1BD2FBBDC97F}" type="datetimeFigureOut">
               <a:rPr lang="en-US" smtClean="0"/>
-              <a:t>4/20/2016</a:t>
+              <a:t>4/21/2016</a:t>
             </a:fld>
             <a:endParaRPr lang="en-US"/>
           </a:p>
@@ -4336,7 +4324,7 @@
     </p:spTree>
     <p:extLst>
       <p:ext uri="{BB962C8B-B14F-4D97-AF65-F5344CB8AC3E}">
-        <p14:creationId xmlns:p14="http://schemas.microsoft.com/office/powerpoint/2010/main" val="540524192"/>
+        <p14:creationId xmlns:p14="http://schemas.microsoft.com/office/powerpoint/2010/main" val="757958399"/>
       </p:ext>
     </p:extLst>
   </p:cSld>
@@ -4373,7 +4361,12 @@
             <p:ph type="title"/>
           </p:nvPr>
         </p:nvSpPr>
-        <p:spPr/>
+        <p:spPr>
+          <a:xfrm>
+            <a:off x="677334" y="609600"/>
+            <a:ext cx="8596668" cy="1320800"/>
+          </a:xfrm>
+        </p:spPr>
         <p:txBody>
           <a:bodyPr/>
           <a:lstStyle/>
@@ -4403,7 +4396,7 @@
           <a:p>
             <a:fld id="{A7A44A2C-D3DA-463E-847C-1BD2FBBDC97F}" type="datetimeFigureOut">
               <a:rPr lang="en-US" smtClean="0"/>
-              <a:t>4/20/2016</a:t>
+              <a:t>4/21/2016</a:t>
             </a:fld>
             <a:endParaRPr lang="en-US"/>
           </a:p>
@@ -4454,7 +4447,7 @@
     </p:spTree>
     <p:extLst>
       <p:ext uri="{BB962C8B-B14F-4D97-AF65-F5344CB8AC3E}">
-        <p14:creationId xmlns:p14="http://schemas.microsoft.com/office/powerpoint/2010/main" val="3876818740"/>
+        <p14:creationId xmlns:p14="http://schemas.microsoft.com/office/powerpoint/2010/main" val="3550233881"/>
       </p:ext>
     </p:extLst>
   </p:cSld>
@@ -4498,7 +4491,7 @@
           <a:p>
             <a:fld id="{A7A44A2C-D3DA-463E-847C-1BD2FBBDC97F}" type="datetimeFigureOut">
               <a:rPr lang="en-US" smtClean="0"/>
-              <a:t>4/20/2016</a:t>
+              <a:t>4/21/2016</a:t>
             </a:fld>
             <a:endParaRPr lang="en-US"/>
           </a:p>
@@ -4549,7 +4542,7 @@
     </p:spTree>
     <p:extLst>
       <p:ext uri="{BB962C8B-B14F-4D97-AF65-F5344CB8AC3E}">
-        <p14:creationId xmlns:p14="http://schemas.microsoft.com/office/powerpoint/2010/main" val="1736768967"/>
+        <p14:creationId xmlns:p14="http://schemas.microsoft.com/office/powerpoint/2010/main" val="895822650"/>
       </p:ext>
     </p:extLst>
   </p:cSld>
@@ -4588,110 +4581,23 @@
         </p:nvSpPr>
         <p:spPr>
           <a:xfrm>
-            <a:off x="1484312" y="1600200"/>
-            <a:ext cx="3549121" cy="1371600"/>
+            <a:off x="677334" y="1498604"/>
+            <a:ext cx="3854528" cy="1278466"/>
           </a:xfrm>
         </p:spPr>
         <p:txBody>
           <a:bodyPr anchor="b">
-            <a:normAutofit/>
-          </a:bodyPr>
-          <a:lstStyle>
-            <a:lvl1pPr algn="ctr">
-              <a:defRPr sz="2400" b="0"/>
-            </a:lvl1pPr>
-          </a:lstStyle>
-          <a:p>
-            <a:r>
-              <a:rPr lang="ru-RU" smtClean="0"/>
-              <a:t>Образец заголовка</a:t>
-            </a:r>
-            <a:endParaRPr lang="en-US" dirty="0"/>
-          </a:p>
-        </p:txBody>
-      </p:sp>
-      <p:sp>
-        <p:nvSpPr>
-          <p:cNvPr id="3" name="Content Placeholder 2"/>
-          <p:cNvSpPr>
-            <a:spLocks noGrp="1"/>
-          </p:cNvSpPr>
-          <p:nvPr>
-            <p:ph idx="1"/>
-          </p:nvPr>
-        </p:nvSpPr>
-        <p:spPr>
-          <a:xfrm>
-            <a:off x="5262033" y="685799"/>
-            <a:ext cx="6240990" cy="5105401"/>
-          </a:xfrm>
-        </p:spPr>
-        <p:txBody>
-          <a:bodyPr anchor="ctr">
             <a:normAutofit/>
           </a:bodyPr>
           <a:lstStyle>
             <a:lvl1pPr>
               <a:defRPr sz="2000"/>
             </a:lvl1pPr>
-            <a:lvl2pPr>
-              <a:defRPr sz="1800"/>
-            </a:lvl2pPr>
-            <a:lvl3pPr>
-              <a:defRPr sz="1600"/>
-            </a:lvl3pPr>
-            <a:lvl4pPr>
-              <a:defRPr sz="1400"/>
-            </a:lvl4pPr>
-            <a:lvl5pPr>
-              <a:defRPr sz="1400"/>
-            </a:lvl5pPr>
-            <a:lvl6pPr>
-              <a:defRPr sz="1400"/>
-            </a:lvl6pPr>
-            <a:lvl7pPr>
-              <a:defRPr sz="1400"/>
-            </a:lvl7pPr>
-            <a:lvl8pPr>
-              <a:defRPr sz="1400"/>
-            </a:lvl8pPr>
-            <a:lvl9pPr>
-              <a:defRPr sz="1400"/>
-            </a:lvl9pPr>
           </a:lstStyle>
           <a:p>
-            <a:pPr lvl="0"/>
-            <a:r>
-              <a:rPr lang="ru-RU" smtClean="0"/>
-              <a:t>Образец текста</a:t>
-            </a:r>
-          </a:p>
-          <a:p>
-            <a:pPr lvl="1"/>
-            <a:r>
-              <a:rPr lang="ru-RU" smtClean="0"/>
-              <a:t>Второй уровень</a:t>
-            </a:r>
-          </a:p>
-          <a:p>
-            <a:pPr lvl="2"/>
-            <a:r>
-              <a:rPr lang="ru-RU" smtClean="0"/>
-              <a:t>Третий уровень</a:t>
-            </a:r>
-          </a:p>
-          <a:p>
-            <a:pPr lvl="3"/>
-            <a:r>
-              <a:rPr lang="ru-RU" smtClean="0"/>
-              <a:t>Четвертый уровень</a:t>
-            </a:r>
-          </a:p>
-          <a:p>
-            <a:pPr lvl="4"/>
-            <a:r>
-              <a:rPr lang="ru-RU" smtClean="0"/>
-              <a:t>Пятый уровень</a:t>
+            <a:r>
+              <a:rPr lang="ru-RU" smtClean="0"/>
+              <a:t>Образец заголовка</a:t>
             </a:r>
             <a:endParaRPr lang="en-US" dirty="0"/>
           </a:p>
@@ -4699,18 +4605,77 @@
       </p:sp>
       <p:sp>
         <p:nvSpPr>
-          <p:cNvPr id="4" name="Text Placeholder 3"/>
-          <p:cNvSpPr>
-            <a:spLocks noGrp="1"/>
-          </p:cNvSpPr>
-          <p:nvPr>
-            <p:ph type="body" sz="half" idx="2"/>
+          <p:cNvPr id="3" name="Content Placeholder 2"/>
+          <p:cNvSpPr>
+            <a:spLocks noGrp="1"/>
+          </p:cNvSpPr>
+          <p:nvPr>
+            <p:ph idx="1"/>
           </p:nvPr>
         </p:nvSpPr>
         <p:spPr>
           <a:xfrm>
-            <a:off x="1484312" y="2971800"/>
-            <a:ext cx="3549121" cy="1828800"/>
+            <a:off x="4760461" y="514924"/>
+            <a:ext cx="4513541" cy="5526437"/>
+          </a:xfrm>
+        </p:spPr>
+        <p:txBody>
+          <a:bodyPr>
+            <a:normAutofit/>
+          </a:bodyPr>
+          <a:lstStyle/>
+          <a:p>
+            <a:pPr lvl="0"/>
+            <a:r>
+              <a:rPr lang="ru-RU" smtClean="0"/>
+              <a:t>Образец текста</a:t>
+            </a:r>
+          </a:p>
+          <a:p>
+            <a:pPr lvl="1"/>
+            <a:r>
+              <a:rPr lang="ru-RU" smtClean="0"/>
+              <a:t>Второй уровень</a:t>
+            </a:r>
+          </a:p>
+          <a:p>
+            <a:pPr lvl="2"/>
+            <a:r>
+              <a:rPr lang="ru-RU" smtClean="0"/>
+              <a:t>Третий уровень</a:t>
+            </a:r>
+          </a:p>
+          <a:p>
+            <a:pPr lvl="3"/>
+            <a:r>
+              <a:rPr lang="ru-RU" smtClean="0"/>
+              <a:t>Четвертый уровень</a:t>
+            </a:r>
+          </a:p>
+          <a:p>
+            <a:pPr lvl="4"/>
+            <a:r>
+              <a:rPr lang="ru-RU" smtClean="0"/>
+              <a:t>Пятый уровень</a:t>
+            </a:r>
+            <a:endParaRPr lang="en-US" dirty="0"/>
+          </a:p>
+        </p:txBody>
+      </p:sp>
+      <p:sp>
+        <p:nvSpPr>
+          <p:cNvPr id="4" name="Text Placeholder 3"/>
+          <p:cNvSpPr>
+            <a:spLocks noGrp="1"/>
+          </p:cNvSpPr>
+          <p:nvPr>
+            <p:ph type="body" sz="half" idx="2"/>
+          </p:nvPr>
+        </p:nvSpPr>
+        <p:spPr>
+          <a:xfrm>
+            <a:off x="677334" y="2777069"/>
+            <a:ext cx="3854528" cy="2584449"/>
           </a:xfrm>
         </p:spPr>
         <p:txBody>
@@ -4718,41 +4683,41 @@
             <a:normAutofit/>
           </a:bodyPr>
           <a:lstStyle>
-            <a:lvl1pPr marL="0" indent="0" algn="ctr">
-              <a:buNone/>
-              <a:defRPr sz="1600"/>
+            <a:lvl1pPr marL="0" indent="0">
+              <a:buNone/>
+              <a:defRPr sz="1400"/>
             </a:lvl1pPr>
-            <a:lvl2pPr marL="457200" indent="0">
+            <a:lvl2pPr marL="457063" indent="0">
+              <a:buNone/>
+              <a:defRPr sz="1400"/>
+            </a:lvl2pPr>
+            <a:lvl3pPr marL="914126" indent="0">
               <a:buNone/>
               <a:defRPr sz="1200"/>
-            </a:lvl2pPr>
-            <a:lvl3pPr marL="914400" indent="0">
+            </a:lvl3pPr>
+            <a:lvl4pPr marL="1371189" indent="0">
               <a:buNone/>
               <a:defRPr sz="1000"/>
-            </a:lvl3pPr>
-            <a:lvl4pPr marL="1371600" indent="0">
-              <a:buNone/>
-              <a:defRPr sz="900"/>
             </a:lvl4pPr>
-            <a:lvl5pPr marL="1828800" indent="0">
-              <a:buNone/>
-              <a:defRPr sz="900"/>
+            <a:lvl5pPr marL="1828251" indent="0">
+              <a:buNone/>
+              <a:defRPr sz="1000"/>
             </a:lvl5pPr>
-            <a:lvl6pPr marL="2286000" indent="0">
-              <a:buNone/>
-              <a:defRPr sz="900"/>
+            <a:lvl6pPr marL="2285314" indent="0">
+              <a:buNone/>
+              <a:defRPr sz="1000"/>
             </a:lvl6pPr>
-            <a:lvl7pPr marL="2743200" indent="0">
-              <a:buNone/>
-              <a:defRPr sz="900"/>
+            <a:lvl7pPr marL="2742377" indent="0">
+              <a:buNone/>
+              <a:defRPr sz="1000"/>
             </a:lvl7pPr>
-            <a:lvl8pPr marL="3200400" indent="0">
-              <a:buNone/>
-              <a:defRPr sz="900"/>
+            <a:lvl8pPr marL="3199440" indent="0">
+              <a:buNone/>
+              <a:defRPr sz="1000"/>
             </a:lvl8pPr>
-            <a:lvl9pPr marL="3657600" indent="0">
-              <a:buNone/>
-              <a:defRPr sz="900"/>
+            <a:lvl9pPr marL="3656503" indent="0">
+              <a:buNone/>
+              <a:defRPr sz="1000"/>
             </a:lvl9pPr>
           </a:lstStyle>
           <a:p>
@@ -4781,7 +4746,7 @@
           <a:p>
             <a:fld id="{A7A44A2C-D3DA-463E-847C-1BD2FBBDC97F}" type="datetimeFigureOut">
               <a:rPr lang="en-US" smtClean="0"/>
-              <a:t>4/20/2016</a:t>
+              <a:t>4/21/2016</a:t>
             </a:fld>
             <a:endParaRPr lang="en-US"/>
           </a:p>
@@ -4832,7 +4797,7 @@
     </p:spTree>
     <p:extLst>
       <p:ext uri="{BB962C8B-B14F-4D97-AF65-F5344CB8AC3E}">
-        <p14:creationId xmlns:p14="http://schemas.microsoft.com/office/powerpoint/2010/main" val="1203123821"/>
+        <p14:creationId xmlns:p14="http://schemas.microsoft.com/office/powerpoint/2010/main" val="3500484052"/>
       </p:ext>
     </p:extLst>
   </p:cSld>
@@ -4871,8 +4836,8 @@
         </p:nvSpPr>
         <p:spPr>
           <a:xfrm>
-            <a:off x="1482724" y="1752599"/>
-            <a:ext cx="5426158" cy="1371600"/>
+            <a:off x="677334" y="4800600"/>
+            <a:ext cx="8596667" cy="566738"/>
           </a:xfrm>
         </p:spPr>
         <p:txBody>
@@ -4880,8 +4845,8 @@
             <a:normAutofit/>
           </a:bodyPr>
           <a:lstStyle>
-            <a:lvl1pPr algn="ctr">
-              <a:defRPr sz="2800" b="0"/>
+            <a:lvl1pPr algn="l">
+              <a:defRPr sz="2400" b="0"/>
             </a:lvl1pPr>
           </a:lstStyle>
           <a:p>
@@ -4895,7 +4860,7 @@
       </p:sp>
       <p:sp>
         <p:nvSpPr>
-          <p:cNvPr id="14" name="Picture Placeholder 2"/>
+          <p:cNvPr id="3" name="Picture Placeholder 2"/>
           <p:cNvSpPr>
             <a:spLocks noGrp="1" noChangeAspect="1"/>
           </p:cNvSpPr>
@@ -4905,37 +4870,9 @@
         </p:nvSpPr>
         <p:spPr>
           <a:xfrm>
-            <a:off x="7594682" y="914400"/>
-            <a:ext cx="3280974" cy="4572000"/>
+            <a:off x="677334" y="609600"/>
+            <a:ext cx="8596668" cy="3845718"/>
           </a:xfrm>
-          <a:prstGeom prst="roundRect">
-            <a:avLst>
-              <a:gd name="adj" fmla="val 4280"/>
-            </a:avLst>
-          </a:prstGeom>
-          <a:ln w="38100">
-            <a:gradFill flip="none" rotWithShape="1">
-              <a:gsLst>
-                <a:gs pos="0">
-                  <a:schemeClr val="bg2"/>
-                </a:gs>
-                <a:gs pos="100000">
-                  <a:schemeClr val="bg2">
-                    <a:lumMod val="75000"/>
-                  </a:schemeClr>
-                </a:gs>
-              </a:gsLst>
-              <a:lin ang="5400000" scaled="0"/>
-              <a:tileRect/>
-            </a:gradFill>
-          </a:ln>
-          <a:effectLst>
-            <a:innerShdw blurRad="57150" dist="38100" dir="14460000">
-              <a:srgbClr val="000000">
-                <a:alpha val="70000"/>
-              </a:srgbClr>
-            </a:innerShdw>
-          </a:effectLst>
         </p:spPr>
         <p:txBody>
           <a:bodyPr anchor="t">
@@ -5000,8 +4937,8 @@
         </p:nvSpPr>
         <p:spPr>
           <a:xfrm>
-            <a:off x="1482724" y="3124199"/>
-            <a:ext cx="5426158" cy="1828800"/>
+            <a:off x="677334" y="5367338"/>
+            <a:ext cx="8596667" cy="674024"/>
           </a:xfrm>
         </p:spPr>
         <p:txBody>
@@ -5009,9 +4946,9 @@
             <a:normAutofit/>
           </a:bodyPr>
           <a:lstStyle>
-            <a:lvl1pPr marL="0" indent="0" algn="ctr">
-              <a:buNone/>
-              <a:defRPr sz="1800"/>
+            <a:lvl1pPr marL="0" indent="0">
+              <a:buNone/>
+              <a:defRPr sz="1200"/>
             </a:lvl1pPr>
             <a:lvl2pPr marL="457200" indent="0">
               <a:buNone/>
@@ -5052,29 +4989,6 @@
               <a:rPr lang="ru-RU" smtClean="0"/>
               <a:t>Образец текста</a:t>
             </a:r>
-          </a:p>
-        </p:txBody>
-      </p:sp>
-      <p:sp>
-        <p:nvSpPr>
-          <p:cNvPr id="5" name="Date Placeholder 4"/>
-          <p:cNvSpPr>
-            <a:spLocks noGrp="1"/>
-          </p:cNvSpPr>
-          <p:nvPr>
-            <p:ph type="dt" sz="half" idx="10"/>
-          </p:nvPr>
-        </p:nvSpPr>
-        <p:spPr/>
-        <p:txBody>
-          <a:bodyPr/>
-          <a:lstStyle/>
-          <a:p>
-            <a:fld id="{A7A44A2C-D3DA-463E-847C-1BD2FBBDC97F}" type="datetimeFigureOut">
-              <a:rPr lang="en-US" smtClean="0"/>
-              <a:t>4/20/2016</a:t>
-            </a:fld>
-            <a:endParaRPr lang="en-US"/>
           </a:p>
         </p:txBody>
       </p:sp>
@@ -5120,10 +5034,33 @@
           </a:p>
         </p:txBody>
       </p:sp>
+      <p:sp>
+        <p:nvSpPr>
+          <p:cNvPr id="5" name="Date Placeholder 4"/>
+          <p:cNvSpPr>
+            <a:spLocks noGrp="1"/>
+          </p:cNvSpPr>
+          <p:nvPr>
+            <p:ph type="dt" sz="half" idx="10"/>
+          </p:nvPr>
+        </p:nvSpPr>
+        <p:spPr/>
+        <p:txBody>
+          <a:bodyPr/>
+          <a:lstStyle/>
+          <a:p>
+            <a:fld id="{A7A44A2C-D3DA-463E-847C-1BD2FBBDC97F}" type="datetimeFigureOut">
+              <a:rPr lang="en-US" smtClean="0"/>
+              <a:t>4/21/2016</a:t>
+            </a:fld>
+            <a:endParaRPr lang="en-US"/>
+          </a:p>
+        </p:txBody>
+      </p:sp>
     </p:spTree>
     <p:extLst>
       <p:ext uri="{BB962C8B-B14F-4D97-AF65-F5344CB8AC3E}">
-        <p14:creationId xmlns:p14="http://schemas.microsoft.com/office/powerpoint/2010/main" val="2011825918"/>
+        <p14:creationId xmlns:p14="http://schemas.microsoft.com/office/powerpoint/2010/main" val="1898652415"/>
       </p:ext>
     </p:extLst>
   </p:cSld>
@@ -5137,8 +5074,8 @@
 <p:sldMaster xmlns:a="http://schemas.openxmlformats.org/drawingml/2006/main" xmlns:r="http://schemas.openxmlformats.org/officeDocument/2006/relationships" xmlns:p="http://schemas.openxmlformats.org/presentationml/2006/main">
   <p:cSld>
     <p:bg>
-      <p:bgRef idx="1003">
-        <a:schemeClr val="bg2"/>
+      <p:bgRef idx="1001">
+        <a:schemeClr val="bg1"/>
       </p:bgRef>
     </p:bg>
     <p:spTree>
@@ -5157,186 +5094,185 @@
       </p:grpSpPr>
       <p:grpSp>
         <p:nvGrpSpPr>
-          <p:cNvPr id="7" name="Group 6"/>
+          <p:cNvPr id="44" name="Group 43"/>
           <p:cNvGrpSpPr/>
           <p:nvPr/>
         </p:nvGrpSpPr>
         <p:grpSpPr>
           <a:xfrm>
-            <a:off x="150812" y="0"/>
-            <a:ext cx="2436813" cy="6858001"/>
-            <a:chOff x="1320800" y="0"/>
-            <a:chExt cx="2436813" cy="6858001"/>
+            <a:off x="0" y="-8467"/>
+            <a:ext cx="12192000" cy="6866467"/>
+            <a:chOff x="0" y="-8467"/>
+            <a:chExt cx="12192000" cy="6866467"/>
           </a:xfrm>
         </p:grpSpPr>
+        <p:cxnSp>
+          <p:nvCxnSpPr>
+            <p:cNvPr id="20" name="Straight Connector 19"/>
+            <p:cNvCxnSpPr/>
+            <p:nvPr/>
+          </p:nvCxnSpPr>
+          <p:spPr>
+            <a:xfrm>
+              <a:off x="9371012" y="0"/>
+              <a:ext cx="1219200" cy="6858000"/>
+            </a:xfrm>
+            <a:prstGeom prst="line">
+              <a:avLst/>
+            </a:prstGeom>
+            <a:ln w="9525">
+              <a:solidFill>
+                <a:schemeClr val="accent1">
+                  <a:alpha val="70000"/>
+                </a:schemeClr>
+              </a:solidFill>
+            </a:ln>
+          </p:spPr>
+          <p:style>
+            <a:lnRef idx="2">
+              <a:schemeClr val="accent1"/>
+            </a:lnRef>
+            <a:fillRef idx="0">
+              <a:schemeClr val="accent1"/>
+            </a:fillRef>
+            <a:effectRef idx="1">
+              <a:schemeClr val="accent1"/>
+            </a:effectRef>
+            <a:fontRef idx="minor">
+              <a:schemeClr val="tx1"/>
+            </a:fontRef>
+          </p:style>
+        </p:cxnSp>
+        <p:cxnSp>
+          <p:nvCxnSpPr>
+            <p:cNvPr id="21" name="Straight Connector 20"/>
+            <p:cNvCxnSpPr/>
+            <p:nvPr/>
+          </p:nvCxnSpPr>
+          <p:spPr>
+            <a:xfrm flipH="1">
+              <a:off x="7425267" y="3681413"/>
+              <a:ext cx="4763558" cy="3176587"/>
+            </a:xfrm>
+            <a:prstGeom prst="line">
+              <a:avLst/>
+            </a:prstGeom>
+            <a:ln w="9525">
+              <a:solidFill>
+                <a:schemeClr val="accent1">
+                  <a:alpha val="70000"/>
+                </a:schemeClr>
+              </a:solidFill>
+            </a:ln>
+          </p:spPr>
+          <p:style>
+            <a:lnRef idx="2">
+              <a:schemeClr val="accent1"/>
+            </a:lnRef>
+            <a:fillRef idx="0">
+              <a:schemeClr val="accent1"/>
+            </a:fillRef>
+            <a:effectRef idx="1">
+              <a:schemeClr val="accent1"/>
+            </a:effectRef>
+            <a:fontRef idx="minor">
+              <a:schemeClr val="tx1"/>
+            </a:fontRef>
+          </p:style>
+        </p:cxnSp>
         <p:sp>
           <p:nvSpPr>
-            <p:cNvPr id="8" name="Freeform 6"/>
+            <p:cNvPr id="22" name="Rectangle 23"/>
             <p:cNvSpPr/>
             <p:nvPr/>
           </p:nvSpPr>
-          <p:spPr bwMode="auto">
+          <p:spPr>
             <a:xfrm>
-              <a:off x="1627188" y="0"/>
-              <a:ext cx="1122363" cy="5329238"/>
+              <a:off x="9181476" y="-8467"/>
+              <a:ext cx="3007349" cy="6866467"/>
             </a:xfrm>
             <a:custGeom>
               <a:avLst/>
               <a:gdLst/>
               <a:ahLst/>
               <a:cxnLst/>
-              <a:rect l="0" t="0" r="r" b="b"/>
+              <a:rect l="l" t="t" r="r" b="b"/>
               <a:pathLst>
-                <a:path w="707" h="3357">
+                <a:path w="3007349" h="6866467">
                   <a:moveTo>
-                    <a:pt x="0" y="3330"/>
+                    <a:pt x="2045532" y="0"/>
                   </a:moveTo>
                   <a:lnTo>
-                    <a:pt x="156" y="3357"/>
+                    <a:pt x="3007349" y="0"/>
                   </a:lnTo>
                   <a:lnTo>
-                    <a:pt x="707" y="0"/>
+                    <a:pt x="3007349" y="6866467"/>
                   </a:lnTo>
                   <a:lnTo>
-                    <a:pt x="547" y="0"/>
+                    <a:pt x="0" y="6866467"/>
                   </a:lnTo>
                   <a:lnTo>
-                    <a:pt x="0" y="3330"/>
+                    <a:pt x="2045532" y="0"/>
                   </a:lnTo>
                   <a:close/>
                 </a:path>
               </a:pathLst>
             </a:custGeom>
             <a:solidFill>
-              <a:schemeClr val="accent1"/>
+              <a:schemeClr val="accent1">
+                <a:alpha val="36000"/>
+              </a:schemeClr>
             </a:solidFill>
             <a:ln>
               <a:noFill/>
             </a:ln>
+            <a:effectLst/>
           </p:spPr>
+          <p:style>
+            <a:lnRef idx="1">
+              <a:schemeClr val="accent1"/>
+            </a:lnRef>
+            <a:fillRef idx="3">
+              <a:schemeClr val="accent1"/>
+            </a:fillRef>
+            <a:effectRef idx="2">
+              <a:schemeClr val="accent1"/>
+            </a:effectRef>
+            <a:fontRef idx="minor">
+              <a:schemeClr val="lt1"/>
+            </a:fontRef>
+          </p:style>
         </p:sp>
         <p:sp>
           <p:nvSpPr>
-            <p:cNvPr id="9" name="Freeform 7"/>
+            <p:cNvPr id="23" name="Rectangle 25"/>
             <p:cNvSpPr/>
             <p:nvPr/>
           </p:nvSpPr>
-          <p:spPr bwMode="auto">
+          <p:spPr>
             <a:xfrm>
-              <a:off x="1320800" y="0"/>
-              <a:ext cx="1117600" cy="5276850"/>
+              <a:off x="9603442" y="-8467"/>
+              <a:ext cx="2588558" cy="6866467"/>
             </a:xfrm>
             <a:custGeom>
               <a:avLst/>
               <a:gdLst/>
               <a:ahLst/>
               <a:cxnLst/>
-              <a:rect l="0" t="0" r="r" b="b"/>
+              <a:rect l="l" t="t" r="r" b="b"/>
               <a:pathLst>
-                <a:path w="704" h="3324">
-                  <a:moveTo>
-                    <a:pt x="704" y="0"/>
-                  </a:moveTo>
-                  <a:lnTo>
-                    <a:pt x="545" y="0"/>
-                  </a:lnTo>
-                  <a:lnTo>
-                    <a:pt x="0" y="3300"/>
-                  </a:lnTo>
-                  <a:lnTo>
-                    <a:pt x="157" y="3324"/>
-                  </a:lnTo>
-                  <a:lnTo>
-                    <a:pt x="704" y="0"/>
-                  </a:lnTo>
-                  <a:close/>
-                </a:path>
-              </a:pathLst>
-            </a:custGeom>
-            <a:solidFill>
-              <a:schemeClr val="tx1">
-                <a:lumMod val="65000"/>
-                <a:lumOff val="35000"/>
-              </a:schemeClr>
-            </a:solidFill>
-            <a:ln>
-              <a:noFill/>
-            </a:ln>
-          </p:spPr>
-        </p:sp>
-        <p:sp>
-          <p:nvSpPr>
-            <p:cNvPr id="10" name="Freeform 8"/>
-            <p:cNvSpPr/>
-            <p:nvPr/>
-          </p:nvSpPr>
-          <p:spPr bwMode="auto">
-            <a:xfrm>
-              <a:off x="1320800" y="5238750"/>
-              <a:ext cx="1228725" cy="1619250"/>
-            </a:xfrm>
-            <a:custGeom>
-              <a:avLst/>
-              <a:gdLst/>
-              <a:ahLst/>
-              <a:cxnLst/>
-              <a:rect l="0" t="0" r="r" b="b"/>
-              <a:pathLst>
-                <a:path w="774" h="1020">
+                <a:path w="2573311" h="6866467">
                   <a:moveTo>
                     <a:pt x="0" y="0"/>
                   </a:moveTo>
                   <a:lnTo>
-                    <a:pt x="740" y="1020"/>
+                    <a:pt x="2573311" y="0"/>
                   </a:lnTo>
                   <a:lnTo>
-                    <a:pt x="774" y="1020"/>
+                    <a:pt x="2573311" y="6866467"/>
                   </a:lnTo>
                   <a:lnTo>
-                    <a:pt x="0" y="0"/>
-                  </a:lnTo>
-                  <a:close/>
-                </a:path>
-              </a:pathLst>
-            </a:custGeom>
-            <a:solidFill>
-              <a:schemeClr val="tx1">
-                <a:lumMod val="85000"/>
-                <a:lumOff val="15000"/>
-              </a:schemeClr>
-            </a:solidFill>
-            <a:ln>
-              <a:noFill/>
-            </a:ln>
-          </p:spPr>
-        </p:sp>
-        <p:sp>
-          <p:nvSpPr>
-            <p:cNvPr id="11" name="Freeform 9"/>
-            <p:cNvSpPr/>
-            <p:nvPr/>
-          </p:nvSpPr>
-          <p:spPr bwMode="auto">
-            <a:xfrm>
-              <a:off x="1627188" y="5291138"/>
-              <a:ext cx="1495425" cy="1566863"/>
-            </a:xfrm>
-            <a:custGeom>
-              <a:avLst/>
-              <a:gdLst/>
-              <a:ahLst/>
-              <a:cxnLst/>
-              <a:rect l="0" t="0" r="r" b="b"/>
-              <a:pathLst>
-                <a:path w="942" h="987">
-                  <a:moveTo>
-                    <a:pt x="0" y="0"/>
-                  </a:moveTo>
-                  <a:lnTo>
-                    <a:pt x="909" y="987"/>
-                  </a:lnTo>
-                  <a:lnTo>
-                    <a:pt x="942" y="987"/>
+                    <a:pt x="1202336" y="6866467"/>
                   </a:lnTo>
                   <a:lnTo>
                     <a:pt x="0" y="0"/>
@@ -5347,50 +5283,104 @@
             </a:custGeom>
             <a:solidFill>
               <a:schemeClr val="accent1">
-                <a:lumMod val="50000"/>
+                <a:alpha val="20000"/>
               </a:schemeClr>
             </a:solidFill>
             <a:ln>
               <a:noFill/>
             </a:ln>
+            <a:effectLst/>
           </p:spPr>
+          <p:style>
+            <a:lnRef idx="1">
+              <a:schemeClr val="accent1"/>
+            </a:lnRef>
+            <a:fillRef idx="3">
+              <a:schemeClr val="accent1"/>
+            </a:fillRef>
+            <a:effectRef idx="2">
+              <a:schemeClr val="accent1"/>
+            </a:effectRef>
+            <a:fontRef idx="minor">
+              <a:schemeClr val="lt1"/>
+            </a:fontRef>
+          </p:style>
         </p:sp>
         <p:sp>
           <p:nvSpPr>
-            <p:cNvPr id="12" name="Freeform 10"/>
+            <p:cNvPr id="24" name="Isosceles Triangle 23"/>
             <p:cNvSpPr/>
             <p:nvPr/>
           </p:nvSpPr>
-          <p:spPr bwMode="auto">
+          <p:spPr>
             <a:xfrm>
-              <a:off x="1627188" y="5286375"/>
-              <a:ext cx="2130425" cy="1571625"/>
+              <a:off x="8932333" y="3048000"/>
+              <a:ext cx="3259667" cy="3810000"/>
+            </a:xfrm>
+            <a:prstGeom prst="triangle">
+              <a:avLst>
+                <a:gd name="adj" fmla="val 100000"/>
+              </a:avLst>
+            </a:prstGeom>
+            <a:solidFill>
+              <a:schemeClr val="accent1">
+                <a:lumMod val="75000"/>
+                <a:alpha val="66000"/>
+              </a:schemeClr>
+            </a:solidFill>
+            <a:ln>
+              <a:noFill/>
+            </a:ln>
+            <a:effectLst/>
+          </p:spPr>
+          <p:style>
+            <a:lnRef idx="1">
+              <a:schemeClr val="accent1"/>
+            </a:lnRef>
+            <a:fillRef idx="3">
+              <a:schemeClr val="accent1"/>
+            </a:fillRef>
+            <a:effectRef idx="2">
+              <a:schemeClr val="accent1"/>
+            </a:effectRef>
+            <a:fontRef idx="minor">
+              <a:schemeClr val="lt1"/>
+            </a:fontRef>
+          </p:style>
+        </p:sp>
+        <p:sp>
+          <p:nvSpPr>
+            <p:cNvPr id="25" name="Rectangle 27"/>
+            <p:cNvSpPr/>
+            <p:nvPr/>
+          </p:nvSpPr>
+          <p:spPr>
+            <a:xfrm>
+              <a:off x="9334500" y="-8467"/>
+              <a:ext cx="2854326" cy="6866467"/>
             </a:xfrm>
             <a:custGeom>
               <a:avLst/>
               <a:gdLst/>
               <a:ahLst/>
               <a:cxnLst/>
-              <a:rect l="0" t="0" r="r" b="b"/>
+              <a:rect l="l" t="t" r="r" b="b"/>
               <a:pathLst>
-                <a:path w="1342" h="990">
+                <a:path w="2858013" h="6866467">
                   <a:moveTo>
-                    <a:pt x="0" y="3"/>
+                    <a:pt x="0" y="0"/>
                   </a:moveTo>
                   <a:lnTo>
-                    <a:pt x="942" y="990"/>
+                    <a:pt x="2858013" y="0"/>
                   </a:lnTo>
                   <a:lnTo>
-                    <a:pt x="1342" y="990"/>
+                    <a:pt x="2858013" y="6866467"/>
                   </a:lnTo>
                   <a:lnTo>
-                    <a:pt x="156" y="27"/>
+                    <a:pt x="2473942" y="6866467"/>
                   </a:lnTo>
                   <a:lnTo>
                     <a:pt x="0" y="0"/>
-                  </a:lnTo>
-                  <a:lnTo>
-                    <a:pt x="0" y="3"/>
                   </a:lnTo>
                   <a:close/>
                 </a:path>
@@ -5399,76 +5389,238 @@
             <a:solidFill>
               <a:schemeClr val="accent1">
                 <a:lumMod val="75000"/>
+                <a:alpha val="50000"/>
               </a:schemeClr>
             </a:solidFill>
             <a:ln>
               <a:noFill/>
             </a:ln>
+            <a:effectLst/>
           </p:spPr>
+          <p:style>
+            <a:lnRef idx="1">
+              <a:schemeClr val="accent1"/>
+            </a:lnRef>
+            <a:fillRef idx="3">
+              <a:schemeClr val="accent1"/>
+            </a:fillRef>
+            <a:effectRef idx="2">
+              <a:schemeClr val="accent1"/>
+            </a:effectRef>
+            <a:fontRef idx="minor">
+              <a:schemeClr val="lt1"/>
+            </a:fontRef>
+          </p:style>
         </p:sp>
         <p:sp>
           <p:nvSpPr>
-            <p:cNvPr id="13" name="Freeform 11"/>
+            <p:cNvPr id="26" name="Rectangle 28"/>
             <p:cNvSpPr/>
             <p:nvPr/>
           </p:nvSpPr>
-          <p:spPr bwMode="auto">
+          <p:spPr>
             <a:xfrm>
-              <a:off x="1320800" y="5238750"/>
-              <a:ext cx="1695450" cy="1619250"/>
+              <a:off x="10898730" y="-8467"/>
+              <a:ext cx="1290094" cy="6866467"/>
             </a:xfrm>
             <a:custGeom>
               <a:avLst/>
               <a:gdLst/>
               <a:ahLst/>
               <a:cxnLst/>
-              <a:rect l="0" t="0" r="r" b="b"/>
+              <a:rect l="l" t="t" r="r" b="b"/>
               <a:pathLst>
-                <a:path w="1068" h="1020">
+                <a:path w="1290094" h="6858000">
                   <a:moveTo>
-                    <a:pt x="1068" y="1020"/>
+                    <a:pt x="1019735" y="0"/>
                   </a:moveTo>
                   <a:lnTo>
-                    <a:pt x="184" y="60"/>
+                    <a:pt x="1290094" y="0"/>
                   </a:lnTo>
                   <a:lnTo>
-                    <a:pt x="154" y="27"/>
+                    <a:pt x="1290094" y="6858000"/>
                   </a:lnTo>
                   <a:lnTo>
-                    <a:pt x="157" y="27"/>
+                    <a:pt x="0" y="6858000"/>
                   </a:lnTo>
                   <a:lnTo>
-                    <a:pt x="157" y="24"/>
-                  </a:lnTo>
-                  <a:lnTo>
-                    <a:pt x="154" y="24"/>
-                  </a:lnTo>
-                  <a:lnTo>
-                    <a:pt x="0" y="0"/>
-                  </a:lnTo>
-                  <a:lnTo>
-                    <a:pt x="0" y="0"/>
-                  </a:lnTo>
-                  <a:lnTo>
-                    <a:pt x="774" y="1020"/>
-                  </a:lnTo>
-                  <a:lnTo>
-                    <a:pt x="1068" y="1020"/>
+                    <a:pt x="1019735" y="0"/>
                   </a:lnTo>
                   <a:close/>
                 </a:path>
               </a:pathLst>
             </a:custGeom>
             <a:solidFill>
-              <a:schemeClr val="tx1">
-                <a:lumMod val="75000"/>
-                <a:lumOff val="25000"/>
+              <a:schemeClr val="accent2">
+                <a:alpha val="70000"/>
               </a:schemeClr>
             </a:solidFill>
             <a:ln>
               <a:noFill/>
             </a:ln>
+            <a:effectLst/>
           </p:spPr>
+          <p:style>
+            <a:lnRef idx="1">
+              <a:schemeClr val="accent1"/>
+            </a:lnRef>
+            <a:fillRef idx="3">
+              <a:schemeClr val="accent1"/>
+            </a:fillRef>
+            <a:effectRef idx="2">
+              <a:schemeClr val="accent1"/>
+            </a:effectRef>
+            <a:fontRef idx="minor">
+              <a:schemeClr val="lt1"/>
+            </a:fontRef>
+          </p:style>
+        </p:sp>
+        <p:sp>
+          <p:nvSpPr>
+            <p:cNvPr id="27" name="Rectangle 29"/>
+            <p:cNvSpPr/>
+            <p:nvPr/>
+          </p:nvSpPr>
+          <p:spPr>
+            <a:xfrm>
+              <a:off x="10938999" y="-8467"/>
+              <a:ext cx="1249825" cy="6866467"/>
+            </a:xfrm>
+            <a:custGeom>
+              <a:avLst/>
+              <a:gdLst/>
+              <a:ahLst/>
+              <a:cxnLst/>
+              <a:rect l="l" t="t" r="r" b="b"/>
+              <a:pathLst>
+                <a:path w="1249825" h="6858000">
+                  <a:moveTo>
+                    <a:pt x="0" y="0"/>
+                  </a:moveTo>
+                  <a:lnTo>
+                    <a:pt x="1249825" y="0"/>
+                  </a:lnTo>
+                  <a:lnTo>
+                    <a:pt x="1249825" y="6858000"/>
+                  </a:lnTo>
+                  <a:lnTo>
+                    <a:pt x="1109382" y="6858000"/>
+                  </a:lnTo>
+                  <a:lnTo>
+                    <a:pt x="0" y="0"/>
+                  </a:lnTo>
+                  <a:close/>
+                </a:path>
+              </a:pathLst>
+            </a:custGeom>
+            <a:solidFill>
+              <a:schemeClr val="accent2">
+                <a:lumMod val="75000"/>
+                <a:alpha val="80000"/>
+              </a:schemeClr>
+            </a:solidFill>
+            <a:ln>
+              <a:noFill/>
+            </a:ln>
+            <a:effectLst/>
+          </p:spPr>
+          <p:style>
+            <a:lnRef idx="1">
+              <a:schemeClr val="accent1"/>
+            </a:lnRef>
+            <a:fillRef idx="3">
+              <a:schemeClr val="accent1"/>
+            </a:fillRef>
+            <a:effectRef idx="2">
+              <a:schemeClr val="accent1"/>
+            </a:effectRef>
+            <a:fontRef idx="minor">
+              <a:schemeClr val="lt1"/>
+            </a:fontRef>
+          </p:style>
+        </p:sp>
+        <p:sp>
+          <p:nvSpPr>
+            <p:cNvPr id="28" name="Isosceles Triangle 27"/>
+            <p:cNvSpPr/>
+            <p:nvPr/>
+          </p:nvSpPr>
+          <p:spPr>
+            <a:xfrm>
+              <a:off x="10371666" y="3589867"/>
+              <a:ext cx="1817159" cy="3268133"/>
+            </a:xfrm>
+            <a:prstGeom prst="triangle">
+              <a:avLst>
+                <a:gd name="adj" fmla="val 100000"/>
+              </a:avLst>
+            </a:prstGeom>
+            <a:solidFill>
+              <a:schemeClr val="accent1">
+                <a:lumMod val="75000"/>
+                <a:alpha val="66000"/>
+              </a:schemeClr>
+            </a:solidFill>
+            <a:ln>
+              <a:noFill/>
+            </a:ln>
+            <a:effectLst/>
+          </p:spPr>
+          <p:style>
+            <a:lnRef idx="1">
+              <a:schemeClr val="accent1"/>
+            </a:lnRef>
+            <a:fillRef idx="3">
+              <a:schemeClr val="accent1"/>
+            </a:fillRef>
+            <a:effectRef idx="2">
+              <a:schemeClr val="accent1"/>
+            </a:effectRef>
+            <a:fontRef idx="minor">
+              <a:schemeClr val="lt1"/>
+            </a:fontRef>
+          </p:style>
+        </p:sp>
+        <p:sp>
+          <p:nvSpPr>
+            <p:cNvPr id="19" name="Isosceles Triangle 18"/>
+            <p:cNvSpPr/>
+            <p:nvPr/>
+          </p:nvSpPr>
+          <p:spPr>
+            <a:xfrm>
+              <a:off x="0" y="4013200"/>
+              <a:ext cx="448733" cy="2844800"/>
+            </a:xfrm>
+            <a:prstGeom prst="triangle">
+              <a:avLst>
+                <a:gd name="adj" fmla="val 0"/>
+              </a:avLst>
+            </a:prstGeom>
+            <a:solidFill>
+              <a:schemeClr val="accent1">
+                <a:alpha val="70000"/>
+              </a:schemeClr>
+            </a:solidFill>
+            <a:ln>
+              <a:noFill/>
+            </a:ln>
+            <a:effectLst/>
+          </p:spPr>
+          <p:style>
+            <a:lnRef idx="1">
+              <a:schemeClr val="accent1"/>
+            </a:lnRef>
+            <a:fillRef idx="3">
+              <a:schemeClr val="accent1"/>
+            </a:fillRef>
+            <a:effectRef idx="2">
+              <a:schemeClr val="accent1"/>
+            </a:effectRef>
+            <a:fontRef idx="minor">
+              <a:schemeClr val="lt1"/>
+            </a:fontRef>
+          </p:style>
         </p:sp>
       </p:grpSp>
       <p:sp>
@@ -5483,85 +5635,22 @@
         </p:nvSpPr>
         <p:spPr>
           <a:xfrm>
-            <a:off x="1484311" y="685800"/>
-            <a:ext cx="10018713" cy="1752599"/>
-          </a:xfrm>
-          <a:prstGeom prst="rect">
-            <a:avLst/>
-          </a:prstGeom>
-          <a:effectLst/>
-        </p:spPr>
-        <p:txBody>
-          <a:bodyPr vert="horz" lIns="91440" tIns="45720" rIns="91440" bIns="45720" rtlCol="0" anchor="ctr">
-            <a:normAutofit/>
-          </a:bodyPr>
-          <a:lstStyle/>
-          <a:p>
-            <a:r>
-              <a:rPr lang="ru-RU" smtClean="0"/>
-              <a:t>Образец заголовка</a:t>
-            </a:r>
-            <a:endParaRPr lang="en-US" dirty="0"/>
-          </a:p>
-        </p:txBody>
-      </p:sp>
-      <p:sp>
-        <p:nvSpPr>
-          <p:cNvPr id="3" name="Text Placeholder 2"/>
-          <p:cNvSpPr>
-            <a:spLocks noGrp="1"/>
-          </p:cNvSpPr>
-          <p:nvPr>
-            <p:ph type="body" idx="1"/>
-          </p:nvPr>
-        </p:nvSpPr>
-        <p:spPr>
-          <a:xfrm>
-            <a:off x="1484310" y="2666999"/>
-            <a:ext cx="10018713" cy="3124201"/>
+            <a:off x="677334" y="609600"/>
+            <a:ext cx="8596668" cy="1320800"/>
           </a:xfrm>
           <a:prstGeom prst="rect">
             <a:avLst/>
           </a:prstGeom>
         </p:spPr>
         <p:txBody>
-          <a:bodyPr vert="horz" lIns="91440" tIns="45720" rIns="91440" bIns="45720" rtlCol="0" anchor="ctr">
+          <a:bodyPr vert="horz" lIns="91440" tIns="45720" rIns="91440" bIns="45720" rtlCol="0" anchor="t">
             <a:normAutofit/>
           </a:bodyPr>
           <a:lstStyle/>
           <a:p>
-            <a:pPr lvl="0"/>
-            <a:r>
-              <a:rPr lang="ru-RU" smtClean="0"/>
-              <a:t>Образец текста</a:t>
-            </a:r>
-          </a:p>
-          <a:p>
-            <a:pPr lvl="1"/>
-            <a:r>
-              <a:rPr lang="ru-RU" smtClean="0"/>
-              <a:t>Второй уровень</a:t>
-            </a:r>
-          </a:p>
-          <a:p>
-            <a:pPr lvl="2"/>
-            <a:r>
-              <a:rPr lang="ru-RU" smtClean="0"/>
-              <a:t>Третий уровень</a:t>
-            </a:r>
-          </a:p>
-          <a:p>
-            <a:pPr lvl="3"/>
-            <a:r>
-              <a:rPr lang="ru-RU" smtClean="0"/>
-              <a:t>Четвертый уровень</a:t>
-            </a:r>
-          </a:p>
-          <a:p>
-            <a:pPr lvl="4"/>
-            <a:r>
-              <a:rPr lang="ru-RU" smtClean="0"/>
-              <a:t>Пятый уровень</a:t>
+            <a:r>
+              <a:rPr lang="ru-RU" smtClean="0"/>
+              <a:t>Образец заголовка</a:t>
             </a:r>
             <a:endParaRPr lang="en-US" dirty="0"/>
           </a:p>
@@ -5569,59 +5658,80 @@
       </p:sp>
       <p:sp>
         <p:nvSpPr>
-          <p:cNvPr id="4" name="Date Placeholder 3"/>
-          <p:cNvSpPr>
-            <a:spLocks noGrp="1"/>
-          </p:cNvSpPr>
-          <p:nvPr>
-            <p:ph type="dt" sz="half" idx="2"/>
+          <p:cNvPr id="3" name="Text Placeholder 2"/>
+          <p:cNvSpPr>
+            <a:spLocks noGrp="1"/>
+          </p:cNvSpPr>
+          <p:nvPr>
+            <p:ph type="body" idx="1"/>
           </p:nvPr>
         </p:nvSpPr>
         <p:spPr>
           <a:xfrm>
-            <a:off x="9732656" y="5883275"/>
-            <a:ext cx="1143000" cy="365125"/>
+            <a:off x="677334" y="2160589"/>
+            <a:ext cx="8596668" cy="3880773"/>
           </a:xfrm>
           <a:prstGeom prst="rect">
             <a:avLst/>
           </a:prstGeom>
         </p:spPr>
         <p:txBody>
-          <a:bodyPr vert="horz" lIns="91440" tIns="45720" rIns="91440" bIns="45720" rtlCol="0" anchor="ctr"/>
-          <a:lstStyle>
-            <a:lvl1pPr algn="r">
-              <a:defRPr sz="1000" b="0" i="0">
-                <a:solidFill>
-                  <a:schemeClr val="tx1"/>
-                </a:solidFill>
-                <a:effectLst/>
-                <a:latin typeface="+mn-lt"/>
-              </a:defRPr>
-            </a:lvl1pPr>
-          </a:lstStyle>
-          <a:p>
-            <a:fld id="{A7A44A2C-D3DA-463E-847C-1BD2FBBDC97F}" type="datetimeFigureOut">
-              <a:rPr lang="en-US" smtClean="0"/>
-              <a:t>4/20/2016</a:t>
-            </a:fld>
-            <a:endParaRPr lang="en-US"/>
-          </a:p>
-        </p:txBody>
-      </p:sp>
-      <p:sp>
-        <p:nvSpPr>
-          <p:cNvPr id="5" name="Footer Placeholder 4"/>
-          <p:cNvSpPr>
-            <a:spLocks noGrp="1"/>
-          </p:cNvSpPr>
-          <p:nvPr>
-            <p:ph type="ftr" sz="quarter" idx="3"/>
+          <a:bodyPr vert="horz" lIns="91440" tIns="45720" rIns="91440" bIns="45720" rtlCol="0">
+            <a:normAutofit/>
+          </a:bodyPr>
+          <a:lstStyle/>
+          <a:p>
+            <a:pPr lvl="0"/>
+            <a:r>
+              <a:rPr lang="ru-RU" smtClean="0"/>
+              <a:t>Образец текста</a:t>
+            </a:r>
+          </a:p>
+          <a:p>
+            <a:pPr lvl="1"/>
+            <a:r>
+              <a:rPr lang="ru-RU" smtClean="0"/>
+              <a:t>Второй уровень</a:t>
+            </a:r>
+          </a:p>
+          <a:p>
+            <a:pPr lvl="2"/>
+            <a:r>
+              <a:rPr lang="ru-RU" smtClean="0"/>
+              <a:t>Третий уровень</a:t>
+            </a:r>
+          </a:p>
+          <a:p>
+            <a:pPr lvl="3"/>
+            <a:r>
+              <a:rPr lang="ru-RU" smtClean="0"/>
+              <a:t>Четвертый уровень</a:t>
+            </a:r>
+          </a:p>
+          <a:p>
+            <a:pPr lvl="4"/>
+            <a:r>
+              <a:rPr lang="ru-RU" smtClean="0"/>
+              <a:t>Пятый уровень</a:t>
+            </a:r>
+            <a:endParaRPr lang="en-US" dirty="0"/>
+          </a:p>
+        </p:txBody>
+      </p:sp>
+      <p:sp>
+        <p:nvSpPr>
+          <p:cNvPr id="4" name="Date Placeholder 3"/>
+          <p:cNvSpPr>
+            <a:spLocks noGrp="1"/>
+          </p:cNvSpPr>
+          <p:nvPr>
+            <p:ph type="dt" sz="half" idx="2"/>
           </p:nvPr>
         </p:nvSpPr>
         <p:spPr>
           <a:xfrm>
-            <a:off x="2572279" y="5883275"/>
-            <a:ext cx="7084177" cy="365125"/>
+            <a:off x="7205133" y="6041362"/>
+            <a:ext cx="911939" cy="365125"/>
           </a:xfrm>
           <a:prstGeom prst="rect">
             <a:avLst/>
@@ -5630,35 +5740,39 @@
         <p:txBody>
           <a:bodyPr vert="horz" lIns="91440" tIns="45720" rIns="91440" bIns="45720" rtlCol="0" anchor="ctr"/>
           <a:lstStyle>
-            <a:lvl1pPr algn="l">
-              <a:defRPr sz="1000" b="0" i="0">
-                <a:solidFill>
-                  <a:schemeClr val="tx1"/>
-                </a:solidFill>
-                <a:effectLst/>
-                <a:latin typeface="+mn-lt"/>
+            <a:lvl1pPr algn="r">
+              <a:defRPr sz="900">
+                <a:solidFill>
+                  <a:schemeClr val="tx1">
+                    <a:tint val="75000"/>
+                  </a:schemeClr>
+                </a:solidFill>
               </a:defRPr>
             </a:lvl1pPr>
           </a:lstStyle>
           <a:p>
+            <a:fld id="{A7A44A2C-D3DA-463E-847C-1BD2FBBDC97F}" type="datetimeFigureOut">
+              <a:rPr lang="en-US" smtClean="0"/>
+              <a:t>4/21/2016</a:t>
+            </a:fld>
             <a:endParaRPr lang="en-US"/>
           </a:p>
         </p:txBody>
       </p:sp>
       <p:sp>
         <p:nvSpPr>
-          <p:cNvPr id="6" name="Slide Number Placeholder 5"/>
-          <p:cNvSpPr>
-            <a:spLocks noGrp="1"/>
-          </p:cNvSpPr>
-          <p:nvPr>
-            <p:ph type="sldNum" sz="quarter" idx="4"/>
+          <p:cNvPr id="5" name="Footer Placeholder 4"/>
+          <p:cNvSpPr>
+            <a:spLocks noGrp="1"/>
+          </p:cNvSpPr>
+          <p:nvPr>
+            <p:ph type="ftr" sz="quarter" idx="3"/>
           </p:nvPr>
         </p:nvSpPr>
         <p:spPr>
           <a:xfrm>
-            <a:off x="10951856" y="5883275"/>
-            <a:ext cx="551167" cy="365125"/>
+            <a:off x="677334" y="6041362"/>
+            <a:ext cx="6297612" cy="365125"/>
           </a:xfrm>
           <a:prstGeom prst="rect">
             <a:avLst/>
@@ -5667,13 +5781,48 @@
         <p:txBody>
           <a:bodyPr vert="horz" lIns="91440" tIns="45720" rIns="91440" bIns="45720" rtlCol="0" anchor="ctr"/>
           <a:lstStyle>
+            <a:lvl1pPr algn="l">
+              <a:defRPr sz="900">
+                <a:solidFill>
+                  <a:schemeClr val="tx1">
+                    <a:tint val="75000"/>
+                  </a:schemeClr>
+                </a:solidFill>
+              </a:defRPr>
+            </a:lvl1pPr>
+          </a:lstStyle>
+          <a:p>
+            <a:endParaRPr lang="en-US"/>
+          </a:p>
+        </p:txBody>
+      </p:sp>
+      <p:sp>
+        <p:nvSpPr>
+          <p:cNvPr id="6" name="Slide Number Placeholder 5"/>
+          <p:cNvSpPr>
+            <a:spLocks noGrp="1"/>
+          </p:cNvSpPr>
+          <p:nvPr>
+            <p:ph type="sldNum" sz="quarter" idx="4"/>
+          </p:nvPr>
+        </p:nvSpPr>
+        <p:spPr>
+          <a:xfrm>
+            <a:off x="8590663" y="6041362"/>
+            <a:ext cx="683339" cy="365125"/>
+          </a:xfrm>
+          <a:prstGeom prst="rect">
+            <a:avLst/>
+          </a:prstGeom>
+        </p:spPr>
+        <p:txBody>
+          <a:bodyPr vert="horz" lIns="91440" tIns="45720" rIns="91440" bIns="45720" rtlCol="0" anchor="ctr"/>
+          <a:lstStyle>
             <a:lvl1pPr algn="r">
-              <a:defRPr sz="1000" b="0" i="0">
-                <a:solidFill>
-                  <a:schemeClr val="tx1"/>
-                </a:solidFill>
-                <a:effectLst/>
-                <a:latin typeface="+mn-lt"/>
+              <a:defRPr sz="900">
+                <a:solidFill>
+                  <a:schemeClr val="accent1"/>
+                </a:solidFill>
               </a:defRPr>
             </a:lvl1pPr>
           </a:lstStyle>
@@ -5689,45 +5838,40 @@
     </p:spTree>
     <p:extLst>
       <p:ext uri="{BB962C8B-B14F-4D97-AF65-F5344CB8AC3E}">
-        <p14:creationId xmlns:p14="http://schemas.microsoft.com/office/powerpoint/2010/main" val="1739863536"/>
+        <p14:creationId xmlns:p14="http://schemas.microsoft.com/office/powerpoint/2010/main" val="1021585839"/>
       </p:ext>
     </p:extLst>
   </p:cSld>
   <p:clrMap bg1="lt1" tx1="dk1" bg2="lt2" tx2="dk2" accent1="accent1" accent2="accent2" accent3="accent3" accent4="accent4" accent5="accent5" accent6="accent6" hlink="hlink" folHlink="folHlink"/>
   <p:sldLayoutIdLst>
-    <p:sldLayoutId id="2147483679" r:id="rId1"/>
-    <p:sldLayoutId id="2147483680" r:id="rId2"/>
-    <p:sldLayoutId id="2147483681" r:id="rId3"/>
-    <p:sldLayoutId id="2147483682" r:id="rId4"/>
-    <p:sldLayoutId id="2147483683" r:id="rId5"/>
-    <p:sldLayoutId id="2147483684" r:id="rId6"/>
-    <p:sldLayoutId id="2147483685" r:id="rId7"/>
-    <p:sldLayoutId id="2147483686" r:id="rId8"/>
-    <p:sldLayoutId id="2147483687" r:id="rId9"/>
-    <p:sldLayoutId id="2147483688" r:id="rId10"/>
-    <p:sldLayoutId id="2147483689" r:id="rId11"/>
-    <p:sldLayoutId id="2147483690" r:id="rId12"/>
-    <p:sldLayoutId id="2147483691" r:id="rId13"/>
-    <p:sldLayoutId id="2147483692" r:id="rId14"/>
-    <p:sldLayoutId id="2147483693" r:id="rId15"/>
-    <p:sldLayoutId id="2147483694" r:id="rId16"/>
-    <p:sldLayoutId id="2147483695" r:id="rId17"/>
+    <p:sldLayoutId id="2147483726" r:id="rId1"/>
+    <p:sldLayoutId id="2147483727" r:id="rId2"/>
+    <p:sldLayoutId id="2147483728" r:id="rId3"/>
+    <p:sldLayoutId id="2147483729" r:id="rId4"/>
+    <p:sldLayoutId id="2147483730" r:id="rId5"/>
+    <p:sldLayoutId id="2147483731" r:id="rId6"/>
+    <p:sldLayoutId id="2147483732" r:id="rId7"/>
+    <p:sldLayoutId id="2147483733" r:id="rId8"/>
+    <p:sldLayoutId id="2147483734" r:id="rId9"/>
+    <p:sldLayoutId id="2147483735" r:id="rId10"/>
+    <p:sldLayoutId id="2147483736" r:id="rId11"/>
+    <p:sldLayoutId id="2147483737" r:id="rId12"/>
+    <p:sldLayoutId id="2147483738" r:id="rId13"/>
+    <p:sldLayoutId id="2147483739" r:id="rId14"/>
+    <p:sldLayoutId id="2147483740" r:id="rId15"/>
+    <p:sldLayoutId id="2147483741" r:id="rId16"/>
   </p:sldLayoutIdLst>
   <p:txStyles>
     <p:titleStyle>
-      <a:lvl1pPr algn="ctr" defTabSz="457200" rtl="0" eaLnBrk="1" latinLnBrk="0" hangingPunct="1">
+      <a:lvl1pPr algn="l" defTabSz="457200" rtl="0" eaLnBrk="1" latinLnBrk="0" hangingPunct="1">
         <a:spcBef>
           <a:spcPct val="0"/>
         </a:spcBef>
         <a:buNone/>
-        <a:defRPr sz="4000" kern="1200" cap="none">
-          <a:ln w="3175" cmpd="sng">
-            <a:noFill/>
-          </a:ln>
+        <a:defRPr sz="3600" kern="1200">
           <a:solidFill>
-            <a:schemeClr val="tx1"/>
+            <a:schemeClr val="accent1"/>
           </a:solidFill>
-          <a:effectLst/>
           <a:latin typeface="+mj-lt"/>
           <a:ea typeface="+mj-ea"/>
           <a:cs typeface="+mj-cs"/>
@@ -5791,26 +5935,26 @@
       </a:lvl9pPr>
     </p:titleStyle>
     <p:bodyStyle>
-      <a:lvl1pPr marL="285750" indent="-285750" algn="l" defTabSz="457200" rtl="0" eaLnBrk="1" latinLnBrk="0" hangingPunct="1">
+      <a:lvl1pPr marL="342900" indent="-342900" algn="l" defTabSz="457200" rtl="0" eaLnBrk="1" latinLnBrk="0" hangingPunct="1">
         <a:spcBef>
-          <a:spcPct val="20000"/>
+          <a:spcPts val="1000"/>
         </a:spcBef>
         <a:spcAft>
-          <a:spcPts val="600"/>
+          <a:spcPts val="0"/>
         </a:spcAft>
         <a:buClr>
-          <a:schemeClr val="accent1">
-            <a:lumMod val="75000"/>
-          </a:schemeClr>
+          <a:schemeClr val="accent1"/>
         </a:buClr>
-        <a:buSzPct val="145000"/>
-        <a:buFont typeface="Arial"/>
-        <a:buChar char="•"/>
-        <a:defRPr sz="2400" kern="1200" cap="none">
+        <a:buSzPct val="80000"/>
+        <a:buFont typeface="Wingdings 3" charset="2"/>
+        <a:buChar char=""/>
+        <a:defRPr sz="1800" kern="1200">
           <a:solidFill>
-            <a:schemeClr val="tx1"/>
+            <a:schemeClr val="tx1">
+              <a:lumMod val="75000"/>
+              <a:lumOff val="25000"/>
+            </a:schemeClr>
           </a:solidFill>
-          <a:effectLst/>
           <a:latin typeface="+mn-lt"/>
           <a:ea typeface="+mn-ea"/>
           <a:cs typeface="+mn-cs"/>
@@ -5818,99 +5962,99 @@
       </a:lvl1pPr>
       <a:lvl2pPr marL="742950" indent="-285750" algn="l" defTabSz="457200" rtl="0" eaLnBrk="1" latinLnBrk="0" hangingPunct="1">
         <a:spcBef>
-          <a:spcPct val="20000"/>
+          <a:spcPts val="1000"/>
         </a:spcBef>
         <a:spcAft>
-          <a:spcPts val="600"/>
+          <a:spcPts val="0"/>
         </a:spcAft>
         <a:buClr>
-          <a:schemeClr val="accent1">
-            <a:lumMod val="75000"/>
-          </a:schemeClr>
+          <a:schemeClr val="accent1"/>
         </a:buClr>
-        <a:buSzPct val="145000"/>
-        <a:buFont typeface="Arial"/>
-        <a:buChar char="•"/>
-        <a:defRPr sz="2000" kern="1200" cap="none">
+        <a:buSzPct val="80000"/>
+        <a:buFont typeface="Wingdings 3" charset="2"/>
+        <a:buChar char=""/>
+        <a:defRPr sz="1600" kern="1200">
           <a:solidFill>
-            <a:schemeClr val="tx1"/>
+            <a:schemeClr val="tx1">
+              <a:lumMod val="75000"/>
+              <a:lumOff val="25000"/>
+            </a:schemeClr>
           </a:solidFill>
-          <a:effectLst/>
           <a:latin typeface="+mn-lt"/>
           <a:ea typeface="+mn-ea"/>
           <a:cs typeface="+mn-cs"/>
         </a:defRPr>
       </a:lvl2pPr>
-      <a:lvl3pPr marL="1200150" indent="-285750" algn="l" defTabSz="457200" rtl="0" eaLnBrk="1" latinLnBrk="0" hangingPunct="1">
+      <a:lvl3pPr marL="1143000" indent="-228600" algn="l" defTabSz="457200" rtl="0" eaLnBrk="1" latinLnBrk="0" hangingPunct="1">
         <a:spcBef>
-          <a:spcPct val="20000"/>
+          <a:spcPts val="1000"/>
         </a:spcBef>
         <a:spcAft>
-          <a:spcPts val="600"/>
+          <a:spcPts val="0"/>
         </a:spcAft>
         <a:buClr>
-          <a:schemeClr val="accent1">
-            <a:lumMod val="75000"/>
-          </a:schemeClr>
+          <a:schemeClr val="accent1"/>
         </a:buClr>
-        <a:buSzPct val="145000"/>
-        <a:buFont typeface="Arial"/>
-        <a:buChar char="•"/>
-        <a:defRPr sz="1800" kern="1200" cap="none">
+        <a:buSzPct val="80000"/>
+        <a:buFont typeface="Wingdings 3" charset="2"/>
+        <a:buChar char=""/>
+        <a:defRPr sz="1400" kern="1200">
           <a:solidFill>
-            <a:schemeClr val="tx1"/>
+            <a:schemeClr val="tx1">
+              <a:lumMod val="75000"/>
+              <a:lumOff val="25000"/>
+            </a:schemeClr>
           </a:solidFill>
-          <a:effectLst/>
           <a:latin typeface="+mn-lt"/>
           <a:ea typeface="+mn-ea"/>
           <a:cs typeface="+mn-cs"/>
         </a:defRPr>
       </a:lvl3pPr>
-      <a:lvl4pPr marL="1543050" indent="-171450" algn="l" defTabSz="457200" rtl="0" eaLnBrk="1" latinLnBrk="0" hangingPunct="1">
+      <a:lvl4pPr marL="1600200" indent="-228600" algn="l" defTabSz="457200" rtl="0" eaLnBrk="1" latinLnBrk="0" hangingPunct="1">
         <a:spcBef>
-          <a:spcPct val="20000"/>
+          <a:spcPts val="1000"/>
         </a:spcBef>
         <a:spcAft>
-          <a:spcPts val="600"/>
+          <a:spcPts val="0"/>
         </a:spcAft>
         <a:buClr>
-          <a:schemeClr val="accent1">
-            <a:lumMod val="75000"/>
-          </a:schemeClr>
+          <a:schemeClr val="accent1"/>
         </a:buClr>
-        <a:buSzPct val="145000"/>
-        <a:buFont typeface="Arial"/>
-        <a:buChar char="•"/>
-        <a:defRPr sz="1600" kern="1200" cap="none">
+        <a:buSzPct val="80000"/>
+        <a:buFont typeface="Wingdings 3" charset="2"/>
+        <a:buChar char=""/>
+        <a:defRPr sz="1200" kern="1200">
           <a:solidFill>
-            <a:schemeClr val="tx1"/>
+            <a:schemeClr val="tx1">
+              <a:lumMod val="75000"/>
+              <a:lumOff val="25000"/>
+            </a:schemeClr>
           </a:solidFill>
-          <a:effectLst/>
           <a:latin typeface="+mn-lt"/>
           <a:ea typeface="+mn-ea"/>
           <a:cs typeface="+mn-cs"/>
         </a:defRPr>
       </a:lvl4pPr>
-      <a:lvl5pPr marL="2000250" indent="-171450" algn="l" defTabSz="457200" rtl="0" eaLnBrk="1" latinLnBrk="0" hangingPunct="1">
+      <a:lvl5pPr marL="2057400" indent="-228600" algn="l" defTabSz="457200" rtl="0" eaLnBrk="1" latinLnBrk="0" hangingPunct="1">
         <a:spcBef>
-          <a:spcPct val="20000"/>
+          <a:spcPts val="1000"/>
         </a:spcBef>
         <a:spcAft>
-          <a:spcPts val="600"/>
+          <a:spcPts val="0"/>
         </a:spcAft>
         <a:buClr>
-          <a:schemeClr val="accent1">
-            <a:lumMod val="75000"/>
-          </a:schemeClr>
+          <a:schemeClr val="accent1"/>
         </a:buClr>
-        <a:buSzPct val="145000"/>
-        <a:buFont typeface="Arial"/>
-        <a:buChar char="•"/>
-        <a:defRPr sz="1400" kern="1200" cap="none">
+        <a:buSzPct val="80000"/>
+        <a:buFont typeface="Wingdings 3" charset="2"/>
+        <a:buChar char=""/>
+        <a:defRPr sz="1200" kern="1200">
           <a:solidFill>
-            <a:schemeClr val="tx1"/>
+            <a:schemeClr val="tx1">
+              <a:lumMod val="75000"/>
+              <a:lumOff val="25000"/>
+            </a:schemeClr>
           </a:solidFill>
-          <a:effectLst/>
           <a:latin typeface="+mn-lt"/>
           <a:ea typeface="+mn-ea"/>
           <a:cs typeface="+mn-cs"/>
@@ -5918,24 +6062,24 @@
       </a:lvl5pPr>
       <a:lvl6pPr marL="2514600" indent="-228600" algn="l" defTabSz="457200" rtl="0" eaLnBrk="1" latinLnBrk="0" hangingPunct="1">
         <a:spcBef>
-          <a:spcPct val="20000"/>
+          <a:spcPts val="1000"/>
         </a:spcBef>
         <a:spcAft>
-          <a:spcPts val="600"/>
+          <a:spcPts val="0"/>
         </a:spcAft>
         <a:buClr>
-          <a:schemeClr val="accent1">
-            <a:lumMod val="75000"/>
-          </a:schemeClr>
+          <a:schemeClr val="accent1"/>
         </a:buClr>
-        <a:buSzPct val="145000"/>
-        <a:buFont typeface="Arial"/>
-        <a:buChar char="•"/>
-        <a:defRPr sz="1400" kern="1200" cap="none">
+        <a:buSzPct val="80000"/>
+        <a:buFont typeface="Wingdings 3" charset="2"/>
+        <a:buChar char=""/>
+        <a:defRPr sz="1200" kern="1200">
           <a:solidFill>
-            <a:schemeClr val="tx1"/>
+            <a:schemeClr val="tx1">
+              <a:lumMod val="75000"/>
+              <a:lumOff val="25000"/>
+            </a:schemeClr>
           </a:solidFill>
-          <a:effectLst/>
           <a:latin typeface="+mn-lt"/>
           <a:ea typeface="+mn-ea"/>
           <a:cs typeface="+mn-cs"/>
@@ -5943,24 +6087,24 @@
       </a:lvl6pPr>
       <a:lvl7pPr marL="2971800" indent="-228600" algn="l" defTabSz="457200" rtl="0" eaLnBrk="1" latinLnBrk="0" hangingPunct="1">
         <a:spcBef>
-          <a:spcPct val="20000"/>
+          <a:spcPts val="1000"/>
         </a:spcBef>
         <a:spcAft>
-          <a:spcPts val="600"/>
+          <a:spcPts val="0"/>
         </a:spcAft>
         <a:buClr>
-          <a:schemeClr val="accent1">
-            <a:lumMod val="75000"/>
-          </a:schemeClr>
+          <a:schemeClr val="accent1"/>
         </a:buClr>
-        <a:buSzPct val="145000"/>
-        <a:buFont typeface="Arial"/>
-        <a:buChar char="•"/>
-        <a:defRPr sz="1400" kern="1200" cap="none">
+        <a:buSzPct val="80000"/>
+        <a:buFont typeface="Wingdings 3" charset="2"/>
+        <a:buChar char=""/>
+        <a:defRPr sz="1200" kern="1200">
           <a:solidFill>
-            <a:schemeClr val="tx1"/>
+            <a:schemeClr val="tx1">
+              <a:lumMod val="75000"/>
+              <a:lumOff val="25000"/>
+            </a:schemeClr>
           </a:solidFill>
-          <a:effectLst/>
           <a:latin typeface="+mn-lt"/>
           <a:ea typeface="+mn-ea"/>
           <a:cs typeface="+mn-cs"/>
@@ -5968,24 +6112,24 @@
       </a:lvl7pPr>
       <a:lvl8pPr marL="3429000" indent="-228600" algn="l" defTabSz="457200" rtl="0" eaLnBrk="1" latinLnBrk="0" hangingPunct="1">
         <a:spcBef>
-          <a:spcPct val="20000"/>
+          <a:spcPts val="1000"/>
         </a:spcBef>
         <a:spcAft>
-          <a:spcPts val="600"/>
+          <a:spcPts val="0"/>
         </a:spcAft>
         <a:buClr>
-          <a:schemeClr val="accent1">
-            <a:lumMod val="75000"/>
-          </a:schemeClr>
+          <a:schemeClr val="accent1"/>
         </a:buClr>
-        <a:buSzPct val="145000"/>
-        <a:buFont typeface="Arial"/>
-        <a:buChar char="•"/>
-        <a:defRPr sz="1400" kern="1200" cap="none">
+        <a:buSzPct val="80000"/>
+        <a:buFont typeface="Wingdings 3" charset="2"/>
+        <a:buChar char=""/>
+        <a:defRPr sz="1200" kern="1200">
           <a:solidFill>
-            <a:schemeClr val="tx1"/>
+            <a:schemeClr val="tx1">
+              <a:lumMod val="75000"/>
+              <a:lumOff val="25000"/>
+            </a:schemeClr>
           </a:solidFill>
-          <a:effectLst/>
           <a:latin typeface="+mn-lt"/>
           <a:ea typeface="+mn-ea"/>
           <a:cs typeface="+mn-cs"/>
@@ -5993,24 +6137,24 @@
       </a:lvl8pPr>
       <a:lvl9pPr marL="3886200" indent="-228600" algn="l" defTabSz="457200" rtl="0" eaLnBrk="1" latinLnBrk="0" hangingPunct="1">
         <a:spcBef>
-          <a:spcPct val="20000"/>
+          <a:spcPts val="1000"/>
         </a:spcBef>
         <a:spcAft>
-          <a:spcPts val="600"/>
+          <a:spcPts val="0"/>
         </a:spcAft>
         <a:buClr>
-          <a:schemeClr val="accent1">
-            <a:lumMod val="75000"/>
-          </a:schemeClr>
+          <a:schemeClr val="accent1"/>
         </a:buClr>
-        <a:buSzPct val="145000"/>
-        <a:buFont typeface="Arial"/>
-        <a:buChar char="•"/>
-        <a:defRPr sz="1400" kern="1200" cap="none">
+        <a:buSzPct val="80000"/>
+        <a:buFont typeface="Wingdings 3" charset="2"/>
+        <a:buChar char=""/>
+        <a:defRPr sz="1200" kern="1200">
           <a:solidFill>
-            <a:schemeClr val="tx1"/>
+            <a:schemeClr val="tx1">
+              <a:lumMod val="75000"/>
+              <a:lumOff val="25000"/>
+            </a:schemeClr>
           </a:solidFill>
-          <a:effectLst/>
           <a:latin typeface="+mn-lt"/>
           <a:ea typeface="+mn-ea"/>
           <a:cs typeface="+mn-cs"/>
@@ -6145,13 +6289,13 @@
         </p:nvSpPr>
         <p:spPr>
           <a:xfrm>
-            <a:off x="2914753" y="765919"/>
+            <a:off x="880137" y="724976"/>
             <a:ext cx="8574622" cy="2616199"/>
           </a:xfrm>
         </p:spPr>
         <p:txBody>
           <a:bodyPr>
-            <a:normAutofit fontScale="90000"/>
+            <a:normAutofit/>
           </a:bodyPr>
           <a:lstStyle/>
           <a:p>
@@ -6159,7 +6303,6 @@
               <a:rPr lang="en-US" dirty="0"/>
               <a:t>Vocabulary based-integration Web tool for Industry 4.0 Standards</a:t>
             </a:r>
-            <a:endParaRPr lang="en-US" dirty="0"/>
           </a:p>
         </p:txBody>
       </p:sp>
@@ -6181,7 +6324,7 @@
         </p:spPr>
         <p:txBody>
           <a:bodyPr>
-            <a:normAutofit lnSpcReduction="10000"/>
+            <a:normAutofit/>
           </a:bodyPr>
           <a:lstStyle/>
           <a:p>
@@ -6302,7 +6445,12 @@
             <p:ph type="title"/>
           </p:nvPr>
         </p:nvSpPr>
-        <p:spPr/>
+        <p:spPr>
+          <a:xfrm>
+            <a:off x="1484312" y="0"/>
+            <a:ext cx="10018713" cy="1752599"/>
+          </a:xfrm>
+        </p:spPr>
         <p:txBody>
           <a:bodyPr/>
           <a:lstStyle/>
@@ -6317,7 +6465,7 @@
       </p:sp>
       <p:pic>
         <p:nvPicPr>
-          <p:cNvPr id="5" name="Объект 4"/>
+          <p:cNvPr id="4" name="Объект 3"/>
           <p:cNvPicPr>
             <a:picLocks noGrp="1" noChangeAspect="1"/>
           </p:cNvPicPr>
@@ -6326,7 +6474,7 @@
           </p:nvPr>
         </p:nvPicPr>
         <p:blipFill>
-          <a:blip r:embed="rId2">
+          <a:blip r:embed="rId3">
             <a:extLst>
               <a:ext uri="{28A0092B-C50C-407E-A947-70E740481C1C}">
                 <a14:useLocalDpi xmlns:a14="http://schemas.microsoft.com/office/drawing/2010/main" val="0"/>
@@ -6339,71 +6487,14 @@
         </p:blipFill>
         <p:spPr>
           <a:xfrm>
-            <a:off x="1760561" y="2361063"/>
-            <a:ext cx="8952932" cy="3111689"/>
+            <a:off x="1380011" y="969316"/>
+            <a:ext cx="8050592" cy="4380606"/>
           </a:xfrm>
-          <a:prstGeom prst="rect">
-            <a:avLst/>
-          </a:prstGeom>
-          <a:ln w="127000" cap="sq">
-            <a:solidFill>
-              <a:srgbClr val="000000"/>
-            </a:solidFill>
-            <a:miter lim="800000"/>
-          </a:ln>
-          <a:effectLst>
-            <a:outerShdw blurRad="57150" dist="50800" dir="2700000" algn="tl" rotWithShape="0">
-              <a:srgbClr val="000000">
-                <a:alpha val="40000"/>
-              </a:srgbClr>
-            </a:outerShdw>
-          </a:effectLst>
         </p:spPr>
       </p:pic>
       <p:pic>
         <p:nvPicPr>
           <p:cNvPr id="1026" name="Picture 2" descr="http://smashingboxes.com/media/W1siZiIsIjIwMTUvMTAvMjAvMTAvNDQvNTMvNjk3L1JlYWN0XzEuMC5wbmciXV0/React%201.0.png?sha=886b9b43c826ec79"/>
-          <p:cNvPicPr>
-            <a:picLocks noChangeAspect="1" noChangeArrowheads="1"/>
-          </p:cNvPicPr>
-          <p:nvPr/>
-        </p:nvPicPr>
-        <p:blipFill>
-          <a:blip r:embed="rId3" cstate="print">
-            <a:extLst>
-              <a:ext uri="{28A0092B-C50C-407E-A947-70E740481C1C}">
-                <a14:useLocalDpi xmlns:a14="http://schemas.microsoft.com/office/drawing/2010/main" val="0"/>
-              </a:ext>
-            </a:extLst>
-          </a:blip>
-          <a:srcRect/>
-          <a:stretch>
-            <a:fillRect/>
-          </a:stretch>
-        </p:blipFill>
-        <p:spPr bwMode="auto">
-          <a:xfrm>
-            <a:off x="1760561" y="5602407"/>
-            <a:ext cx="2074460" cy="989462"/>
-          </a:xfrm>
-          <a:prstGeom prst="rect">
-            <a:avLst/>
-          </a:prstGeom>
-          <a:noFill/>
-          <a:extLst>
-            <a:ext uri="{909E8E84-426E-40DD-AFC4-6F175D3DCCD1}">
-              <a14:hiddenFill xmlns:a14="http://schemas.microsoft.com/office/drawing/2010/main">
-                <a:solidFill>
-                  <a:srgbClr val="FFFFFF"/>
-                </a:solidFill>
-              </a14:hiddenFill>
-            </a:ext>
-          </a:extLst>
-        </p:spPr>
-      </p:pic>
-      <p:pic>
-        <p:nvPicPr>
-          <p:cNvPr id="1028" name="Picture 4" descr="http://dab1nmslvvntp.cloudfront.net/wp-content/uploads/2015/07/1436439824nodejs-logo.png"/>
           <p:cNvPicPr>
             <a:picLocks noChangeAspect="1" noChangeArrowheads="1"/>
           </p:cNvPicPr>
@@ -6424,7 +6515,48 @@
         </p:blipFill>
         <p:spPr bwMode="auto">
           <a:xfrm>
-            <a:off x="9578796" y="5472752"/>
+            <a:off x="447082" y="5537579"/>
+            <a:ext cx="2074460" cy="989462"/>
+          </a:xfrm>
+          <a:prstGeom prst="rect">
+            <a:avLst/>
+          </a:prstGeom>
+          <a:noFill/>
+          <a:extLst>
+            <a:ext uri="{909E8E84-426E-40DD-AFC4-6F175D3DCCD1}">
+              <a14:hiddenFill xmlns:a14="http://schemas.microsoft.com/office/drawing/2010/main">
+                <a:solidFill>
+                  <a:srgbClr val="FFFFFF"/>
+                </a:solidFill>
+              </a14:hiddenFill>
+            </a:ext>
+          </a:extLst>
+        </p:spPr>
+      </p:pic>
+      <p:pic>
+        <p:nvPicPr>
+          <p:cNvPr id="1028" name="Picture 4" descr="http://dab1nmslvvntp.cloudfront.net/wp-content/uploads/2015/07/1436439824nodejs-logo.png"/>
+          <p:cNvPicPr>
+            <a:picLocks noChangeAspect="1" noChangeArrowheads="1"/>
+          </p:cNvPicPr>
+          <p:nvPr/>
+        </p:nvPicPr>
+        <p:blipFill>
+          <a:blip r:embed="rId5" cstate="print">
+            <a:extLst>
+              <a:ext uri="{28A0092B-C50C-407E-A947-70E740481C1C}">
+                <a14:useLocalDpi xmlns:a14="http://schemas.microsoft.com/office/drawing/2010/main" val="0"/>
+              </a:ext>
+            </a:extLst>
+          </a:blip>
+          <a:srcRect/>
+          <a:stretch>
+            <a:fillRect/>
+          </a:stretch>
+        </p:blipFill>
+        <p:spPr bwMode="auto">
+          <a:xfrm>
+            <a:off x="7330538" y="5349922"/>
             <a:ext cx="2269393" cy="1119117"/>
           </a:xfrm>
           <a:prstGeom prst="rect">
@@ -6451,7 +6583,7 @@
           <p:nvPr/>
         </p:nvPicPr>
         <p:blipFill>
-          <a:blip r:embed="rId5">
+          <a:blip r:embed="rId6">
             <a:extLst>
               <a:ext uri="{28A0092B-C50C-407E-A947-70E740481C1C}">
                 <a14:useLocalDpi xmlns:a14="http://schemas.microsoft.com/office/drawing/2010/main" val="0"/>
@@ -6465,7 +6597,7 @@
         </p:blipFill>
         <p:spPr bwMode="auto">
           <a:xfrm>
-            <a:off x="7118681" y="5756082"/>
+            <a:off x="4942887" y="5627426"/>
             <a:ext cx="2214563" cy="660638"/>
           </a:xfrm>
           <a:prstGeom prst="rect">
@@ -6492,7 +6624,7 @@
           <p:nvPr/>
         </p:nvPicPr>
         <p:blipFill>
-          <a:blip r:embed="rId6" cstate="print">
+          <a:blip r:embed="rId7" cstate="print">
             <a:extLst>
               <a:ext uri="{28A0092B-C50C-407E-A947-70E740481C1C}">
                 <a14:useLocalDpi xmlns:a14="http://schemas.microsoft.com/office/drawing/2010/main" val="0"/>
@@ -6506,7 +6638,7 @@
         </p:blipFill>
         <p:spPr bwMode="auto">
           <a:xfrm>
-            <a:off x="4099778" y="5692252"/>
+            <a:off x="2767094" y="5627426"/>
             <a:ext cx="868008" cy="809768"/>
           </a:xfrm>
           <a:prstGeom prst="rect">
@@ -6538,9 +6670,9 @@
 </file>
 
 <file path=ppt/theme/theme1.xml><?xml version="1.0" encoding="utf-8"?>
-<a:theme xmlns:a="http://schemas.openxmlformats.org/drawingml/2006/main" name="Параллакс">
+<a:theme xmlns:a="http://schemas.openxmlformats.org/drawingml/2006/main" name="Грань">
   <a:themeElements>
-    <a:clrScheme name="Параллакс">
+    <a:clrScheme name="Грань">
       <a:dk1>
         <a:sysClr val="windowText" lastClr="000000"/>
       </a:dk1>
@@ -6548,48 +6680,48 @@
         <a:sysClr val="window" lastClr="FFFFFF"/>
       </a:lt1>
       <a:dk2>
-        <a:srgbClr val="212121"/>
+        <a:srgbClr val="2C3C43"/>
       </a:dk2>
       <a:lt2>
-        <a:srgbClr val="CDD0D1"/>
+        <a:srgbClr val="EBEBEB"/>
       </a:lt2>
       <a:accent1>
-        <a:srgbClr val="30ACEC"/>
+        <a:srgbClr val="5FCBEF"/>
       </a:accent1>
       <a:accent2>
-        <a:srgbClr val="80C34F"/>
+        <a:srgbClr val="2E83C3"/>
       </a:accent2>
       <a:accent3>
-        <a:srgbClr val="E29D3E"/>
+        <a:srgbClr val="42D0A2"/>
       </a:accent3>
       <a:accent4>
-        <a:srgbClr val="D64A3B"/>
+        <a:srgbClr val="2E946B"/>
       </a:accent4>
       <a:accent5>
-        <a:srgbClr val="D64787"/>
+        <a:srgbClr val="42B051"/>
       </a:accent5>
       <a:accent6>
-        <a:srgbClr val="A666E1"/>
+        <a:srgbClr val="96D141"/>
       </a:accent6>
       <a:hlink>
-        <a:srgbClr val="3085ED"/>
+        <a:srgbClr val="3FCDE7"/>
       </a:hlink>
       <a:folHlink>
-        <a:srgbClr val="82B6F4"/>
+        <a:srgbClr val="A9D3E1"/>
       </a:folHlink>
     </a:clrScheme>
-    <a:fontScheme name="Параллакс">
+    <a:fontScheme name="Грань">
       <a:majorFont>
-        <a:latin typeface="Corbel" panose="020B0503020204020204"/>
+        <a:latin typeface="Trebuchet MS" panose="020B0603020202020204"/>
         <a:ea typeface=""/>
         <a:cs typeface=""/>
-        <a:font script="Jpan" typeface="HGｺﾞｼｯｸM"/>
-        <a:font script="Hang" typeface="HY엽서L"/>
-        <a:font script="Hans" typeface="华文楷体"/>
-        <a:font script="Hant" typeface="新細明體"/>
+        <a:font script="Jpan" typeface="メイリオ"/>
+        <a:font script="Hang" typeface="맑은 고딕"/>
+        <a:font script="Hans" typeface="方正姚体"/>
+        <a:font script="Hant" typeface="微軟正黑體"/>
         <a:font script="Arab" typeface="Tahoma"/>
-        <a:font script="Hebr" typeface="Miriam"/>
-        <a:font script="Thai" typeface="DilleniaUPC"/>
+        <a:font script="Hebr" typeface="Arial"/>
+        <a:font script="Thai" typeface="Cordia New"/>
         <a:font script="Ethi" typeface="Nyala"/>
         <a:font script="Beng" typeface="Vrinda"/>
         <a:font script="Gujr" typeface="Shruti"/>
@@ -6610,21 +6742,21 @@
         <a:font script="Laoo" typeface="DokChampa"/>
         <a:font script="Sinh" typeface="Iskoola Pota"/>
         <a:font script="Mong" typeface="Mongolian Baiti"/>
-        <a:font script="Viet" typeface="Arial"/>
+        <a:font script="Viet" typeface="Tahoma"/>
         <a:font script="Uigh" typeface="Microsoft Uighur"/>
         <a:font script="Geor" typeface="Sylfaen"/>
       </a:majorFont>
       <a:minorFont>
-        <a:latin typeface="Corbel" panose="020B0503020204020204"/>
+        <a:latin typeface="Trebuchet MS" panose="020B0603020202020204"/>
         <a:ea typeface=""/>
         <a:cs typeface=""/>
-        <a:font script="Jpan" typeface="HGｺﾞｼｯｸM"/>
-        <a:font script="Hang" typeface="HY엽서L"/>
-        <a:font script="Hans" typeface="华文楷体"/>
-        <a:font script="Hant" typeface="新細明體"/>
+        <a:font script="Jpan" typeface="メイリオ"/>
+        <a:font script="Hang" typeface="HY그래픽M"/>
+        <a:font script="Hans" typeface="华文新魏"/>
+        <a:font script="Hant" typeface="微軟正黑體"/>
         <a:font script="Arab" typeface="Tahoma"/>
-        <a:font script="Hebr" typeface="Miriam"/>
-        <a:font script="Thai" typeface="DilleniaUPC"/>
+        <a:font script="Hebr" typeface="Gisha"/>
+        <a:font script="Thai" typeface="IrisUPC"/>
         <a:font script="Ethi" typeface="Nyala"/>
         <a:font script="Beng" typeface="Vrinda"/>
         <a:font script="Gujr" typeface="Shruti"/>
@@ -6650,7 +6782,7 @@
         <a:font script="Geor" typeface="Sylfaen"/>
       </a:minorFont>
     </a:fontScheme>
-    <a:fmtScheme name="Параллакс">
+    <a:fmtScheme name="Грань">
       <a:fillStyleLst>
         <a:solidFill>
           <a:schemeClr val="phClr"/>
@@ -6659,13 +6791,13 @@
           <a:gsLst>
             <a:gs pos="0">
               <a:schemeClr val="phClr">
-                <a:tint val="60000"/>
-                <a:lumMod val="104000"/>
+                <a:tint val="65000"/>
+                <a:lumMod val="110000"/>
               </a:schemeClr>
             </a:gs>
-            <a:gs pos="100000">
+            <a:gs pos="88000">
               <a:schemeClr val="phClr">
-                <a:tint val="84000"/>
+                <a:tint val="90000"/>
               </a:schemeClr>
             </a:gs>
           </a:gsLst>
@@ -6676,37 +6808,33 @@
             <a:gs pos="0">
               <a:schemeClr val="phClr">
                 <a:tint val="96000"/>
-                <a:lumMod val="102000"/>
+                <a:lumMod val="100000"/>
               </a:schemeClr>
             </a:gs>
-            <a:gs pos="100000">
+            <a:gs pos="78000">
               <a:schemeClr val="phClr">
-                <a:shade val="88000"/>
+                <a:shade val="94000"/>
                 <a:lumMod val="94000"/>
               </a:schemeClr>
             </a:gs>
           </a:gsLst>
-          <a:path path="circle">
-            <a:fillToRect l="50000" t="100000" r="100000" b="50000"/>
-          </a:path>
+          <a:lin ang="5400000" scaled="0"/>
         </a:gradFill>
       </a:fillStyleLst>
       <a:lnStyleLst>
-        <a:ln w="9525" cap="rnd" cmpd="sng" algn="ctr">
-          <a:solidFill>
-            <a:schemeClr val="phClr">
-              <a:tint val="60000"/>
-            </a:schemeClr>
-          </a:solidFill>
-          <a:prstDash val="solid"/>
-        </a:ln>
-        <a:ln w="15875" cap="rnd" cmpd="sng" algn="ctr">
+        <a:ln w="12700" cap="rnd" cmpd="sng" algn="ctr">
           <a:solidFill>
             <a:schemeClr val="phClr"/>
           </a:solidFill>
           <a:prstDash val="solid"/>
         </a:ln>
-        <a:ln w="22225" cap="rnd" cmpd="sng" algn="ctr">
+        <a:ln w="19050" cap="rnd" cmpd="sng" algn="ctr">
+          <a:solidFill>
+            <a:schemeClr val="phClr"/>
+          </a:solidFill>
+          <a:prstDash val="solid"/>
+        </a:ln>
+        <a:ln w="25400" cap="rnd" cmpd="sng" algn="ctr">
           <a:solidFill>
             <a:schemeClr val="phClr"/>
           </a:solidFill>
@@ -6719,14 +6847,18 @@
         </a:effectStyle>
         <a:effectStyle>
           <a:effectLst>
-            <a:reflection blurRad="12700" stA="26000" endPos="32000" dist="12700" dir="5400000" sy="-100000" rotWithShape="0"/>
+            <a:outerShdw blurRad="38100" dist="25400" dir="5400000" rotWithShape="0">
+              <a:srgbClr val="000000">
+                <a:alpha val="35000"/>
+              </a:srgbClr>
+            </a:outerShdw>
           </a:effectLst>
         </a:effectStyle>
         <a:effectStyle>
           <a:effectLst>
-            <a:outerShdw blurRad="38100" dist="25400" dir="5400000" rotWithShape="0">
+            <a:outerShdw blurRad="50800" dist="38100" dir="5400000" rotWithShape="0">
               <a:srgbClr val="000000">
-                <a:alpha val="64000"/>
+                <a:alpha val="35000"/>
               </a:srgbClr>
             </a:outerShdw>
           </a:effectLst>
@@ -6734,12 +6866,10 @@
             <a:camera prst="orthographicFront">
               <a:rot lat="0" lon="0" rev="0"/>
             </a:camera>
-            <a:lightRig rig="threePt" dir="tl">
-              <a:rot lat="0" lon="0" rev="1200000"/>
-            </a:lightRig>
+            <a:lightRig rig="threePt" dir="tl"/>
           </a:scene3d>
-          <a:sp3d>
-            <a:bevelT w="25400" h="12700"/>
+          <a:sp3d prstMaterial="plastic">
+            <a:bevelT w="0" h="0"/>
           </a:sp3d>
         </a:effectStyle>
       </a:effectStyleLst>
@@ -6752,34 +6882,37 @@
             <a:gs pos="0">
               <a:schemeClr val="phClr">
                 <a:tint val="90000"/>
+                <a:lumMod val="104000"/>
+              </a:schemeClr>
+            </a:gs>
+            <a:gs pos="94000">
+              <a:schemeClr val="phClr">
+                <a:shade val="96000"/>
+                <a:lumMod val="82000"/>
+              </a:schemeClr>
+            </a:gs>
+          </a:gsLst>
+          <a:lin ang="5400000" scaled="0"/>
+        </a:gradFill>
+        <a:gradFill rotWithShape="1">
+          <a:gsLst>
+            <a:gs pos="0">
+              <a:schemeClr val="phClr">
+                <a:tint val="90000"/>
                 <a:lumMod val="110000"/>
               </a:schemeClr>
             </a:gs>
             <a:gs pos="100000">
               <a:schemeClr val="phClr">
-                <a:shade val="64000"/>
-                <a:lumMod val="98000"/>
+                <a:shade val="94000"/>
+                <a:lumMod val="96000"/>
               </a:schemeClr>
             </a:gs>
           </a:gsLst>
-          <a:lin ang="5400000" scaled="0"/>
+          <a:path path="circle">
+            <a:fillToRect l="50000" t="50000" r="100000" b="100000"/>
+          </a:path>
         </a:gradFill>
-        <a:blipFill rotWithShape="1">
-          <a:blip xmlns:r="http://schemas.openxmlformats.org/officeDocument/2006/relationships" r:embed="rId1">
-            <a:duotone>
-              <a:schemeClr val="phClr">
-                <a:shade val="76000"/>
-                <a:satMod val="180000"/>
-              </a:schemeClr>
-              <a:schemeClr val="phClr">
-                <a:tint val="80000"/>
-                <a:satMod val="120000"/>
-                <a:lumMod val="180000"/>
-              </a:schemeClr>
-            </a:duotone>
-          </a:blip>
-          <a:stretch/>
-        </a:blipFill>
       </a:bgFillStyleLst>
     </a:fmtScheme>
   </a:themeElements>
@@ -6787,7 +6920,268 @@
   <a:extraClrSchemeLst/>
   <a:extLst>
     <a:ext uri="{05A4C25C-085E-4340-85A3-A5531E510DB2}">
-      <thm15:themeFamily xmlns:thm15="http://schemas.microsoft.com/office/thememl/2012/main" name="Parallax" id="{3388167B-A2EB-4685-9635-1831D9AEF8C4}" vid="{4F7A876A-7598-49CA-AFC8-8EDA2551E4A7}"/>
+      <thm15:themeFamily xmlns:thm15="http://schemas.microsoft.com/office/thememl/2012/main" name="Facet" id="{C0C680CD-088A-49FC-A102-D699147F32B2}" vid="{0B5AB586-D108-4FC1-8368-649FE654B894}"/>
+    </a:ext>
+  </a:extLst>
+</a:theme>
+</file>
+
+<file path=ppt/theme/theme2.xml><?xml version="1.0" encoding="utf-8"?>
+<a:theme xmlns:a="http://schemas.openxmlformats.org/drawingml/2006/main" name="Тема Office">
+  <a:themeElements>
+    <a:clrScheme name="Стандартная">
+      <a:dk1>
+        <a:sysClr val="windowText" lastClr="000000"/>
+      </a:dk1>
+      <a:lt1>
+        <a:sysClr val="window" lastClr="FFFFFF"/>
+      </a:lt1>
+      <a:dk2>
+        <a:srgbClr val="44546A"/>
+      </a:dk2>
+      <a:lt2>
+        <a:srgbClr val="E7E6E6"/>
+      </a:lt2>
+      <a:accent1>
+        <a:srgbClr val="5B9BD5"/>
+      </a:accent1>
+      <a:accent2>
+        <a:srgbClr val="ED7D31"/>
+      </a:accent2>
+      <a:accent3>
+        <a:srgbClr val="A5A5A5"/>
+      </a:accent3>
+      <a:accent4>
+        <a:srgbClr val="FFC000"/>
+      </a:accent4>
+      <a:accent5>
+        <a:srgbClr val="4472C4"/>
+      </a:accent5>
+      <a:accent6>
+        <a:srgbClr val="70AD47"/>
+      </a:accent6>
+      <a:hlink>
+        <a:srgbClr val="0563C1"/>
+      </a:hlink>
+      <a:folHlink>
+        <a:srgbClr val="954F72"/>
+      </a:folHlink>
+    </a:clrScheme>
+    <a:fontScheme name="Стандартная">
+      <a:majorFont>
+        <a:latin typeface="Calibri Light" panose="020F0302020204030204"/>
+        <a:ea typeface=""/>
+        <a:cs typeface=""/>
+        <a:font script="Jpan" typeface="ＭＳ Ｐゴシック"/>
+        <a:font script="Hang" typeface="맑은 고딕"/>
+        <a:font script="Hans" typeface="宋体"/>
+        <a:font script="Hant" typeface="新細明體"/>
+        <a:font script="Arab" typeface="Times New Roman"/>
+        <a:font script="Hebr" typeface="Times New Roman"/>
+        <a:font script="Thai" typeface="Angsana New"/>
+        <a:font script="Ethi" typeface="Nyala"/>
+        <a:font script="Beng" typeface="Vrinda"/>
+        <a:font script="Gujr" typeface="Shruti"/>
+        <a:font script="Khmr" typeface="MoolBoran"/>
+        <a:font script="Knda" typeface="Tunga"/>
+        <a:font script="Guru" typeface="Raavi"/>
+        <a:font script="Cans" typeface="Euphemia"/>
+        <a:font script="Cher" typeface="Plantagenet Cherokee"/>
+        <a:font script="Yiii" typeface="Microsoft Yi Baiti"/>
+        <a:font script="Tibt" typeface="Microsoft Himalaya"/>
+        <a:font script="Thaa" typeface="MV Boli"/>
+        <a:font script="Deva" typeface="Mangal"/>
+        <a:font script="Telu" typeface="Gautami"/>
+        <a:font script="Taml" typeface="Latha"/>
+        <a:font script="Syrc" typeface="Estrangelo Edessa"/>
+        <a:font script="Orya" typeface="Kalinga"/>
+        <a:font script="Mlym" typeface="Kartika"/>
+        <a:font script="Laoo" typeface="DokChampa"/>
+        <a:font script="Sinh" typeface="Iskoola Pota"/>
+        <a:font script="Mong" typeface="Mongolian Baiti"/>
+        <a:font script="Viet" typeface="Times New Roman"/>
+        <a:font script="Uigh" typeface="Microsoft Uighur"/>
+        <a:font script="Geor" typeface="Sylfaen"/>
+      </a:majorFont>
+      <a:minorFont>
+        <a:latin typeface="Calibri" panose="020F0502020204030204"/>
+        <a:ea typeface=""/>
+        <a:cs typeface=""/>
+        <a:font script="Jpan" typeface="ＭＳ Ｐゴシック"/>
+        <a:font script="Hang" typeface="맑은 고딕"/>
+        <a:font script="Hans" typeface="宋体"/>
+        <a:font script="Hant" typeface="新細明體"/>
+        <a:font script="Arab" typeface="Arial"/>
+        <a:font script="Hebr" typeface="Arial"/>
+        <a:font script="Thai" typeface="Cordia New"/>
+        <a:font script="Ethi" typeface="Nyala"/>
+        <a:font script="Beng" typeface="Vrinda"/>
+        <a:font script="Gujr" typeface="Shruti"/>
+        <a:font script="Khmr" typeface="DaunPenh"/>
+        <a:font script="Knda" typeface="Tunga"/>
+        <a:font script="Guru" typeface="Raavi"/>
+        <a:font script="Cans" typeface="Euphemia"/>
+        <a:font script="Cher" typeface="Plantagenet Cherokee"/>
+        <a:font script="Yiii" typeface="Microsoft Yi Baiti"/>
+        <a:font script="Tibt" typeface="Microsoft Himalaya"/>
+        <a:font script="Thaa" typeface="MV Boli"/>
+        <a:font script="Deva" typeface="Mangal"/>
+        <a:font script="Telu" typeface="Gautami"/>
+        <a:font script="Taml" typeface="Latha"/>
+        <a:font script="Syrc" typeface="Estrangelo Edessa"/>
+        <a:font script="Orya" typeface="Kalinga"/>
+        <a:font script="Mlym" typeface="Kartika"/>
+        <a:font script="Laoo" typeface="DokChampa"/>
+        <a:font script="Sinh" typeface="Iskoola Pota"/>
+        <a:font script="Mong" typeface="Mongolian Baiti"/>
+        <a:font script="Viet" typeface="Arial"/>
+        <a:font script="Uigh" typeface="Microsoft Uighur"/>
+        <a:font script="Geor" typeface="Sylfaen"/>
+      </a:minorFont>
+    </a:fontScheme>
+    <a:fmtScheme name="Стандартная">
+      <a:fillStyleLst>
+        <a:solidFill>
+          <a:schemeClr val="phClr"/>
+        </a:solidFill>
+        <a:gradFill rotWithShape="1">
+          <a:gsLst>
+            <a:gs pos="0">
+              <a:schemeClr val="phClr">
+                <a:lumMod val="110000"/>
+                <a:satMod val="105000"/>
+                <a:tint val="67000"/>
+              </a:schemeClr>
+            </a:gs>
+            <a:gs pos="50000">
+              <a:schemeClr val="phClr">
+                <a:lumMod val="105000"/>
+                <a:satMod val="103000"/>
+                <a:tint val="73000"/>
+              </a:schemeClr>
+            </a:gs>
+            <a:gs pos="100000">
+              <a:schemeClr val="phClr">
+                <a:lumMod val="105000"/>
+                <a:satMod val="109000"/>
+                <a:tint val="81000"/>
+              </a:schemeClr>
+            </a:gs>
+          </a:gsLst>
+          <a:lin ang="5400000" scaled="0"/>
+        </a:gradFill>
+        <a:gradFill rotWithShape="1">
+          <a:gsLst>
+            <a:gs pos="0">
+              <a:schemeClr val="phClr">
+                <a:satMod val="103000"/>
+                <a:lumMod val="102000"/>
+                <a:tint val="94000"/>
+              </a:schemeClr>
+            </a:gs>
+            <a:gs pos="50000">
+              <a:schemeClr val="phClr">
+                <a:satMod val="110000"/>
+                <a:lumMod val="100000"/>
+                <a:shade val="100000"/>
+              </a:schemeClr>
+            </a:gs>
+            <a:gs pos="100000">
+              <a:schemeClr val="phClr">
+                <a:lumMod val="99000"/>
+                <a:satMod val="120000"/>
+                <a:shade val="78000"/>
+              </a:schemeClr>
+            </a:gs>
+          </a:gsLst>
+          <a:lin ang="5400000" scaled="0"/>
+        </a:gradFill>
+      </a:fillStyleLst>
+      <a:lnStyleLst>
+        <a:ln w="6350" cap="flat" cmpd="sng" algn="ctr">
+          <a:solidFill>
+            <a:schemeClr val="phClr"/>
+          </a:solidFill>
+          <a:prstDash val="solid"/>
+          <a:miter lim="800000"/>
+        </a:ln>
+        <a:ln w="12700" cap="flat" cmpd="sng" algn="ctr">
+          <a:solidFill>
+            <a:schemeClr val="phClr"/>
+          </a:solidFill>
+          <a:prstDash val="solid"/>
+          <a:miter lim="800000"/>
+        </a:ln>
+        <a:ln w="19050" cap="flat" cmpd="sng" algn="ctr">
+          <a:solidFill>
+            <a:schemeClr val="phClr"/>
+          </a:solidFill>
+          <a:prstDash val="solid"/>
+          <a:miter lim="800000"/>
+        </a:ln>
+      </a:lnStyleLst>
+      <a:effectStyleLst>
+        <a:effectStyle>
+          <a:effectLst/>
+        </a:effectStyle>
+        <a:effectStyle>
+          <a:effectLst/>
+        </a:effectStyle>
+        <a:effectStyle>
+          <a:effectLst>
+            <a:outerShdw blurRad="57150" dist="19050" dir="5400000" algn="ctr" rotWithShape="0">
+              <a:srgbClr val="000000">
+                <a:alpha val="63000"/>
+              </a:srgbClr>
+            </a:outerShdw>
+          </a:effectLst>
+        </a:effectStyle>
+      </a:effectStyleLst>
+      <a:bgFillStyleLst>
+        <a:solidFill>
+          <a:schemeClr val="phClr"/>
+        </a:solidFill>
+        <a:solidFill>
+          <a:schemeClr val="phClr">
+            <a:tint val="95000"/>
+            <a:satMod val="170000"/>
+          </a:schemeClr>
+        </a:solidFill>
+        <a:gradFill rotWithShape="1">
+          <a:gsLst>
+            <a:gs pos="0">
+              <a:schemeClr val="phClr">
+                <a:tint val="93000"/>
+                <a:satMod val="150000"/>
+                <a:shade val="98000"/>
+                <a:lumMod val="102000"/>
+              </a:schemeClr>
+            </a:gs>
+            <a:gs pos="50000">
+              <a:schemeClr val="phClr">
+                <a:tint val="98000"/>
+                <a:satMod val="130000"/>
+                <a:shade val="90000"/>
+                <a:lumMod val="103000"/>
+              </a:schemeClr>
+            </a:gs>
+            <a:gs pos="100000">
+              <a:schemeClr val="phClr">
+                <a:shade val="63000"/>
+                <a:satMod val="120000"/>
+              </a:schemeClr>
+            </a:gs>
+          </a:gsLst>
+          <a:lin ang="5400000" scaled="0"/>
+        </a:gradFill>
+      </a:bgFillStyleLst>
+    </a:fmtScheme>
+  </a:themeElements>
+  <a:objectDefaults/>
+  <a:extraClrSchemeLst/>
+  <a:extLst>
+    <a:ext uri="{05A4C25C-085E-4340-85A3-A5531E510DB2}">
+      <thm15:themeFamily xmlns:thm15="http://schemas.microsoft.com/office/thememl/2012/main" name="Office Theme" id="{62F939B6-93AF-4DB8-9C6B-D6C7DFDC589F}" vid="{4A3C46E8-61CC-4603-A589-7422A47A8E4A}"/>
     </a:ext>
   </a:extLst>
 </a:theme>

--- a/3architecture/Architecture.pptx
+++ b/3architecture/Architecture.pptx
@@ -198,7 +198,7 @@
           <a:p>
             <a:fld id="{28BDC9D7-E9CB-40B4-A15E-AA970C358381}" type="datetimeFigureOut">
               <a:rPr lang="en-US" smtClean="0"/>
-              <a:t>4/21/2016</a:t>
+              <a:t>4/22/2016</a:t>
             </a:fld>
             <a:endParaRPr lang="en-US"/>
           </a:p>
@@ -1295,7 +1295,7 @@
           <a:p>
             <a:fld id="{A7A44A2C-D3DA-463E-847C-1BD2FBBDC97F}" type="datetimeFigureOut">
               <a:rPr lang="en-US" smtClean="0"/>
-              <a:t>4/21/2016</a:t>
+              <a:t>4/22/2016</a:t>
             </a:fld>
             <a:endParaRPr lang="en-US"/>
           </a:p>
@@ -1546,7 +1546,7 @@
           <a:p>
             <a:fld id="{A7A44A2C-D3DA-463E-847C-1BD2FBBDC97F}" type="datetimeFigureOut">
               <a:rPr lang="en-US" smtClean="0"/>
-              <a:t>4/21/2016</a:t>
+              <a:t>4/22/2016</a:t>
             </a:fld>
             <a:endParaRPr lang="en-US"/>
           </a:p>
@@ -1860,7 +1860,7 @@
           <a:p>
             <a:fld id="{A7A44A2C-D3DA-463E-847C-1BD2FBBDC97F}" type="datetimeFigureOut">
               <a:rPr lang="en-US" smtClean="0"/>
-              <a:t>4/21/2016</a:t>
+              <a:t>4/22/2016</a:t>
             </a:fld>
             <a:endParaRPr lang="en-US"/>
           </a:p>
@@ -2193,7 +2193,7 @@
           <a:p>
             <a:fld id="{A7A44A2C-D3DA-463E-847C-1BD2FBBDC97F}" type="datetimeFigureOut">
               <a:rPr lang="en-US" smtClean="0"/>
-              <a:t>4/21/2016</a:t>
+              <a:t>4/22/2016</a:t>
             </a:fld>
             <a:endParaRPr lang="en-US"/>
           </a:p>
@@ -2507,7 +2507,7 @@
           <a:p>
             <a:fld id="{A7A44A2C-D3DA-463E-847C-1BD2FBBDC97F}" type="datetimeFigureOut">
               <a:rPr lang="en-US" smtClean="0"/>
-              <a:t>4/21/2016</a:t>
+              <a:t>4/22/2016</a:t>
             </a:fld>
             <a:endParaRPr lang="en-US"/>
           </a:p>
@@ -2900,7 +2900,7 @@
           <a:p>
             <a:fld id="{A7A44A2C-D3DA-463E-847C-1BD2FBBDC97F}" type="datetimeFigureOut">
               <a:rPr lang="en-US" smtClean="0"/>
-              <a:t>4/21/2016</a:t>
+              <a:t>4/22/2016</a:t>
             </a:fld>
             <a:endParaRPr lang="en-US"/>
           </a:p>
@@ -3070,7 +3070,7 @@
           <a:p>
             <a:fld id="{A7A44A2C-D3DA-463E-847C-1BD2FBBDC97F}" type="datetimeFigureOut">
               <a:rPr lang="en-US" smtClean="0"/>
-              <a:t>4/21/2016</a:t>
+              <a:t>4/22/2016</a:t>
             </a:fld>
             <a:endParaRPr lang="en-US"/>
           </a:p>
@@ -3250,7 +3250,7 @@
           <a:p>
             <a:fld id="{A7A44A2C-D3DA-463E-847C-1BD2FBBDC97F}" type="datetimeFigureOut">
               <a:rPr lang="en-US" smtClean="0"/>
-              <a:t>4/21/2016</a:t>
+              <a:t>4/22/2016</a:t>
             </a:fld>
             <a:endParaRPr lang="en-US"/>
           </a:p>
@@ -3420,7 +3420,7 @@
           <a:p>
             <a:fld id="{A7A44A2C-D3DA-463E-847C-1BD2FBBDC97F}" type="datetimeFigureOut">
               <a:rPr lang="en-US" smtClean="0"/>
-              <a:t>4/21/2016</a:t>
+              <a:t>4/22/2016</a:t>
             </a:fld>
             <a:endParaRPr lang="en-US"/>
           </a:p>
@@ -3667,7 +3667,7 @@
           <a:p>
             <a:fld id="{A7A44A2C-D3DA-463E-847C-1BD2FBBDC97F}" type="datetimeFigureOut">
               <a:rPr lang="en-US" smtClean="0"/>
-              <a:t>4/21/2016</a:t>
+              <a:t>4/22/2016</a:t>
             </a:fld>
             <a:endParaRPr lang="en-US"/>
           </a:p>
@@ -3899,7 +3899,7 @@
           <a:p>
             <a:fld id="{A7A44A2C-D3DA-463E-847C-1BD2FBBDC97F}" type="datetimeFigureOut">
               <a:rPr lang="en-US" smtClean="0"/>
-              <a:t>4/21/2016</a:t>
+              <a:t>4/22/2016</a:t>
             </a:fld>
             <a:endParaRPr lang="en-US"/>
           </a:p>
@@ -4273,7 +4273,7 @@
           <a:p>
             <a:fld id="{A7A44A2C-D3DA-463E-847C-1BD2FBBDC97F}" type="datetimeFigureOut">
               <a:rPr lang="en-US" smtClean="0"/>
-              <a:t>4/21/2016</a:t>
+              <a:t>4/22/2016</a:t>
             </a:fld>
             <a:endParaRPr lang="en-US"/>
           </a:p>
@@ -4396,7 +4396,7 @@
           <a:p>
             <a:fld id="{A7A44A2C-D3DA-463E-847C-1BD2FBBDC97F}" type="datetimeFigureOut">
               <a:rPr lang="en-US" smtClean="0"/>
-              <a:t>4/21/2016</a:t>
+              <a:t>4/22/2016</a:t>
             </a:fld>
             <a:endParaRPr lang="en-US"/>
           </a:p>
@@ -4491,7 +4491,7 @@
           <a:p>
             <a:fld id="{A7A44A2C-D3DA-463E-847C-1BD2FBBDC97F}" type="datetimeFigureOut">
               <a:rPr lang="en-US" smtClean="0"/>
-              <a:t>4/21/2016</a:t>
+              <a:t>4/22/2016</a:t>
             </a:fld>
             <a:endParaRPr lang="en-US"/>
           </a:p>
@@ -4746,7 +4746,7 @@
           <a:p>
             <a:fld id="{A7A44A2C-D3DA-463E-847C-1BD2FBBDC97F}" type="datetimeFigureOut">
               <a:rPr lang="en-US" smtClean="0"/>
-              <a:t>4/21/2016</a:t>
+              <a:t>4/22/2016</a:t>
             </a:fld>
             <a:endParaRPr lang="en-US"/>
           </a:p>
@@ -5051,7 +5051,7 @@
           <a:p>
             <a:fld id="{A7A44A2C-D3DA-463E-847C-1BD2FBBDC97F}" type="datetimeFigureOut">
               <a:rPr lang="en-US" smtClean="0"/>
-              <a:t>4/21/2016</a:t>
+              <a:t>4/22/2016</a:t>
             </a:fld>
             <a:endParaRPr lang="en-US"/>
           </a:p>
@@ -5753,7 +5753,7 @@
           <a:p>
             <a:fld id="{A7A44A2C-D3DA-463E-847C-1BD2FBBDC97F}" type="datetimeFigureOut">
               <a:rPr lang="en-US" smtClean="0"/>
-              <a:t>4/21/2016</a:t>
+              <a:t>4/22/2016</a:t>
             </a:fld>
             <a:endParaRPr lang="en-US"/>
           </a:p>
@@ -6465,36 +6465,48 @@
       </p:sp>
       <p:pic>
         <p:nvPicPr>
-          <p:cNvPr id="4" name="Объект 3"/>
+          <p:cNvPr id="1026" name="Picture 2" descr="http://smashingboxes.com/media/W1siZiIsIjIwMTUvMTAvMjAvMTAvNDQvNTMvNjk3L1JlYWN0XzEuMC5wbmciXV0/React%201.0.png?sha=886b9b43c826ec79"/>
           <p:cNvPicPr>
-            <a:picLocks noGrp="1" noChangeAspect="1"/>
+            <a:picLocks noChangeAspect="1" noChangeArrowheads="1"/>
           </p:cNvPicPr>
-          <p:nvPr>
-            <p:ph idx="1"/>
-          </p:nvPr>
+          <p:nvPr/>
         </p:nvPicPr>
         <p:blipFill>
-          <a:blip r:embed="rId3">
+          <a:blip r:embed="rId3" cstate="print">
             <a:extLst>
               <a:ext uri="{28A0092B-C50C-407E-A947-70E740481C1C}">
                 <a14:useLocalDpi xmlns:a14="http://schemas.microsoft.com/office/drawing/2010/main" val="0"/>
               </a:ext>
             </a:extLst>
           </a:blip>
+          <a:srcRect/>
           <a:stretch>
             <a:fillRect/>
           </a:stretch>
         </p:blipFill>
-        <p:spPr>
+        <p:spPr bwMode="auto">
           <a:xfrm>
-            <a:off x="1380011" y="969316"/>
-            <a:ext cx="8050592" cy="4380606"/>
+            <a:off x="447082" y="5196385"/>
+            <a:ext cx="2074460" cy="989462"/>
           </a:xfrm>
+          <a:prstGeom prst="rect">
+            <a:avLst/>
+          </a:prstGeom>
+          <a:noFill/>
+          <a:extLst>
+            <a:ext uri="{909E8E84-426E-40DD-AFC4-6F175D3DCCD1}">
+              <a14:hiddenFill xmlns:a14="http://schemas.microsoft.com/office/drawing/2010/main">
+                <a:solidFill>
+                  <a:srgbClr val="FFFFFF"/>
+                </a:solidFill>
+              </a14:hiddenFill>
+            </a:ext>
+          </a:extLst>
         </p:spPr>
       </p:pic>
       <p:pic>
         <p:nvPicPr>
-          <p:cNvPr id="1026" name="Picture 2" descr="http://smashingboxes.com/media/W1siZiIsIjIwMTUvMTAvMjAvMTAvNDQvNTMvNjk3L1JlYWN0XzEuMC5wbmciXV0/React%201.0.png?sha=886b9b43c826ec79"/>
+          <p:cNvPr id="1028" name="Picture 4" descr="http://dab1nmslvvntp.cloudfront.net/wp-content/uploads/2015/07/1436439824nodejs-logo.png"/>
           <p:cNvPicPr>
             <a:picLocks noChangeAspect="1" noChangeArrowheads="1"/>
           </p:cNvPicPr>
@@ -6515,48 +6527,7 @@
         </p:blipFill>
         <p:spPr bwMode="auto">
           <a:xfrm>
-            <a:off x="447082" y="5537579"/>
-            <a:ext cx="2074460" cy="989462"/>
-          </a:xfrm>
-          <a:prstGeom prst="rect">
-            <a:avLst/>
-          </a:prstGeom>
-          <a:noFill/>
-          <a:extLst>
-            <a:ext uri="{909E8E84-426E-40DD-AFC4-6F175D3DCCD1}">
-              <a14:hiddenFill xmlns:a14="http://schemas.microsoft.com/office/drawing/2010/main">
-                <a:solidFill>
-                  <a:srgbClr val="FFFFFF"/>
-                </a:solidFill>
-              </a14:hiddenFill>
-            </a:ext>
-          </a:extLst>
-        </p:spPr>
-      </p:pic>
-      <p:pic>
-        <p:nvPicPr>
-          <p:cNvPr id="1028" name="Picture 4" descr="http://dab1nmslvvntp.cloudfront.net/wp-content/uploads/2015/07/1436439824nodejs-logo.png"/>
-          <p:cNvPicPr>
-            <a:picLocks noChangeAspect="1" noChangeArrowheads="1"/>
-          </p:cNvPicPr>
-          <p:nvPr/>
-        </p:nvPicPr>
-        <p:blipFill>
-          <a:blip r:embed="rId5" cstate="print">
-            <a:extLst>
-              <a:ext uri="{28A0092B-C50C-407E-A947-70E740481C1C}">
-                <a14:useLocalDpi xmlns:a14="http://schemas.microsoft.com/office/drawing/2010/main" val="0"/>
-              </a:ext>
-            </a:extLst>
-          </a:blip>
-          <a:srcRect/>
-          <a:stretch>
-            <a:fillRect/>
-          </a:stretch>
-        </p:blipFill>
-        <p:spPr bwMode="auto">
-          <a:xfrm>
-            <a:off x="7330538" y="5349922"/>
+            <a:off x="5037250" y="5755942"/>
             <a:ext cx="2269393" cy="1119117"/>
           </a:xfrm>
           <a:prstGeom prst="rect">
@@ -6583,7 +6554,7 @@
           <p:nvPr/>
         </p:nvPicPr>
         <p:blipFill>
-          <a:blip r:embed="rId6">
+          <a:blip r:embed="rId5">
             <a:extLst>
               <a:ext uri="{28A0092B-C50C-407E-A947-70E740481C1C}">
                 <a14:useLocalDpi xmlns:a14="http://schemas.microsoft.com/office/drawing/2010/main" val="0"/>
@@ -6597,7 +6568,7 @@
         </p:blipFill>
         <p:spPr bwMode="auto">
           <a:xfrm>
-            <a:off x="4942887" y="5627426"/>
+            <a:off x="4307353" y="5295331"/>
             <a:ext cx="2214563" cy="660638"/>
           </a:xfrm>
           <a:prstGeom prst="rect">
@@ -6624,7 +6595,7 @@
           <p:nvPr/>
         </p:nvPicPr>
         <p:blipFill>
-          <a:blip r:embed="rId7" cstate="print">
+          <a:blip r:embed="rId6" cstate="print">
             <a:extLst>
               <a:ext uri="{28A0092B-C50C-407E-A947-70E740481C1C}">
                 <a14:useLocalDpi xmlns:a14="http://schemas.microsoft.com/office/drawing/2010/main" val="0"/>
@@ -6638,8 +6609,78 @@
         </p:blipFill>
         <p:spPr bwMode="auto">
           <a:xfrm>
-            <a:off x="2767094" y="5627426"/>
+            <a:off x="2630724" y="5234413"/>
             <a:ext cx="868008" cy="809768"/>
+          </a:xfrm>
+          <a:prstGeom prst="rect">
+            <a:avLst/>
+          </a:prstGeom>
+          <a:noFill/>
+          <a:extLst>
+            <a:ext uri="{909E8E84-426E-40DD-AFC4-6F175D3DCCD1}">
+              <a14:hiddenFill xmlns:a14="http://schemas.microsoft.com/office/drawing/2010/main">
+                <a:solidFill>
+                  <a:srgbClr val="FFFFFF"/>
+                </a:solidFill>
+              </a14:hiddenFill>
+            </a:ext>
+          </a:extLst>
+        </p:spPr>
+      </p:pic>
+      <p:pic>
+        <p:nvPicPr>
+          <p:cNvPr id="6" name="Объект 5"/>
+          <p:cNvPicPr>
+            <a:picLocks noGrp="1" noChangeAspect="1"/>
+          </p:cNvPicPr>
+          <p:nvPr>
+            <p:ph idx="1"/>
+          </p:nvPr>
+        </p:nvPicPr>
+        <p:blipFill>
+          <a:blip r:embed="rId7">
+            <a:extLst>
+              <a:ext uri="{28A0092B-C50C-407E-A947-70E740481C1C}">
+                <a14:useLocalDpi xmlns:a14="http://schemas.microsoft.com/office/drawing/2010/main" val="0"/>
+              </a:ext>
+            </a:extLst>
+          </a:blip>
+          <a:stretch>
+            <a:fillRect/>
+          </a:stretch>
+        </p:blipFill>
+        <p:spPr>
+          <a:xfrm>
+            <a:off x="1484312" y="727573"/>
+            <a:ext cx="7345788" cy="4468812"/>
+          </a:xfrm>
+        </p:spPr>
+      </p:pic>
+      <p:pic>
+        <p:nvPicPr>
+          <p:cNvPr id="7" name="Picture 2" descr="http://www.epimorphics.com/web/sites/all/documents/jena-logo-large.png"/>
+          <p:cNvPicPr>
+            <a:picLocks noChangeAspect="1" noChangeArrowheads="1"/>
+          </p:cNvPicPr>
+          <p:nvPr/>
+        </p:nvPicPr>
+        <p:blipFill>
+          <a:blip r:embed="rId8">
+            <a:extLst>
+              <a:ext uri="{28A0092B-C50C-407E-A947-70E740481C1C}">
+                <a14:useLocalDpi xmlns:a14="http://schemas.microsoft.com/office/drawing/2010/main" val="0"/>
+              </a:ext>
+            </a:extLst>
+          </a:blip>
+          <a:srcRect/>
+          <a:stretch>
+            <a:fillRect/>
+          </a:stretch>
+        </p:blipFill>
+        <p:spPr bwMode="auto">
+          <a:xfrm>
+            <a:off x="6874799" y="5313030"/>
+            <a:ext cx="1504950" cy="885825"/>
           </a:xfrm>
           <a:prstGeom prst="rect">
             <a:avLst/>

--- a/3architecture/Architecture.pptx
+++ b/3architecture/Architecture.pptx
@@ -198,7 +198,7 @@
           <a:p>
             <a:fld id="{28BDC9D7-E9CB-40B4-A15E-AA970C358381}" type="datetimeFigureOut">
               <a:rPr lang="en-US" smtClean="0"/>
-              <a:t>4/22/2016</a:t>
+              <a:t>4/27/2016</a:t>
             </a:fld>
             <a:endParaRPr lang="en-US"/>
           </a:p>
@@ -1295,7 +1295,7 @@
           <a:p>
             <a:fld id="{A7A44A2C-D3DA-463E-847C-1BD2FBBDC97F}" type="datetimeFigureOut">
               <a:rPr lang="en-US" smtClean="0"/>
-              <a:t>4/22/2016</a:t>
+              <a:t>4/27/2016</a:t>
             </a:fld>
             <a:endParaRPr lang="en-US"/>
           </a:p>
@@ -1546,7 +1546,7 @@
           <a:p>
             <a:fld id="{A7A44A2C-D3DA-463E-847C-1BD2FBBDC97F}" type="datetimeFigureOut">
               <a:rPr lang="en-US" smtClean="0"/>
-              <a:t>4/22/2016</a:t>
+              <a:t>4/27/2016</a:t>
             </a:fld>
             <a:endParaRPr lang="en-US"/>
           </a:p>
@@ -1860,7 +1860,7 @@
           <a:p>
             <a:fld id="{A7A44A2C-D3DA-463E-847C-1BD2FBBDC97F}" type="datetimeFigureOut">
               <a:rPr lang="en-US" smtClean="0"/>
-              <a:t>4/22/2016</a:t>
+              <a:t>4/27/2016</a:t>
             </a:fld>
             <a:endParaRPr lang="en-US"/>
           </a:p>
@@ -2193,7 +2193,7 @@
           <a:p>
             <a:fld id="{A7A44A2C-D3DA-463E-847C-1BD2FBBDC97F}" type="datetimeFigureOut">
               <a:rPr lang="en-US" smtClean="0"/>
-              <a:t>4/22/2016</a:t>
+              <a:t>4/27/2016</a:t>
             </a:fld>
             <a:endParaRPr lang="en-US"/>
           </a:p>
@@ -2507,7 +2507,7 @@
           <a:p>
             <a:fld id="{A7A44A2C-D3DA-463E-847C-1BD2FBBDC97F}" type="datetimeFigureOut">
               <a:rPr lang="en-US" smtClean="0"/>
-              <a:t>4/22/2016</a:t>
+              <a:t>4/27/2016</a:t>
             </a:fld>
             <a:endParaRPr lang="en-US"/>
           </a:p>
@@ -2900,7 +2900,7 @@
           <a:p>
             <a:fld id="{A7A44A2C-D3DA-463E-847C-1BD2FBBDC97F}" type="datetimeFigureOut">
               <a:rPr lang="en-US" smtClean="0"/>
-              <a:t>4/22/2016</a:t>
+              <a:t>4/27/2016</a:t>
             </a:fld>
             <a:endParaRPr lang="en-US"/>
           </a:p>
@@ -3070,7 +3070,7 @@
           <a:p>
             <a:fld id="{A7A44A2C-D3DA-463E-847C-1BD2FBBDC97F}" type="datetimeFigureOut">
               <a:rPr lang="en-US" smtClean="0"/>
-              <a:t>4/22/2016</a:t>
+              <a:t>4/27/2016</a:t>
             </a:fld>
             <a:endParaRPr lang="en-US"/>
           </a:p>
@@ -3250,7 +3250,7 @@
           <a:p>
             <a:fld id="{A7A44A2C-D3DA-463E-847C-1BD2FBBDC97F}" type="datetimeFigureOut">
               <a:rPr lang="en-US" smtClean="0"/>
-              <a:t>4/22/2016</a:t>
+              <a:t>4/27/2016</a:t>
             </a:fld>
             <a:endParaRPr lang="en-US"/>
           </a:p>
@@ -3420,7 +3420,7 @@
           <a:p>
             <a:fld id="{A7A44A2C-D3DA-463E-847C-1BD2FBBDC97F}" type="datetimeFigureOut">
               <a:rPr lang="en-US" smtClean="0"/>
-              <a:t>4/22/2016</a:t>
+              <a:t>4/27/2016</a:t>
             </a:fld>
             <a:endParaRPr lang="en-US"/>
           </a:p>
@@ -3667,7 +3667,7 @@
           <a:p>
             <a:fld id="{A7A44A2C-D3DA-463E-847C-1BD2FBBDC97F}" type="datetimeFigureOut">
               <a:rPr lang="en-US" smtClean="0"/>
-              <a:t>4/22/2016</a:t>
+              <a:t>4/27/2016</a:t>
             </a:fld>
             <a:endParaRPr lang="en-US"/>
           </a:p>
@@ -3899,7 +3899,7 @@
           <a:p>
             <a:fld id="{A7A44A2C-D3DA-463E-847C-1BD2FBBDC97F}" type="datetimeFigureOut">
               <a:rPr lang="en-US" smtClean="0"/>
-              <a:t>4/22/2016</a:t>
+              <a:t>4/27/2016</a:t>
             </a:fld>
             <a:endParaRPr lang="en-US"/>
           </a:p>
@@ -4273,7 +4273,7 @@
           <a:p>
             <a:fld id="{A7A44A2C-D3DA-463E-847C-1BD2FBBDC97F}" type="datetimeFigureOut">
               <a:rPr lang="en-US" smtClean="0"/>
-              <a:t>4/22/2016</a:t>
+              <a:t>4/27/2016</a:t>
             </a:fld>
             <a:endParaRPr lang="en-US"/>
           </a:p>
@@ -4396,7 +4396,7 @@
           <a:p>
             <a:fld id="{A7A44A2C-D3DA-463E-847C-1BD2FBBDC97F}" type="datetimeFigureOut">
               <a:rPr lang="en-US" smtClean="0"/>
-              <a:t>4/22/2016</a:t>
+              <a:t>4/27/2016</a:t>
             </a:fld>
             <a:endParaRPr lang="en-US"/>
           </a:p>
@@ -4491,7 +4491,7 @@
           <a:p>
             <a:fld id="{A7A44A2C-D3DA-463E-847C-1BD2FBBDC97F}" type="datetimeFigureOut">
               <a:rPr lang="en-US" smtClean="0"/>
-              <a:t>4/22/2016</a:t>
+              <a:t>4/27/2016</a:t>
             </a:fld>
             <a:endParaRPr lang="en-US"/>
           </a:p>
@@ -4746,7 +4746,7 @@
           <a:p>
             <a:fld id="{A7A44A2C-D3DA-463E-847C-1BD2FBBDC97F}" type="datetimeFigureOut">
               <a:rPr lang="en-US" smtClean="0"/>
-              <a:t>4/22/2016</a:t>
+              <a:t>4/27/2016</a:t>
             </a:fld>
             <a:endParaRPr lang="en-US"/>
           </a:p>
@@ -5051,7 +5051,7 @@
           <a:p>
             <a:fld id="{A7A44A2C-D3DA-463E-847C-1BD2FBBDC97F}" type="datetimeFigureOut">
               <a:rPr lang="en-US" smtClean="0"/>
-              <a:t>4/22/2016</a:t>
+              <a:t>4/27/2016</a:t>
             </a:fld>
             <a:endParaRPr lang="en-US"/>
           </a:p>
@@ -5753,7 +5753,7 @@
           <a:p>
             <a:fld id="{A7A44A2C-D3DA-463E-847C-1BD2FBBDC97F}" type="datetimeFigureOut">
               <a:rPr lang="en-US" smtClean="0"/>
-              <a:t>4/22/2016</a:t>
+              <a:t>4/27/2016</a:t>
             </a:fld>
             <a:endParaRPr lang="en-US"/>
           </a:p>
@@ -6295,14 +6295,27 @@
         </p:spPr>
         <p:txBody>
           <a:bodyPr>
-            <a:normAutofit/>
+            <a:normAutofit fontScale="90000"/>
           </a:bodyPr>
           <a:lstStyle/>
           <a:p>
             <a:r>
+              <a:rPr lang="en-US" dirty="0" smtClean="0"/>
+              <a:t>Web-based tool to </a:t>
+            </a:r>
+            <a:r>
+              <a:rPr lang="en-US" dirty="0" err="1" smtClean="0"/>
+              <a:t>semantify</a:t>
+            </a:r>
+            <a:r>
               <a:rPr lang="en-US" dirty="0"/>
-              <a:t>Vocabulary based-integration Web tool for Industry 4.0 Standards</a:t>
-            </a:r>
+              <a:t> </a:t>
+            </a:r>
+            <a:r>
+              <a:rPr lang="en-US" dirty="0" smtClean="0"/>
+              <a:t>the knowledge of a standards with semantic technologies</a:t>
+            </a:r>
+            <a:endParaRPr lang="en-US" dirty="0"/>
           </a:p>
         </p:txBody>
       </p:sp>
@@ -6629,35 +6642,6 @@
       </p:pic>
       <p:pic>
         <p:nvPicPr>
-          <p:cNvPr id="6" name="Объект 5"/>
-          <p:cNvPicPr>
-            <a:picLocks noGrp="1" noChangeAspect="1"/>
-          </p:cNvPicPr>
-          <p:nvPr>
-            <p:ph idx="1"/>
-          </p:nvPr>
-        </p:nvPicPr>
-        <p:blipFill>
-          <a:blip r:embed="rId7">
-            <a:extLst>
-              <a:ext uri="{28A0092B-C50C-407E-A947-70E740481C1C}">
-                <a14:useLocalDpi xmlns:a14="http://schemas.microsoft.com/office/drawing/2010/main" val="0"/>
-              </a:ext>
-            </a:extLst>
-          </a:blip>
-          <a:stretch>
-            <a:fillRect/>
-          </a:stretch>
-        </p:blipFill>
-        <p:spPr>
-          <a:xfrm>
-            <a:off x="1484312" y="727573"/>
-            <a:ext cx="7345788" cy="4468812"/>
-          </a:xfrm>
-        </p:spPr>
-      </p:pic>
-      <p:pic>
-        <p:nvPicPr>
           <p:cNvPr id="7" name="Picture 2" descr="http://www.epimorphics.com/web/sites/all/documents/jena-logo-large.png"/>
           <p:cNvPicPr>
             <a:picLocks noChangeAspect="1" noChangeArrowheads="1"/>
@@ -6665,7 +6649,7 @@
           <p:nvPr/>
         </p:nvPicPr>
         <p:blipFill>
-          <a:blip r:embed="rId8">
+          <a:blip r:embed="rId7">
             <a:extLst>
               <a:ext uri="{28A0092B-C50C-407E-A947-70E740481C1C}">
                 <a14:useLocalDpi xmlns:a14="http://schemas.microsoft.com/office/drawing/2010/main" val="0"/>
@@ -6695,6 +6679,35 @@
               </a14:hiddenFill>
             </a:ext>
           </a:extLst>
+        </p:spPr>
+      </p:pic>
+      <p:pic>
+        <p:nvPicPr>
+          <p:cNvPr id="4" name="Объект 3"/>
+          <p:cNvPicPr>
+            <a:picLocks noGrp="1" noChangeAspect="1"/>
+          </p:cNvPicPr>
+          <p:nvPr>
+            <p:ph idx="1"/>
+          </p:nvPr>
+        </p:nvPicPr>
+        <p:blipFill>
+          <a:blip r:embed="rId8">
+            <a:extLst>
+              <a:ext uri="{28A0092B-C50C-407E-A947-70E740481C1C}">
+                <a14:useLocalDpi xmlns:a14="http://schemas.microsoft.com/office/drawing/2010/main" val="0"/>
+              </a:ext>
+            </a:extLst>
+          </a:blip>
+          <a:stretch>
+            <a:fillRect/>
+          </a:stretch>
+        </p:blipFill>
+        <p:spPr>
+          <a:xfrm>
+            <a:off x="1247274" y="755389"/>
+            <a:ext cx="7787544" cy="4440996"/>
+          </a:xfrm>
         </p:spPr>
       </p:pic>
     </p:spTree>

--- a/3architecture/Architecture.pptx
+++ b/3architecture/Architecture.pptx
@@ -5,11 +5,13 @@
     <p:sldMasterId id="2147483725" r:id="rId1"/>
   </p:sldMasterIdLst>
   <p:notesMasterIdLst>
-    <p:notesMasterId r:id="rId4"/>
+    <p:notesMasterId r:id="rId6"/>
   </p:notesMasterIdLst>
   <p:sldIdLst>
     <p:sldId id="256" r:id="rId2"/>
-    <p:sldId id="257" r:id="rId3"/>
+    <p:sldId id="260" r:id="rId3"/>
+    <p:sldId id="258" r:id="rId4"/>
+    <p:sldId id="259" r:id="rId5"/>
   </p:sldIdLst>
   <p:sldSz cx="12192000" cy="6858000"/>
   <p:notesSz cx="6858000" cy="9144000"/>
@@ -198,7 +200,7 @@
           <a:p>
             <a:fld id="{28BDC9D7-E9CB-40B4-A15E-AA970C358381}" type="datetimeFigureOut">
               <a:rPr lang="en-US" smtClean="0"/>
-              <a:t>4/27/2016</a:t>
+              <a:t>5/15/2016</a:t>
             </a:fld>
             <a:endParaRPr lang="en-US"/>
           </a:p>
@@ -540,7 +542,91 @@
     </p:spTree>
     <p:extLst>
       <p:ext uri="{BB962C8B-B14F-4D97-AF65-F5344CB8AC3E}">
-        <p14:creationId xmlns:p14="http://schemas.microsoft.com/office/powerpoint/2010/main" val="4288625754"/>
+        <p14:creationId xmlns:p14="http://schemas.microsoft.com/office/powerpoint/2010/main" val="3293245219"/>
+      </p:ext>
+    </p:extLst>
+  </p:cSld>
+  <p:clrMapOvr>
+    <a:masterClrMapping/>
+  </p:clrMapOvr>
+</p:notes>
+</file>
+
+<file path=ppt/notesSlides/notesSlide2.xml><?xml version="1.0" encoding="utf-8"?>
+<p:notes xmlns:a="http://schemas.openxmlformats.org/drawingml/2006/main" xmlns:r="http://schemas.openxmlformats.org/officeDocument/2006/relationships" xmlns:p="http://schemas.openxmlformats.org/presentationml/2006/main">
+  <p:cSld>
+    <p:spTree>
+      <p:nvGrpSpPr>
+        <p:cNvPr id="1" name=""/>
+        <p:cNvGrpSpPr/>
+        <p:nvPr/>
+      </p:nvGrpSpPr>
+      <p:grpSpPr>
+        <a:xfrm>
+          <a:off x="0" y="0"/>
+          <a:ext cx="0" cy="0"/>
+          <a:chOff x="0" y="0"/>
+          <a:chExt cx="0" cy="0"/>
+        </a:xfrm>
+      </p:grpSpPr>
+      <p:sp>
+        <p:nvSpPr>
+          <p:cNvPr id="2" name="Образ слайда 1"/>
+          <p:cNvSpPr>
+            <a:spLocks noGrp="1" noRot="1" noChangeAspect="1"/>
+          </p:cNvSpPr>
+          <p:nvPr>
+            <p:ph type="sldImg"/>
+          </p:nvPr>
+        </p:nvSpPr>
+        <p:spPr/>
+      </p:sp>
+      <p:sp>
+        <p:nvSpPr>
+          <p:cNvPr id="3" name="Заметки 2"/>
+          <p:cNvSpPr>
+            <a:spLocks noGrp="1"/>
+          </p:cNvSpPr>
+          <p:nvPr>
+            <p:ph type="body" idx="1"/>
+          </p:nvPr>
+        </p:nvSpPr>
+        <p:spPr/>
+        <p:txBody>
+          <a:bodyPr/>
+          <a:lstStyle/>
+          <a:p>
+            <a:endParaRPr lang="en-US" dirty="0"/>
+          </a:p>
+        </p:txBody>
+      </p:sp>
+      <p:sp>
+        <p:nvSpPr>
+          <p:cNvPr id="4" name="Номер слайда 3"/>
+          <p:cNvSpPr>
+            <a:spLocks noGrp="1"/>
+          </p:cNvSpPr>
+          <p:nvPr>
+            <p:ph type="sldNum" sz="quarter" idx="10"/>
+          </p:nvPr>
+        </p:nvSpPr>
+        <p:spPr/>
+        <p:txBody>
+          <a:bodyPr/>
+          <a:lstStyle/>
+          <a:p>
+            <a:fld id="{EBA2F580-62B4-4B60-AF13-C7E977DD825C}" type="slidenum">
+              <a:rPr lang="en-US" smtClean="0"/>
+              <a:t>3</a:t>
+            </a:fld>
+            <a:endParaRPr lang="en-US"/>
+          </a:p>
+        </p:txBody>
+      </p:sp>
+    </p:spTree>
+    <p:extLst>
+      <p:ext uri="{BB962C8B-B14F-4D97-AF65-F5344CB8AC3E}">
+        <p14:creationId xmlns:p14="http://schemas.microsoft.com/office/powerpoint/2010/main" val="1372167516"/>
       </p:ext>
     </p:extLst>
   </p:cSld>
@@ -1295,7 +1381,7 @@
           <a:p>
             <a:fld id="{A7A44A2C-D3DA-463E-847C-1BD2FBBDC97F}" type="datetimeFigureOut">
               <a:rPr lang="en-US" smtClean="0"/>
-              <a:t>4/27/2016</a:t>
+              <a:t>5/15/2016</a:t>
             </a:fld>
             <a:endParaRPr lang="en-US"/>
           </a:p>
@@ -1546,7 +1632,7 @@
           <a:p>
             <a:fld id="{A7A44A2C-D3DA-463E-847C-1BD2FBBDC97F}" type="datetimeFigureOut">
               <a:rPr lang="en-US" smtClean="0"/>
-              <a:t>4/27/2016</a:t>
+              <a:t>5/15/2016</a:t>
             </a:fld>
             <a:endParaRPr lang="en-US"/>
           </a:p>
@@ -1860,7 +1946,7 @@
           <a:p>
             <a:fld id="{A7A44A2C-D3DA-463E-847C-1BD2FBBDC97F}" type="datetimeFigureOut">
               <a:rPr lang="en-US" smtClean="0"/>
-              <a:t>4/27/2016</a:t>
+              <a:t>5/15/2016</a:t>
             </a:fld>
             <a:endParaRPr lang="en-US"/>
           </a:p>
@@ -2193,7 +2279,7 @@
           <a:p>
             <a:fld id="{A7A44A2C-D3DA-463E-847C-1BD2FBBDC97F}" type="datetimeFigureOut">
               <a:rPr lang="en-US" smtClean="0"/>
-              <a:t>4/27/2016</a:t>
+              <a:t>5/15/2016</a:t>
             </a:fld>
             <a:endParaRPr lang="en-US"/>
           </a:p>
@@ -2507,7 +2593,7 @@
           <a:p>
             <a:fld id="{A7A44A2C-D3DA-463E-847C-1BD2FBBDC97F}" type="datetimeFigureOut">
               <a:rPr lang="en-US" smtClean="0"/>
-              <a:t>4/27/2016</a:t>
+              <a:t>5/15/2016</a:t>
             </a:fld>
             <a:endParaRPr lang="en-US"/>
           </a:p>
@@ -2900,7 +2986,7 @@
           <a:p>
             <a:fld id="{A7A44A2C-D3DA-463E-847C-1BD2FBBDC97F}" type="datetimeFigureOut">
               <a:rPr lang="en-US" smtClean="0"/>
-              <a:t>4/27/2016</a:t>
+              <a:t>5/15/2016</a:t>
             </a:fld>
             <a:endParaRPr lang="en-US"/>
           </a:p>
@@ -3070,7 +3156,7 @@
           <a:p>
             <a:fld id="{A7A44A2C-D3DA-463E-847C-1BD2FBBDC97F}" type="datetimeFigureOut">
               <a:rPr lang="en-US" smtClean="0"/>
-              <a:t>4/27/2016</a:t>
+              <a:t>5/15/2016</a:t>
             </a:fld>
             <a:endParaRPr lang="en-US"/>
           </a:p>
@@ -3250,7 +3336,7 @@
           <a:p>
             <a:fld id="{A7A44A2C-D3DA-463E-847C-1BD2FBBDC97F}" type="datetimeFigureOut">
               <a:rPr lang="en-US" smtClean="0"/>
-              <a:t>4/27/2016</a:t>
+              <a:t>5/15/2016</a:t>
             </a:fld>
             <a:endParaRPr lang="en-US"/>
           </a:p>
@@ -3420,7 +3506,7 @@
           <a:p>
             <a:fld id="{A7A44A2C-D3DA-463E-847C-1BD2FBBDC97F}" type="datetimeFigureOut">
               <a:rPr lang="en-US" smtClean="0"/>
-              <a:t>4/27/2016</a:t>
+              <a:t>5/15/2016</a:t>
             </a:fld>
             <a:endParaRPr lang="en-US"/>
           </a:p>
@@ -3667,7 +3753,7 @@
           <a:p>
             <a:fld id="{A7A44A2C-D3DA-463E-847C-1BD2FBBDC97F}" type="datetimeFigureOut">
               <a:rPr lang="en-US" smtClean="0"/>
-              <a:t>4/27/2016</a:t>
+              <a:t>5/15/2016</a:t>
             </a:fld>
             <a:endParaRPr lang="en-US"/>
           </a:p>
@@ -3899,7 +3985,7 @@
           <a:p>
             <a:fld id="{A7A44A2C-D3DA-463E-847C-1BD2FBBDC97F}" type="datetimeFigureOut">
               <a:rPr lang="en-US" smtClean="0"/>
-              <a:t>4/27/2016</a:t>
+              <a:t>5/15/2016</a:t>
             </a:fld>
             <a:endParaRPr lang="en-US"/>
           </a:p>
@@ -4273,7 +4359,7 @@
           <a:p>
             <a:fld id="{A7A44A2C-D3DA-463E-847C-1BD2FBBDC97F}" type="datetimeFigureOut">
               <a:rPr lang="en-US" smtClean="0"/>
-              <a:t>4/27/2016</a:t>
+              <a:t>5/15/2016</a:t>
             </a:fld>
             <a:endParaRPr lang="en-US"/>
           </a:p>
@@ -4396,7 +4482,7 @@
           <a:p>
             <a:fld id="{A7A44A2C-D3DA-463E-847C-1BD2FBBDC97F}" type="datetimeFigureOut">
               <a:rPr lang="en-US" smtClean="0"/>
-              <a:t>4/27/2016</a:t>
+              <a:t>5/15/2016</a:t>
             </a:fld>
             <a:endParaRPr lang="en-US"/>
           </a:p>
@@ -4491,7 +4577,7 @@
           <a:p>
             <a:fld id="{A7A44A2C-D3DA-463E-847C-1BD2FBBDC97F}" type="datetimeFigureOut">
               <a:rPr lang="en-US" smtClean="0"/>
-              <a:t>4/27/2016</a:t>
+              <a:t>5/15/2016</a:t>
             </a:fld>
             <a:endParaRPr lang="en-US"/>
           </a:p>
@@ -4746,7 +4832,7 @@
           <a:p>
             <a:fld id="{A7A44A2C-D3DA-463E-847C-1BD2FBBDC97F}" type="datetimeFigureOut">
               <a:rPr lang="en-US" smtClean="0"/>
-              <a:t>4/27/2016</a:t>
+              <a:t>5/15/2016</a:t>
             </a:fld>
             <a:endParaRPr lang="en-US"/>
           </a:p>
@@ -5051,7 +5137,7 @@
           <a:p>
             <a:fld id="{A7A44A2C-D3DA-463E-847C-1BD2FBBDC97F}" type="datetimeFigureOut">
               <a:rPr lang="en-US" smtClean="0"/>
-              <a:t>4/27/2016</a:t>
+              <a:t>5/15/2016</a:t>
             </a:fld>
             <a:endParaRPr lang="en-US"/>
           </a:p>
@@ -5753,7 +5839,7 @@
           <a:p>
             <a:fld id="{A7A44A2C-D3DA-463E-847C-1BD2FBBDC97F}" type="datetimeFigureOut">
               <a:rPr lang="en-US" smtClean="0"/>
-              <a:t>4/27/2016</a:t>
+              <a:t>5/15/2016</a:t>
             </a:fld>
             <a:endParaRPr lang="en-US"/>
           </a:p>
@@ -6499,7 +6585,7 @@
         </p:blipFill>
         <p:spPr bwMode="auto">
           <a:xfrm>
-            <a:off x="447082" y="5196385"/>
+            <a:off x="276889" y="5576604"/>
             <a:ext cx="2074460" cy="989462"/>
           </a:xfrm>
           <a:prstGeom prst="rect">
@@ -6622,7 +6708,7 @@
         </p:blipFill>
         <p:spPr bwMode="auto">
           <a:xfrm>
-            <a:off x="2630724" y="5234413"/>
+            <a:off x="2502538" y="5715497"/>
             <a:ext cx="868008" cy="809768"/>
           </a:xfrm>
           <a:prstGeom prst="rect">
@@ -6710,10 +6796,219 @@
           </a:xfrm>
         </p:spPr>
       </p:pic>
+      <p:pic>
+        <p:nvPicPr>
+          <p:cNvPr id="9" name="Picture 8" descr="HTML 5 / Javascript source code home"/>
+          <p:cNvPicPr>
+            <a:picLocks noChangeAspect="1" noChangeArrowheads="1"/>
+          </p:cNvPicPr>
+          <p:nvPr/>
+        </p:nvPicPr>
+        <p:blipFill>
+          <a:blip r:embed="rId9" cstate="print">
+            <a:extLst>
+              <a:ext uri="{28A0092B-C50C-407E-A947-70E740481C1C}">
+                <a14:useLocalDpi xmlns:a14="http://schemas.microsoft.com/office/drawing/2010/main" val="0"/>
+              </a:ext>
+            </a:extLst>
+          </a:blip>
+          <a:srcRect/>
+          <a:stretch>
+            <a:fillRect/>
+          </a:stretch>
+        </p:blipFill>
+        <p:spPr bwMode="auto">
+          <a:xfrm>
+            <a:off x="376546" y="4103142"/>
+            <a:ext cx="2925200" cy="1522508"/>
+          </a:xfrm>
+          <a:prstGeom prst="rect">
+            <a:avLst/>
+          </a:prstGeom>
+          <a:noFill/>
+          <a:extLst>
+            <a:ext uri="{909E8E84-426E-40DD-AFC4-6F175D3DCCD1}">
+              <a14:hiddenFill xmlns:a14="http://schemas.microsoft.com/office/drawing/2010/main">
+                <a:solidFill>
+                  <a:srgbClr val="FFFFFF"/>
+                </a:solidFill>
+              </a14:hiddenFill>
+            </a:ext>
+          </a:extLst>
+        </p:spPr>
+      </p:pic>
     </p:spTree>
     <p:extLst>
       <p:ext uri="{BB962C8B-B14F-4D97-AF65-F5344CB8AC3E}">
-        <p14:creationId xmlns:p14="http://schemas.microsoft.com/office/powerpoint/2010/main" val="541291213"/>
+        <p14:creationId xmlns:p14="http://schemas.microsoft.com/office/powerpoint/2010/main" val="1671166907"/>
+      </p:ext>
+    </p:extLst>
+  </p:cSld>
+  <p:clrMapOvr>
+    <a:masterClrMapping/>
+  </p:clrMapOvr>
+</p:sld>
+</file>
+
+<file path=ppt/slides/slide3.xml><?xml version="1.0" encoding="utf-8"?>
+<p:sld xmlns:a="http://schemas.openxmlformats.org/drawingml/2006/main" xmlns:r="http://schemas.openxmlformats.org/officeDocument/2006/relationships" xmlns:p="http://schemas.openxmlformats.org/presentationml/2006/main">
+  <p:cSld>
+    <p:spTree>
+      <p:nvGrpSpPr>
+        <p:cNvPr id="1" name=""/>
+        <p:cNvGrpSpPr/>
+        <p:nvPr/>
+      </p:nvGrpSpPr>
+      <p:grpSpPr>
+        <a:xfrm>
+          <a:off x="0" y="0"/>
+          <a:ext cx="0" cy="0"/>
+          <a:chOff x="0" y="0"/>
+          <a:chExt cx="0" cy="0"/>
+        </a:xfrm>
+      </p:grpSpPr>
+      <p:sp>
+        <p:nvSpPr>
+          <p:cNvPr id="2" name="Заголовок 1"/>
+          <p:cNvSpPr>
+            <a:spLocks noGrp="1"/>
+          </p:cNvSpPr>
+          <p:nvPr>
+            <p:ph type="title"/>
+          </p:nvPr>
+        </p:nvSpPr>
+        <p:spPr>
+          <a:xfrm>
+            <a:off x="1484312" y="0"/>
+            <a:ext cx="10018713" cy="1752599"/>
+          </a:xfrm>
+        </p:spPr>
+        <p:txBody>
+          <a:bodyPr/>
+          <a:lstStyle/>
+          <a:p>
+            <a:r>
+              <a:rPr lang="en-US" dirty="0" smtClean="0"/>
+              <a:t>Work Plan</a:t>
+            </a:r>
+            <a:endParaRPr lang="en-US" dirty="0"/>
+          </a:p>
+        </p:txBody>
+      </p:sp>
+      <p:pic>
+        <p:nvPicPr>
+          <p:cNvPr id="6" name="Объект 5"/>
+          <p:cNvPicPr>
+            <a:picLocks noGrp="1" noChangeAspect="1"/>
+          </p:cNvPicPr>
+          <p:nvPr>
+            <p:ph idx="1"/>
+          </p:nvPr>
+        </p:nvPicPr>
+        <p:blipFill>
+          <a:blip r:embed="rId3"/>
+          <a:stretch>
+            <a:fillRect/>
+          </a:stretch>
+        </p:blipFill>
+        <p:spPr>
+          <a:xfrm>
+            <a:off x="1112146" y="1274052"/>
+            <a:ext cx="8027477" cy="3879850"/>
+          </a:xfrm>
+          <a:prstGeom prst="rect">
+            <a:avLst/>
+          </a:prstGeom>
+        </p:spPr>
+      </p:pic>
+    </p:spTree>
+    <p:extLst>
+      <p:ext uri="{BB962C8B-B14F-4D97-AF65-F5344CB8AC3E}">
+        <p14:creationId xmlns:p14="http://schemas.microsoft.com/office/powerpoint/2010/main" val="2212204407"/>
+      </p:ext>
+    </p:extLst>
+  </p:cSld>
+  <p:clrMapOvr>
+    <a:masterClrMapping/>
+  </p:clrMapOvr>
+</p:sld>
+</file>
+
+<file path=ppt/slides/slide4.xml><?xml version="1.0" encoding="utf-8"?>
+<p:sld xmlns:a="http://schemas.openxmlformats.org/drawingml/2006/main" xmlns:r="http://schemas.openxmlformats.org/officeDocument/2006/relationships" xmlns:p="http://schemas.openxmlformats.org/presentationml/2006/main">
+  <p:cSld>
+    <p:spTree>
+      <p:nvGrpSpPr>
+        <p:cNvPr id="1" name=""/>
+        <p:cNvGrpSpPr/>
+        <p:nvPr/>
+      </p:nvGrpSpPr>
+      <p:grpSpPr>
+        <a:xfrm>
+          <a:off x="0" y="0"/>
+          <a:ext cx="0" cy="0"/>
+          <a:chOff x="0" y="0"/>
+          <a:chExt cx="0" cy="0"/>
+        </a:xfrm>
+      </p:grpSpPr>
+      <p:sp>
+        <p:nvSpPr>
+          <p:cNvPr id="2" name="Заголовок 1"/>
+          <p:cNvSpPr>
+            <a:spLocks noGrp="1"/>
+          </p:cNvSpPr>
+          <p:nvPr>
+            <p:ph type="title"/>
+          </p:nvPr>
+        </p:nvSpPr>
+        <p:spPr>
+          <a:xfrm>
+            <a:off x="677684" y="0"/>
+            <a:ext cx="8596668" cy="1320800"/>
+          </a:xfrm>
+        </p:spPr>
+        <p:txBody>
+          <a:bodyPr/>
+          <a:lstStyle/>
+          <a:p>
+            <a:r>
+              <a:rPr lang="en-US" dirty="0" smtClean="0"/>
+              <a:t>Work Plan</a:t>
+            </a:r>
+            <a:endParaRPr lang="en-US" dirty="0"/>
+          </a:p>
+        </p:txBody>
+      </p:sp>
+      <p:pic>
+        <p:nvPicPr>
+          <p:cNvPr id="4" name="Объект 3"/>
+          <p:cNvPicPr>
+            <a:picLocks noGrp="1" noChangeAspect="1"/>
+          </p:cNvPicPr>
+          <p:nvPr>
+            <p:ph idx="1"/>
+          </p:nvPr>
+        </p:nvPicPr>
+        <p:blipFill>
+          <a:blip r:embed="rId2"/>
+          <a:stretch>
+            <a:fillRect/>
+          </a:stretch>
+        </p:blipFill>
+        <p:spPr>
+          <a:xfrm>
+            <a:off x="460263" y="1132764"/>
+            <a:ext cx="9557194" cy="4609010"/>
+          </a:xfrm>
+          <a:prstGeom prst="rect">
+            <a:avLst/>
+          </a:prstGeom>
+        </p:spPr>
+      </p:pic>
+    </p:spTree>
+    <p:extLst>
+      <p:ext uri="{BB962C8B-B14F-4D97-AF65-F5344CB8AC3E}">
+        <p14:creationId xmlns:p14="http://schemas.microsoft.com/office/powerpoint/2010/main" val="902985107"/>
       </p:ext>
     </p:extLst>
   </p:cSld>

--- a/3architecture/Architecture.pptx
+++ b/3architecture/Architecture.pptx
@@ -200,7 +200,7 @@
           <a:p>
             <a:fld id="{28BDC9D7-E9CB-40B4-A15E-AA970C358381}" type="datetimeFigureOut">
               <a:rPr lang="en-US" smtClean="0"/>
-              <a:t>5/15/2016</a:t>
+              <a:t>5/16/2016</a:t>
             </a:fld>
             <a:endParaRPr lang="en-US"/>
           </a:p>
@@ -1381,7 +1381,7 @@
           <a:p>
             <a:fld id="{A7A44A2C-D3DA-463E-847C-1BD2FBBDC97F}" type="datetimeFigureOut">
               <a:rPr lang="en-US" smtClean="0"/>
-              <a:t>5/15/2016</a:t>
+              <a:t>5/16/2016</a:t>
             </a:fld>
             <a:endParaRPr lang="en-US"/>
           </a:p>
@@ -1632,7 +1632,7 @@
           <a:p>
             <a:fld id="{A7A44A2C-D3DA-463E-847C-1BD2FBBDC97F}" type="datetimeFigureOut">
               <a:rPr lang="en-US" smtClean="0"/>
-              <a:t>5/15/2016</a:t>
+              <a:t>5/16/2016</a:t>
             </a:fld>
             <a:endParaRPr lang="en-US"/>
           </a:p>
@@ -1946,7 +1946,7 @@
           <a:p>
             <a:fld id="{A7A44A2C-D3DA-463E-847C-1BD2FBBDC97F}" type="datetimeFigureOut">
               <a:rPr lang="en-US" smtClean="0"/>
-              <a:t>5/15/2016</a:t>
+              <a:t>5/16/2016</a:t>
             </a:fld>
             <a:endParaRPr lang="en-US"/>
           </a:p>
@@ -2279,7 +2279,7 @@
           <a:p>
             <a:fld id="{A7A44A2C-D3DA-463E-847C-1BD2FBBDC97F}" type="datetimeFigureOut">
               <a:rPr lang="en-US" smtClean="0"/>
-              <a:t>5/15/2016</a:t>
+              <a:t>5/16/2016</a:t>
             </a:fld>
             <a:endParaRPr lang="en-US"/>
           </a:p>
@@ -2593,7 +2593,7 @@
           <a:p>
             <a:fld id="{A7A44A2C-D3DA-463E-847C-1BD2FBBDC97F}" type="datetimeFigureOut">
               <a:rPr lang="en-US" smtClean="0"/>
-              <a:t>5/15/2016</a:t>
+              <a:t>5/16/2016</a:t>
             </a:fld>
             <a:endParaRPr lang="en-US"/>
           </a:p>
@@ -2986,7 +2986,7 @@
           <a:p>
             <a:fld id="{A7A44A2C-D3DA-463E-847C-1BD2FBBDC97F}" type="datetimeFigureOut">
               <a:rPr lang="en-US" smtClean="0"/>
-              <a:t>5/15/2016</a:t>
+              <a:t>5/16/2016</a:t>
             </a:fld>
             <a:endParaRPr lang="en-US"/>
           </a:p>
@@ -3156,7 +3156,7 @@
           <a:p>
             <a:fld id="{A7A44A2C-D3DA-463E-847C-1BD2FBBDC97F}" type="datetimeFigureOut">
               <a:rPr lang="en-US" smtClean="0"/>
-              <a:t>5/15/2016</a:t>
+              <a:t>5/16/2016</a:t>
             </a:fld>
             <a:endParaRPr lang="en-US"/>
           </a:p>
@@ -3336,7 +3336,7 @@
           <a:p>
             <a:fld id="{A7A44A2C-D3DA-463E-847C-1BD2FBBDC97F}" type="datetimeFigureOut">
               <a:rPr lang="en-US" smtClean="0"/>
-              <a:t>5/15/2016</a:t>
+              <a:t>5/16/2016</a:t>
             </a:fld>
             <a:endParaRPr lang="en-US"/>
           </a:p>
@@ -3506,7 +3506,7 @@
           <a:p>
             <a:fld id="{A7A44A2C-D3DA-463E-847C-1BD2FBBDC97F}" type="datetimeFigureOut">
               <a:rPr lang="en-US" smtClean="0"/>
-              <a:t>5/15/2016</a:t>
+              <a:t>5/16/2016</a:t>
             </a:fld>
             <a:endParaRPr lang="en-US"/>
           </a:p>
@@ -3753,7 +3753,7 @@
           <a:p>
             <a:fld id="{A7A44A2C-D3DA-463E-847C-1BD2FBBDC97F}" type="datetimeFigureOut">
               <a:rPr lang="en-US" smtClean="0"/>
-              <a:t>5/15/2016</a:t>
+              <a:t>5/16/2016</a:t>
             </a:fld>
             <a:endParaRPr lang="en-US"/>
           </a:p>
@@ -3985,7 +3985,7 @@
           <a:p>
             <a:fld id="{A7A44A2C-D3DA-463E-847C-1BD2FBBDC97F}" type="datetimeFigureOut">
               <a:rPr lang="en-US" smtClean="0"/>
-              <a:t>5/15/2016</a:t>
+              <a:t>5/16/2016</a:t>
             </a:fld>
             <a:endParaRPr lang="en-US"/>
           </a:p>
@@ -4359,7 +4359,7 @@
           <a:p>
             <a:fld id="{A7A44A2C-D3DA-463E-847C-1BD2FBBDC97F}" type="datetimeFigureOut">
               <a:rPr lang="en-US" smtClean="0"/>
-              <a:t>5/15/2016</a:t>
+              <a:t>5/16/2016</a:t>
             </a:fld>
             <a:endParaRPr lang="en-US"/>
           </a:p>
@@ -4482,7 +4482,7 @@
           <a:p>
             <a:fld id="{A7A44A2C-D3DA-463E-847C-1BD2FBBDC97F}" type="datetimeFigureOut">
               <a:rPr lang="en-US" smtClean="0"/>
-              <a:t>5/15/2016</a:t>
+              <a:t>5/16/2016</a:t>
             </a:fld>
             <a:endParaRPr lang="en-US"/>
           </a:p>
@@ -4577,7 +4577,7 @@
           <a:p>
             <a:fld id="{A7A44A2C-D3DA-463E-847C-1BD2FBBDC97F}" type="datetimeFigureOut">
               <a:rPr lang="en-US" smtClean="0"/>
-              <a:t>5/15/2016</a:t>
+              <a:t>5/16/2016</a:t>
             </a:fld>
             <a:endParaRPr lang="en-US"/>
           </a:p>
@@ -4832,7 +4832,7 @@
           <a:p>
             <a:fld id="{A7A44A2C-D3DA-463E-847C-1BD2FBBDC97F}" type="datetimeFigureOut">
               <a:rPr lang="en-US" smtClean="0"/>
-              <a:t>5/15/2016</a:t>
+              <a:t>5/16/2016</a:t>
             </a:fld>
             <a:endParaRPr lang="en-US"/>
           </a:p>
@@ -5137,7 +5137,7 @@
           <a:p>
             <a:fld id="{A7A44A2C-D3DA-463E-847C-1BD2FBBDC97F}" type="datetimeFigureOut">
               <a:rPr lang="en-US" smtClean="0"/>
-              <a:t>5/15/2016</a:t>
+              <a:t>5/16/2016</a:t>
             </a:fld>
             <a:endParaRPr lang="en-US"/>
           </a:p>
@@ -5839,7 +5839,7 @@
           <a:p>
             <a:fld id="{A7A44A2C-D3DA-463E-847C-1BD2FBBDC97F}" type="datetimeFigureOut">
               <a:rPr lang="en-US" smtClean="0"/>
-              <a:t>5/15/2016</a:t>
+              <a:t>5/16/2016</a:t>
             </a:fld>
             <a:endParaRPr lang="en-US"/>
           </a:p>
@@ -6605,7 +6605,7 @@
       </p:pic>
       <p:pic>
         <p:nvPicPr>
-          <p:cNvPr id="1028" name="Picture 4" descr="http://dab1nmslvvntp.cloudfront.net/wp-content/uploads/2015/07/1436439824nodejs-logo.png"/>
+          <p:cNvPr id="1032" name="Picture 8" descr="https://thumbsplus.tutsplus.com/uploads/users/442/posts/22973/preview_image/8778.png?height=300&amp;width=300"/>
           <p:cNvPicPr>
             <a:picLocks noChangeAspect="1" noChangeArrowheads="1"/>
           </p:cNvPicPr>
@@ -6613,88 +6613,6 @@
         </p:nvPicPr>
         <p:blipFill>
           <a:blip r:embed="rId4" cstate="print">
-            <a:extLst>
-              <a:ext uri="{28A0092B-C50C-407E-A947-70E740481C1C}">
-                <a14:useLocalDpi xmlns:a14="http://schemas.microsoft.com/office/drawing/2010/main" val="0"/>
-              </a:ext>
-            </a:extLst>
-          </a:blip>
-          <a:srcRect/>
-          <a:stretch>
-            <a:fillRect/>
-          </a:stretch>
-        </p:blipFill>
-        <p:spPr bwMode="auto">
-          <a:xfrm>
-            <a:off x="5037250" y="5755942"/>
-            <a:ext cx="2269393" cy="1119117"/>
-          </a:xfrm>
-          <a:prstGeom prst="rect">
-            <a:avLst/>
-          </a:prstGeom>
-          <a:noFill/>
-          <a:extLst>
-            <a:ext uri="{909E8E84-426E-40DD-AFC4-6F175D3DCCD1}">
-              <a14:hiddenFill xmlns:a14="http://schemas.microsoft.com/office/drawing/2010/main">
-                <a:solidFill>
-                  <a:srgbClr val="FFFFFF"/>
-                </a:solidFill>
-              </a14:hiddenFill>
-            </a:ext>
-          </a:extLst>
-        </p:spPr>
-      </p:pic>
-      <p:pic>
-        <p:nvPicPr>
-          <p:cNvPr id="1030" name="Picture 6" descr="https://camo.githubusercontent.com/fc61dcbdb7a6e49d3adecc12194b24ab20dfa25b/68747470733a2f2f692e636c6f756475702e636f6d2f7a6659366c4c376546612d3330303078333030302e706e67"/>
-          <p:cNvPicPr>
-            <a:picLocks noChangeAspect="1" noChangeArrowheads="1"/>
-          </p:cNvPicPr>
-          <p:nvPr/>
-        </p:nvPicPr>
-        <p:blipFill>
-          <a:blip r:embed="rId5">
-            <a:extLst>
-              <a:ext uri="{28A0092B-C50C-407E-A947-70E740481C1C}">
-                <a14:useLocalDpi xmlns:a14="http://schemas.microsoft.com/office/drawing/2010/main" val="0"/>
-              </a:ext>
-            </a:extLst>
-          </a:blip>
-          <a:srcRect/>
-          <a:stretch>
-            <a:fillRect/>
-          </a:stretch>
-        </p:blipFill>
-        <p:spPr bwMode="auto">
-          <a:xfrm>
-            <a:off x="4307353" y="5295331"/>
-            <a:ext cx="2214563" cy="660638"/>
-          </a:xfrm>
-          <a:prstGeom prst="rect">
-            <a:avLst/>
-          </a:prstGeom>
-          <a:noFill/>
-          <a:extLst>
-            <a:ext uri="{909E8E84-426E-40DD-AFC4-6F175D3DCCD1}">
-              <a14:hiddenFill xmlns:a14="http://schemas.microsoft.com/office/drawing/2010/main">
-                <a:solidFill>
-                  <a:srgbClr val="FFFFFF"/>
-                </a:solidFill>
-              </a14:hiddenFill>
-            </a:ext>
-          </a:extLst>
-        </p:spPr>
-      </p:pic>
-      <p:pic>
-        <p:nvPicPr>
-          <p:cNvPr id="1032" name="Picture 8" descr="https://thumbsplus.tutsplus.com/uploads/users/442/posts/22973/preview_image/8778.png?height=300&amp;width=300"/>
-          <p:cNvPicPr>
-            <a:picLocks noChangeAspect="1" noChangeArrowheads="1"/>
-          </p:cNvPicPr>
-          <p:nvPr/>
-        </p:nvPicPr>
-        <p:blipFill>
-          <a:blip r:embed="rId6" cstate="print">
             <a:extLst>
               <a:ext uri="{28A0092B-C50C-407E-A947-70E740481C1C}">
                 <a14:useLocalDpi xmlns:a14="http://schemas.microsoft.com/office/drawing/2010/main" val="0"/>
@@ -6735,7 +6653,7 @@
           <p:nvPr/>
         </p:nvPicPr>
         <p:blipFill>
-          <a:blip r:embed="rId7">
+          <a:blip r:embed="rId5">
             <a:extLst>
               <a:ext uri="{28A0092B-C50C-407E-A947-70E740481C1C}">
                 <a14:useLocalDpi xmlns:a14="http://schemas.microsoft.com/office/drawing/2010/main" val="0"/>
@@ -6769,7 +6687,7 @@
       </p:pic>
       <p:pic>
         <p:nvPicPr>
-          <p:cNvPr id="4" name="Объект 3"/>
+          <p:cNvPr id="5" name="Объект 4"/>
           <p:cNvPicPr>
             <a:picLocks noGrp="1" noChangeAspect="1"/>
           </p:cNvPicPr>
@@ -6778,7 +6696,7 @@
           </p:nvPr>
         </p:nvPicPr>
         <p:blipFill>
-          <a:blip r:embed="rId8">
+          <a:blip r:embed="rId6">
             <a:extLst>
               <a:ext uri="{28A0092B-C50C-407E-A947-70E740481C1C}">
                 <a14:useLocalDpi xmlns:a14="http://schemas.microsoft.com/office/drawing/2010/main" val="0"/>
@@ -6791,8 +6709,8 @@
         </p:blipFill>
         <p:spPr>
           <a:xfrm>
-            <a:off x="1247274" y="755389"/>
-            <a:ext cx="7787544" cy="4440996"/>
+            <a:off x="1314119" y="788834"/>
+            <a:ext cx="7734347" cy="4506497"/>
           </a:xfrm>
         </p:spPr>
       </p:pic>
@@ -6805,7 +6723,7 @@
           <p:nvPr/>
         </p:nvPicPr>
         <p:blipFill>
-          <a:blip r:embed="rId9" cstate="print">
+          <a:blip r:embed="rId7" cstate="print">
             <a:extLst>
               <a:ext uri="{28A0092B-C50C-407E-A947-70E740481C1C}">
                 <a14:useLocalDpi xmlns:a14="http://schemas.microsoft.com/office/drawing/2010/main" val="0"/>
@@ -6821,6 +6739,88 @@
           <a:xfrm>
             <a:off x="376546" y="4103142"/>
             <a:ext cx="2925200" cy="1522508"/>
+          </a:xfrm>
+          <a:prstGeom prst="rect">
+            <a:avLst/>
+          </a:prstGeom>
+          <a:noFill/>
+          <a:extLst>
+            <a:ext uri="{909E8E84-426E-40DD-AFC4-6F175D3DCCD1}">
+              <a14:hiddenFill xmlns:a14="http://schemas.microsoft.com/office/drawing/2010/main">
+                <a:solidFill>
+                  <a:srgbClr val="FFFFFF"/>
+                </a:solidFill>
+              </a14:hiddenFill>
+            </a:ext>
+          </a:extLst>
+        </p:spPr>
+      </p:pic>
+      <p:pic>
+        <p:nvPicPr>
+          <p:cNvPr id="8" name="Picture 4" descr="https://upload.wikimedia.org/wikipedia/en/8/88/Java_logo.png"/>
+          <p:cNvPicPr>
+            <a:picLocks noChangeAspect="1" noChangeArrowheads="1"/>
+          </p:cNvPicPr>
+          <p:nvPr/>
+        </p:nvPicPr>
+        <p:blipFill>
+          <a:blip r:embed="rId8">
+            <a:extLst>
+              <a:ext uri="{28A0092B-C50C-407E-A947-70E740481C1C}">
+                <a14:useLocalDpi xmlns:a14="http://schemas.microsoft.com/office/drawing/2010/main" val="0"/>
+              </a:ext>
+            </a:extLst>
+          </a:blip>
+          <a:srcRect/>
+          <a:stretch>
+            <a:fillRect/>
+          </a:stretch>
+        </p:blipFill>
+        <p:spPr bwMode="auto">
+          <a:xfrm>
+            <a:off x="5648856" y="5684096"/>
+            <a:ext cx="1407037" cy="1029518"/>
+          </a:xfrm>
+          <a:prstGeom prst="rect">
+            <a:avLst/>
+          </a:prstGeom>
+          <a:noFill/>
+          <a:extLst>
+            <a:ext uri="{909E8E84-426E-40DD-AFC4-6F175D3DCCD1}">
+              <a14:hiddenFill xmlns:a14="http://schemas.microsoft.com/office/drawing/2010/main">
+                <a:solidFill>
+                  <a:srgbClr val="FFFFFF"/>
+                </a:solidFill>
+              </a14:hiddenFill>
+            </a:ext>
+          </a:extLst>
+        </p:spPr>
+      </p:pic>
+      <p:pic>
+        <p:nvPicPr>
+          <p:cNvPr id="10" name="Picture 6" descr="http://memorynotfound.com/wp-content/uploads/jersey-logo.png"/>
+          <p:cNvPicPr>
+            <a:picLocks noChangeAspect="1" noChangeArrowheads="1"/>
+          </p:cNvPicPr>
+          <p:nvPr/>
+        </p:nvPicPr>
+        <p:blipFill>
+          <a:blip r:embed="rId9">
+            <a:extLst>
+              <a:ext uri="{28A0092B-C50C-407E-A947-70E740481C1C}">
+                <a14:useLocalDpi xmlns:a14="http://schemas.microsoft.com/office/drawing/2010/main" val="0"/>
+              </a:ext>
+            </a:extLst>
+          </a:blip>
+          <a:srcRect/>
+          <a:stretch>
+            <a:fillRect/>
+          </a:stretch>
+        </p:blipFill>
+        <p:spPr bwMode="auto">
+          <a:xfrm>
+            <a:off x="4487369" y="4994706"/>
+            <a:ext cx="1555757" cy="1522472"/>
           </a:xfrm>
           <a:prstGeom prst="rect">
             <a:avLst/>

--- a/3architecture/Architecture.pptx
+++ b/3architecture/Architecture.pptx
@@ -200,7 +200,7 @@
           <a:p>
             <a:fld id="{28BDC9D7-E9CB-40B4-A15E-AA970C358381}" type="datetimeFigureOut">
               <a:rPr lang="en-US" smtClean="0"/>
-              <a:t>5/16/2016</a:t>
+              <a:t>5/31/2016</a:t>
             </a:fld>
             <a:endParaRPr lang="en-US"/>
           </a:p>
@@ -1381,7 +1381,7 @@
           <a:p>
             <a:fld id="{A7A44A2C-D3DA-463E-847C-1BD2FBBDC97F}" type="datetimeFigureOut">
               <a:rPr lang="en-US" smtClean="0"/>
-              <a:t>5/16/2016</a:t>
+              <a:t>5/31/2016</a:t>
             </a:fld>
             <a:endParaRPr lang="en-US"/>
           </a:p>
@@ -1632,7 +1632,7 @@
           <a:p>
             <a:fld id="{A7A44A2C-D3DA-463E-847C-1BD2FBBDC97F}" type="datetimeFigureOut">
               <a:rPr lang="en-US" smtClean="0"/>
-              <a:t>5/16/2016</a:t>
+              <a:t>5/31/2016</a:t>
             </a:fld>
             <a:endParaRPr lang="en-US"/>
           </a:p>
@@ -1946,7 +1946,7 @@
           <a:p>
             <a:fld id="{A7A44A2C-D3DA-463E-847C-1BD2FBBDC97F}" type="datetimeFigureOut">
               <a:rPr lang="en-US" smtClean="0"/>
-              <a:t>5/16/2016</a:t>
+              <a:t>5/31/2016</a:t>
             </a:fld>
             <a:endParaRPr lang="en-US"/>
           </a:p>
@@ -2279,7 +2279,7 @@
           <a:p>
             <a:fld id="{A7A44A2C-D3DA-463E-847C-1BD2FBBDC97F}" type="datetimeFigureOut">
               <a:rPr lang="en-US" smtClean="0"/>
-              <a:t>5/16/2016</a:t>
+              <a:t>5/31/2016</a:t>
             </a:fld>
             <a:endParaRPr lang="en-US"/>
           </a:p>
@@ -2593,7 +2593,7 @@
           <a:p>
             <a:fld id="{A7A44A2C-D3DA-463E-847C-1BD2FBBDC97F}" type="datetimeFigureOut">
               <a:rPr lang="en-US" smtClean="0"/>
-              <a:t>5/16/2016</a:t>
+              <a:t>5/31/2016</a:t>
             </a:fld>
             <a:endParaRPr lang="en-US"/>
           </a:p>
@@ -2986,7 +2986,7 @@
           <a:p>
             <a:fld id="{A7A44A2C-D3DA-463E-847C-1BD2FBBDC97F}" type="datetimeFigureOut">
               <a:rPr lang="en-US" smtClean="0"/>
-              <a:t>5/16/2016</a:t>
+              <a:t>5/31/2016</a:t>
             </a:fld>
             <a:endParaRPr lang="en-US"/>
           </a:p>
@@ -3156,7 +3156,7 @@
           <a:p>
             <a:fld id="{A7A44A2C-D3DA-463E-847C-1BD2FBBDC97F}" type="datetimeFigureOut">
               <a:rPr lang="en-US" smtClean="0"/>
-              <a:t>5/16/2016</a:t>
+              <a:t>5/31/2016</a:t>
             </a:fld>
             <a:endParaRPr lang="en-US"/>
           </a:p>
@@ -3336,7 +3336,7 @@
           <a:p>
             <a:fld id="{A7A44A2C-D3DA-463E-847C-1BD2FBBDC97F}" type="datetimeFigureOut">
               <a:rPr lang="en-US" smtClean="0"/>
-              <a:t>5/16/2016</a:t>
+              <a:t>5/31/2016</a:t>
             </a:fld>
             <a:endParaRPr lang="en-US"/>
           </a:p>
@@ -3506,7 +3506,7 @@
           <a:p>
             <a:fld id="{A7A44A2C-D3DA-463E-847C-1BD2FBBDC97F}" type="datetimeFigureOut">
               <a:rPr lang="en-US" smtClean="0"/>
-              <a:t>5/16/2016</a:t>
+              <a:t>5/31/2016</a:t>
             </a:fld>
             <a:endParaRPr lang="en-US"/>
           </a:p>
@@ -3753,7 +3753,7 @@
           <a:p>
             <a:fld id="{A7A44A2C-D3DA-463E-847C-1BD2FBBDC97F}" type="datetimeFigureOut">
               <a:rPr lang="en-US" smtClean="0"/>
-              <a:t>5/16/2016</a:t>
+              <a:t>5/31/2016</a:t>
             </a:fld>
             <a:endParaRPr lang="en-US"/>
           </a:p>
@@ -3985,7 +3985,7 @@
           <a:p>
             <a:fld id="{A7A44A2C-D3DA-463E-847C-1BD2FBBDC97F}" type="datetimeFigureOut">
               <a:rPr lang="en-US" smtClean="0"/>
-              <a:t>5/16/2016</a:t>
+              <a:t>5/31/2016</a:t>
             </a:fld>
             <a:endParaRPr lang="en-US"/>
           </a:p>
@@ -4359,7 +4359,7 @@
           <a:p>
             <a:fld id="{A7A44A2C-D3DA-463E-847C-1BD2FBBDC97F}" type="datetimeFigureOut">
               <a:rPr lang="en-US" smtClean="0"/>
-              <a:t>5/16/2016</a:t>
+              <a:t>5/31/2016</a:t>
             </a:fld>
             <a:endParaRPr lang="en-US"/>
           </a:p>
@@ -4482,7 +4482,7 @@
           <a:p>
             <a:fld id="{A7A44A2C-D3DA-463E-847C-1BD2FBBDC97F}" type="datetimeFigureOut">
               <a:rPr lang="en-US" smtClean="0"/>
-              <a:t>5/16/2016</a:t>
+              <a:t>5/31/2016</a:t>
             </a:fld>
             <a:endParaRPr lang="en-US"/>
           </a:p>
@@ -4577,7 +4577,7 @@
           <a:p>
             <a:fld id="{A7A44A2C-D3DA-463E-847C-1BD2FBBDC97F}" type="datetimeFigureOut">
               <a:rPr lang="en-US" smtClean="0"/>
-              <a:t>5/16/2016</a:t>
+              <a:t>5/31/2016</a:t>
             </a:fld>
             <a:endParaRPr lang="en-US"/>
           </a:p>
@@ -4832,7 +4832,7 @@
           <a:p>
             <a:fld id="{A7A44A2C-D3DA-463E-847C-1BD2FBBDC97F}" type="datetimeFigureOut">
               <a:rPr lang="en-US" smtClean="0"/>
-              <a:t>5/16/2016</a:t>
+              <a:t>5/31/2016</a:t>
             </a:fld>
             <a:endParaRPr lang="en-US"/>
           </a:p>
@@ -5137,7 +5137,7 @@
           <a:p>
             <a:fld id="{A7A44A2C-D3DA-463E-847C-1BD2FBBDC97F}" type="datetimeFigureOut">
               <a:rPr lang="en-US" smtClean="0"/>
-              <a:t>5/16/2016</a:t>
+              <a:t>5/31/2016</a:t>
             </a:fld>
             <a:endParaRPr lang="en-US"/>
           </a:p>
@@ -5839,7 +5839,7 @@
           <a:p>
             <a:fld id="{A7A44A2C-D3DA-463E-847C-1BD2FBBDC97F}" type="datetimeFigureOut">
               <a:rPr lang="en-US" smtClean="0"/>
-              <a:t>5/16/2016</a:t>
+              <a:t>5/31/2016</a:t>
             </a:fld>
             <a:endParaRPr lang="en-US"/>
           </a:p>
@@ -6895,30 +6895,64 @@
           </a:p>
         </p:txBody>
       </p:sp>
+      <p:sp>
+        <p:nvSpPr>
+          <p:cNvPr id="5" name="Объект 4"/>
+          <p:cNvSpPr>
+            <a:spLocks noGrp="1"/>
+          </p:cNvSpPr>
+          <p:nvPr>
+            <p:ph idx="1"/>
+          </p:nvPr>
+        </p:nvSpPr>
+        <p:spPr/>
+        <p:txBody>
+          <a:bodyPr/>
+          <a:lstStyle/>
+          <a:p>
+            <a:endParaRPr lang="en-US"/>
+          </a:p>
+        </p:txBody>
+      </p:sp>
       <p:pic>
         <p:nvPicPr>
-          <p:cNvPr id="6" name="Объект 5"/>
+          <p:cNvPr id="1026" name="Picture 2" descr="https://scontent-fra3-1.xx.fbcdn.net/v/t34.0-12/13282078_1093644060673723_601692382_n.jpg?oh=3802c0b205ca3036efbf3a98e824e7d3&amp;oe=574EDD5F"/>
           <p:cNvPicPr>
-            <a:picLocks noGrp="1" noChangeAspect="1"/>
+            <a:picLocks noChangeAspect="1" noChangeArrowheads="1"/>
           </p:cNvPicPr>
-          <p:nvPr>
-            <p:ph idx="1"/>
-          </p:nvPr>
+          <p:nvPr/>
         </p:nvPicPr>
         <p:blipFill>
-          <a:blip r:embed="rId3"/>
+          <a:blip r:embed="rId3">
+            <a:extLst>
+              <a:ext uri="{28A0092B-C50C-407E-A947-70E740481C1C}">
+                <a14:useLocalDpi xmlns:a14="http://schemas.microsoft.com/office/drawing/2010/main" val="0"/>
+              </a:ext>
+            </a:extLst>
+          </a:blip>
+          <a:srcRect/>
           <a:stretch>
             <a:fillRect/>
           </a:stretch>
         </p:blipFill>
-        <p:spPr>
+        <p:spPr bwMode="auto">
           <a:xfrm>
-            <a:off x="1112146" y="1274052"/>
-            <a:ext cx="8027477" cy="3879850"/>
+            <a:off x="349788" y="876299"/>
+            <a:ext cx="8111824" cy="5404514"/>
           </a:xfrm>
           <a:prstGeom prst="rect">
             <a:avLst/>
           </a:prstGeom>
+          <a:noFill/>
+          <a:extLst>
+            <a:ext uri="{909E8E84-426E-40DD-AFC4-6F175D3DCCD1}">
+              <a14:hiddenFill xmlns:a14="http://schemas.microsoft.com/office/drawing/2010/main">
+                <a:solidFill>
+                  <a:srgbClr val="FFFFFF"/>
+                </a:solidFill>
+              </a14:hiddenFill>
+            </a:ext>
+          </a:extLst>
         </p:spPr>
       </p:pic>
     </p:spTree>
@@ -6951,6 +6985,34 @@
           <a:chExt cx="0" cy="0"/>
         </a:xfrm>
       </p:grpSpPr>
+      <p:pic>
+        <p:nvPicPr>
+          <p:cNvPr id="5" name="Объект 4"/>
+          <p:cNvPicPr>
+            <a:picLocks noGrp="1" noChangeAspect="1"/>
+          </p:cNvPicPr>
+          <p:nvPr>
+            <p:ph idx="1"/>
+          </p:nvPr>
+        </p:nvPicPr>
+        <p:blipFill rotWithShape="1">
+          <a:blip r:embed="rId2">
+            <a:extLst>
+              <a:ext uri="{28A0092B-C50C-407E-A947-70E740481C1C}">
+                <a14:useLocalDpi xmlns:a14="http://schemas.microsoft.com/office/drawing/2010/main" val="0"/>
+              </a:ext>
+            </a:extLst>
+          </a:blip>
+          <a:srcRect l="165" t="20615" r="328" b="9359"/>
+          <a:stretch/>
+        </p:blipFill>
+        <p:spPr>
+          <a:xfrm>
+            <a:off x="0" y="696037"/>
+            <a:ext cx="12192000" cy="6161964"/>
+          </a:xfrm>
+        </p:spPr>
+      </p:pic>
       <p:sp>
         <p:nvSpPr>
           <p:cNvPr id="2" name="Заголовок 1"/>
@@ -6979,32 +7041,6 @@
           </a:p>
         </p:txBody>
       </p:sp>
-      <p:pic>
-        <p:nvPicPr>
-          <p:cNvPr id="4" name="Объект 3"/>
-          <p:cNvPicPr>
-            <a:picLocks noGrp="1" noChangeAspect="1"/>
-          </p:cNvPicPr>
-          <p:nvPr>
-            <p:ph idx="1"/>
-          </p:nvPr>
-        </p:nvPicPr>
-        <p:blipFill>
-          <a:blip r:embed="rId2"/>
-          <a:stretch>
-            <a:fillRect/>
-          </a:stretch>
-        </p:blipFill>
-        <p:spPr>
-          <a:xfrm>
-            <a:off x="460263" y="1132764"/>
-            <a:ext cx="9557194" cy="4609010"/>
-          </a:xfrm>
-          <a:prstGeom prst="rect">
-            <a:avLst/>
-          </a:prstGeom>
-        </p:spPr>
-      </p:pic>
     </p:spTree>
     <p:extLst>
       <p:ext uri="{BB962C8B-B14F-4D97-AF65-F5344CB8AC3E}">
